--- a/rapport/DOCS SYNTHESE/synthèse.pptx
+++ b/rapport/DOCS SYNTHESE/synthèse.pptx
@@ -297,7 +297,7 @@
           <a:p>
             <a:fld id="{8D32ADDA-B0AB-E047-8C8C-601BF4DFD54D}" type="datetimeFigureOut">
               <a:rPr lang="fr-FR" smtClean="0"/>
-              <a:t>02/01/16</a:t>
+              <a:t>07/01/16</a:t>
             </a:fld>
             <a:endParaRPr lang="fr-FR" dirty="0"/>
           </a:p>
@@ -467,7 +467,7 @@
           <a:p>
             <a:fld id="{8D32ADDA-B0AB-E047-8C8C-601BF4DFD54D}" type="datetimeFigureOut">
               <a:rPr lang="fr-FR" smtClean="0"/>
-              <a:t>02/01/16</a:t>
+              <a:t>07/01/16</a:t>
             </a:fld>
             <a:endParaRPr lang="fr-FR" dirty="0"/>
           </a:p>
@@ -647,7 +647,7 @@
           <a:p>
             <a:fld id="{8D32ADDA-B0AB-E047-8C8C-601BF4DFD54D}" type="datetimeFigureOut">
               <a:rPr lang="fr-FR" smtClean="0"/>
-              <a:t>02/01/16</a:t>
+              <a:t>07/01/16</a:t>
             </a:fld>
             <a:endParaRPr lang="fr-FR" dirty="0"/>
           </a:p>
@@ -817,7 +817,7 @@
           <a:p>
             <a:fld id="{8D32ADDA-B0AB-E047-8C8C-601BF4DFD54D}" type="datetimeFigureOut">
               <a:rPr lang="fr-FR" smtClean="0"/>
-              <a:t>02/01/16</a:t>
+              <a:t>07/01/16</a:t>
             </a:fld>
             <a:endParaRPr lang="fr-FR" dirty="0"/>
           </a:p>
@@ -1063,7 +1063,7 @@
           <a:p>
             <a:fld id="{8D32ADDA-B0AB-E047-8C8C-601BF4DFD54D}" type="datetimeFigureOut">
               <a:rPr lang="fr-FR" smtClean="0"/>
-              <a:t>02/01/16</a:t>
+              <a:t>07/01/16</a:t>
             </a:fld>
             <a:endParaRPr lang="fr-FR" dirty="0"/>
           </a:p>
@@ -1351,7 +1351,7 @@
           <a:p>
             <a:fld id="{8D32ADDA-B0AB-E047-8C8C-601BF4DFD54D}" type="datetimeFigureOut">
               <a:rPr lang="fr-FR" smtClean="0"/>
-              <a:t>02/01/16</a:t>
+              <a:t>07/01/16</a:t>
             </a:fld>
             <a:endParaRPr lang="fr-FR" dirty="0"/>
           </a:p>
@@ -1773,7 +1773,7 @@
           <a:p>
             <a:fld id="{8D32ADDA-B0AB-E047-8C8C-601BF4DFD54D}" type="datetimeFigureOut">
               <a:rPr lang="fr-FR" smtClean="0"/>
-              <a:t>02/01/16</a:t>
+              <a:t>07/01/16</a:t>
             </a:fld>
             <a:endParaRPr lang="fr-FR" dirty="0"/>
           </a:p>
@@ -1891,7 +1891,7 @@
           <a:p>
             <a:fld id="{8D32ADDA-B0AB-E047-8C8C-601BF4DFD54D}" type="datetimeFigureOut">
               <a:rPr lang="fr-FR" smtClean="0"/>
-              <a:t>02/01/16</a:t>
+              <a:t>07/01/16</a:t>
             </a:fld>
             <a:endParaRPr lang="fr-FR" dirty="0"/>
           </a:p>
@@ -1986,7 +1986,7 @@
           <a:p>
             <a:fld id="{8D32ADDA-B0AB-E047-8C8C-601BF4DFD54D}" type="datetimeFigureOut">
               <a:rPr lang="fr-FR" smtClean="0"/>
-              <a:t>02/01/16</a:t>
+              <a:t>07/01/16</a:t>
             </a:fld>
             <a:endParaRPr lang="fr-FR" dirty="0"/>
           </a:p>
@@ -2263,7 +2263,7 @@
           <a:p>
             <a:fld id="{8D32ADDA-B0AB-E047-8C8C-601BF4DFD54D}" type="datetimeFigureOut">
               <a:rPr lang="fr-FR" smtClean="0"/>
-              <a:t>02/01/16</a:t>
+              <a:t>07/01/16</a:t>
             </a:fld>
             <a:endParaRPr lang="fr-FR" dirty="0"/>
           </a:p>
@@ -2516,7 +2516,7 @@
           <a:p>
             <a:fld id="{8D32ADDA-B0AB-E047-8C8C-601BF4DFD54D}" type="datetimeFigureOut">
               <a:rPr lang="fr-FR" smtClean="0"/>
-              <a:t>02/01/16</a:t>
+              <a:t>07/01/16</a:t>
             </a:fld>
             <a:endParaRPr lang="fr-FR" dirty="0"/>
           </a:p>
@@ -2729,7 +2729,7 @@
           <a:p>
             <a:fld id="{8D32ADDA-B0AB-E047-8C8C-601BF4DFD54D}" type="datetimeFigureOut">
               <a:rPr lang="fr-FR" smtClean="0"/>
-              <a:t>02/01/16</a:t>
+              <a:t>07/01/16</a:t>
             </a:fld>
             <a:endParaRPr lang="fr-FR" dirty="0"/>
           </a:p>
@@ -3125,7 +3125,7 @@
         </p:blipFill>
         <p:spPr bwMode="auto">
           <a:xfrm>
-            <a:off x="8083063" y="4683649"/>
+            <a:off x="8086612" y="3188196"/>
             <a:ext cx="785444" cy="671366"/>
           </a:xfrm>
           <a:prstGeom prst="rect">
@@ -3151,7 +3151,7 @@
         </p:nvCxnSpPr>
         <p:spPr>
           <a:xfrm>
-            <a:off x="4142757" y="4857148"/>
+            <a:off x="4146306" y="3361695"/>
             <a:ext cx="3528392" cy="0"/>
           </a:xfrm>
           <a:prstGeom prst="straightConnector1">
@@ -3184,7 +3184,7 @@
         </p:nvSpPr>
         <p:spPr>
           <a:xfrm>
-            <a:off x="3926733" y="4156912"/>
+            <a:off x="3930282" y="2661459"/>
             <a:ext cx="3960440" cy="646331"/>
           </a:xfrm>
           <a:prstGeom prst="rect">
@@ -3200,11 +3200,19 @@
           <a:p>
             <a:pPr algn="ctr"/>
             <a:r>
-              <a:rPr lang="fr-FR" dirty="0"/>
+              <a:rPr lang="fr-FR" dirty="0">
+                <a:solidFill>
+                  <a:srgbClr val="FF0000"/>
+                </a:solidFill>
+              </a:rPr>
               <a:t>2</a:t>
             </a:r>
             <a:r>
-              <a:rPr lang="fr-FR" dirty="0" smtClean="0"/>
+              <a:rPr lang="fr-FR" dirty="0" smtClean="0">
+                <a:solidFill>
+                  <a:srgbClr val="FF0000"/>
+                </a:solidFill>
+              </a:rPr>
               <a:t>. </a:t>
             </a:r>
             <a:r>
@@ -3213,7 +3221,7 @@
             </a:r>
             <a:r>
               <a:rPr lang="fr-FR" dirty="0" smtClean="0"/>
-              <a:t> des crédentials : ajout de clés publiques étrangères à celles d’Alice</a:t>
+              <a:t> des crédentials : ajout de crédentials autres que ceux d’Alice</a:t>
             </a:r>
             <a:endParaRPr lang="fr-FR" dirty="0"/>
           </a:p>
@@ -3227,8 +3235,8 @@
         </p:nvSpPr>
         <p:spPr>
           <a:xfrm>
-            <a:off x="1886874" y="6158107"/>
-            <a:ext cx="3842700" cy="369332"/>
+            <a:off x="1814836" y="5647946"/>
+            <a:ext cx="2075777" cy="800219"/>
           </a:xfrm>
           <a:prstGeom prst="rect">
             <a:avLst/>
@@ -3241,35 +3249,36 @@
           </a:bodyPr>
           <a:lstStyle/>
           <a:p>
+            <a:pPr algn="ctr"/>
             <a:r>
               <a:rPr lang="fr-FR" dirty="0" smtClean="0">
                 <a:solidFill>
                   <a:srgbClr val="FF0000"/>
                 </a:solidFill>
               </a:rPr>
-              <a:t> </a:t>
-            </a:r>
-            <a:r>
-              <a:rPr lang="fr-FR" dirty="0">
-                <a:solidFill>
-                  <a:srgbClr val="FF0000"/>
-                </a:solidFill>
-              </a:rPr>
+              <a:t> 4.</a:t>
+            </a:r>
+            <a:r>
+              <a:rPr lang="fr-FR" dirty="0"/>
               <a:t>E</a:t>
             </a:r>
             <a:r>
-              <a:rPr lang="fr-FR" dirty="0" smtClean="0">
-                <a:solidFill>
-                  <a:srgbClr val="FF0000"/>
-                </a:solidFill>
-              </a:rPr>
-              <a:t>nvoi de la requête à l’application Bob</a:t>
-            </a:r>
-            <a:endParaRPr lang="fr-FR" dirty="0">
-              <a:solidFill>
-                <a:srgbClr val="FF0000"/>
-              </a:solidFill>
-            </a:endParaRPr>
+              <a:rPr lang="fr-FR" dirty="0" smtClean="0"/>
+              <a:t>nvoi</a:t>
+            </a:r>
+            <a:endParaRPr lang="fr-FR" dirty="0"/>
+          </a:p>
+          <a:p>
+            <a:pPr algn="ctr"/>
+            <a:endParaRPr lang="fr-FR" sz="1000" dirty="0" smtClean="0"/>
+          </a:p>
+          <a:p>
+            <a:pPr algn="ctr"/>
+            <a:r>
+              <a:rPr lang="fr-FR" dirty="0" smtClean="0"/>
+              <a:t> à la Frontale</a:t>
+            </a:r>
+            <a:endParaRPr lang="fr-FR" dirty="0"/>
           </a:p>
         </p:txBody>
       </p:sp>
@@ -3281,15 +3290,15 @@
         </p:nvCxnSpPr>
         <p:spPr>
           <a:xfrm>
-            <a:off x="2049938" y="6080182"/>
-            <a:ext cx="3528392" cy="0"/>
+            <a:off x="2195566" y="6046315"/>
+            <a:ext cx="1561374" cy="0"/>
           </a:xfrm>
           <a:prstGeom prst="straightConnector1">
             <a:avLst/>
           </a:prstGeom>
           <a:ln w="28575">
             <a:solidFill>
-              <a:srgbClr val="FF0000"/>
+              <a:schemeClr val="tx1"/>
             </a:solidFill>
             <a:tailEnd type="arrow"/>
           </a:ln>
@@ -3317,7 +3326,7 @@
         </p:nvSpPr>
         <p:spPr>
           <a:xfrm>
-            <a:off x="2293621" y="5121603"/>
+            <a:off x="2297170" y="3626150"/>
             <a:ext cx="1800200" cy="338554"/>
           </a:xfrm>
           <a:prstGeom prst="rect">
@@ -3359,7 +3368,7 @@
         </p:nvCxnSpPr>
         <p:spPr>
           <a:xfrm flipH="1">
-            <a:off x="4142757" y="5333894"/>
+            <a:off x="4146306" y="3838441"/>
             <a:ext cx="3528392" cy="0"/>
           </a:xfrm>
           <a:prstGeom prst="straightConnector1">
@@ -3392,8 +3401,8 @@
         </p:nvSpPr>
         <p:spPr>
           <a:xfrm>
-            <a:off x="217844" y="5639479"/>
-            <a:ext cx="1800200" cy="1077218"/>
+            <a:off x="457151" y="4908026"/>
+            <a:ext cx="1641248" cy="1323439"/>
           </a:xfrm>
           <a:prstGeom prst="rect">
             <a:avLst/>
@@ -3437,11 +3446,33 @@
               <a:rPr lang="fr-FR" sz="1600" b="1" dirty="0" err="1"/>
               <a:t>REQ_généralisée</a:t>
             </a:r>
-            <a:endParaRPr lang="fr-FR" sz="1600" b="1" dirty="0"/>
           </a:p>
           <a:p>
             <a:pPr algn="ctr"/>
-            <a:endParaRPr lang="fr-FR" sz="1600" b="1" dirty="0"/>
+            <a:r>
+              <a:rPr lang="fr-FR" sz="1600" b="1" dirty="0">
+                <a:solidFill>
+                  <a:srgbClr val="FF0000"/>
+                </a:solidFill>
+              </a:rPr>
+              <a:t>=</a:t>
+            </a:r>
+            <a:endParaRPr lang="fr-FR" sz="1600" b="1" dirty="0">
+              <a:solidFill>
+                <a:srgbClr val="FF0000"/>
+              </a:solidFill>
+            </a:endParaRPr>
+          </a:p>
+          <a:p>
+            <a:pPr algn="ctr"/>
+            <a:r>
+              <a:rPr lang="fr-FR" sz="1600" b="1" dirty="0">
+                <a:solidFill>
+                  <a:srgbClr val="FF0000"/>
+                </a:solidFill>
+              </a:rPr>
+              <a:t>REQ_f</a:t>
+            </a:r>
           </a:p>
         </p:txBody>
       </p:sp>
@@ -3453,7 +3484,7 @@
         </p:nvSpPr>
         <p:spPr>
           <a:xfrm>
-            <a:off x="2532447" y="4671193"/>
+            <a:off x="2535996" y="3175740"/>
             <a:ext cx="1322548" cy="338554"/>
           </a:xfrm>
           <a:prstGeom prst="rect">
@@ -3496,7 +3527,7 @@
         </p:blipFill>
         <p:spPr bwMode="auto">
           <a:xfrm>
-            <a:off x="7953057" y="3040938"/>
+            <a:off x="7953057" y="4361790"/>
             <a:ext cx="1045457" cy="824168"/>
           </a:xfrm>
           <a:prstGeom prst="rect">
@@ -3522,8 +3553,8 @@
         </p:nvSpPr>
         <p:spPr>
           <a:xfrm>
-            <a:off x="3926733" y="2559182"/>
-            <a:ext cx="3960440" cy="923330"/>
+            <a:off x="4013200" y="4049374"/>
+            <a:ext cx="4073412" cy="646331"/>
           </a:xfrm>
           <a:prstGeom prst="rect">
             <a:avLst/>
@@ -3538,11 +3569,19 @@
           <a:p>
             <a:pPr algn="ctr"/>
             <a:r>
-              <a:rPr lang="fr-FR" dirty="0"/>
-              <a:t>1</a:t>
-            </a:r>
-            <a:r>
-              <a:rPr lang="fr-FR" dirty="0" smtClean="0"/>
+              <a:rPr lang="fr-FR" dirty="0">
+                <a:solidFill>
+                  <a:srgbClr val="FF0000"/>
+                </a:solidFill>
+              </a:rPr>
+              <a:t>3</a:t>
+            </a:r>
+            <a:r>
+              <a:rPr lang="fr-FR" dirty="0" smtClean="0">
+                <a:solidFill>
+                  <a:srgbClr val="FF0000"/>
+                </a:solidFill>
+              </a:rPr>
               <a:t>.</a:t>
             </a:r>
             <a:r>
@@ -3555,7 +3594,7 @@
             </a:r>
             <a:r>
               <a:rPr lang="fr-FR" dirty="0"/>
-              <a:t>de la requête: monter de plusieurs niveaux hiérarchiques dans les arbres GSA </a:t>
+              <a:t>de la requête: monter de plusieurs niveaux dans les arbres GSA </a:t>
             </a:r>
           </a:p>
         </p:txBody>
@@ -3568,7 +3607,7 @@
         </p:nvCxnSpPr>
         <p:spPr>
           <a:xfrm>
-            <a:off x="4142757" y="3461787"/>
+            <a:off x="4146306" y="4782639"/>
             <a:ext cx="3528392" cy="0"/>
           </a:xfrm>
           <a:prstGeom prst="straightConnector1">
@@ -3601,7 +3640,7 @@
         </p:nvCxnSpPr>
         <p:spPr>
           <a:xfrm flipH="1">
-            <a:off x="4142757" y="3870555"/>
+            <a:off x="4146306" y="5191407"/>
             <a:ext cx="3528392" cy="0"/>
           </a:xfrm>
           <a:prstGeom prst="straightConnector1">
@@ -3634,7 +3673,7 @@
         </p:nvSpPr>
         <p:spPr>
           <a:xfrm>
-            <a:off x="2745007" y="3271174"/>
+            <a:off x="2745007" y="4592026"/>
             <a:ext cx="897428" cy="338554"/>
           </a:xfrm>
           <a:prstGeom prst="rect">
@@ -3665,7 +3704,7 @@
         </p:nvSpPr>
         <p:spPr>
           <a:xfrm>
-            <a:off x="2293621" y="3673968"/>
+            <a:off x="2293621" y="4994820"/>
             <a:ext cx="1800200" cy="338554"/>
           </a:xfrm>
           <a:prstGeom prst="rect">
@@ -3688,99 +3727,6 @@
           </a:p>
         </p:txBody>
       </p:sp>
-      <p:grpSp>
-        <p:nvGrpSpPr>
-          <p:cNvPr id="19" name="Grouper 18"/>
-          <p:cNvGrpSpPr/>
-          <p:nvPr/>
-        </p:nvGrpSpPr>
-        <p:grpSpPr>
-          <a:xfrm>
-            <a:off x="5904530" y="5639479"/>
-            <a:ext cx="1428420" cy="1111813"/>
-            <a:chOff x="6454247" y="4481435"/>
-            <a:chExt cx="1563355" cy="1184467"/>
-          </a:xfrm>
-        </p:grpSpPr>
-        <p:pic>
-          <p:nvPicPr>
-            <p:cNvPr id="20" name="Picture 8" descr="C:\Users\Lisa\Downloads\noun_75930_cc.png"/>
-            <p:cNvPicPr>
-              <a:picLocks noChangeAspect="1" noChangeArrowheads="1"/>
-            </p:cNvPicPr>
-            <p:nvPr/>
-          </p:nvPicPr>
-          <p:blipFill rotWithShape="1">
-            <a:blip r:embed="rId4" cstate="print">
-              <a:extLst>
-                <a:ext uri="{28A0092B-C50C-407E-A947-70E740481C1C}">
-                  <a14:useLocalDpi xmlns:a14="http://schemas.microsoft.com/office/drawing/2010/main" val="0"/>
-                </a:ext>
-              </a:extLst>
-            </a:blip>
-            <a:srcRect l="26816" t="21680" r="26816" b="36800"/>
-            <a:stretch/>
-          </p:blipFill>
-          <p:spPr bwMode="auto">
-            <a:xfrm>
-              <a:off x="6454247" y="4481435"/>
-              <a:ext cx="807251" cy="722851"/>
-            </a:xfrm>
-            <a:prstGeom prst="ellipse">
-              <a:avLst/>
-            </a:prstGeom>
-            <a:noFill/>
-            <a:extLst>
-              <a:ext uri="{909E8E84-426E-40dd-AFC4-6F175D3DCCD1}">
-                <a14:hiddenFill xmlns:a14="http://schemas.microsoft.com/office/drawing/2010/main">
-                  <a:solidFill>
-                    <a:srgbClr val="FFFFFF"/>
-                  </a:solidFill>
-                </a14:hiddenFill>
-              </a:ext>
-            </a:extLst>
-          </p:spPr>
-        </p:pic>
-        <p:pic>
-          <p:nvPicPr>
-            <p:cNvPr id="21" name="Picture 7" descr="C:\Users\Lisa\Downloads\noun_74617_cc.png"/>
-            <p:cNvPicPr>
-              <a:picLocks noChangeAspect="1" noChangeArrowheads="1"/>
-            </p:cNvPicPr>
-            <p:nvPr/>
-          </p:nvPicPr>
-          <p:blipFill rotWithShape="1">
-            <a:blip r:embed="rId5" cstate="print">
-              <a:extLst>
-                <a:ext uri="{28A0092B-C50C-407E-A947-70E740481C1C}">
-                  <a14:useLocalDpi xmlns:a14="http://schemas.microsoft.com/office/drawing/2010/main" val="0"/>
-                </a:ext>
-              </a:extLst>
-            </a:blip>
-            <a:srcRect b="23660"/>
-            <a:stretch/>
-          </p:blipFill>
-          <p:spPr bwMode="auto">
-            <a:xfrm>
-              <a:off x="6774872" y="4717200"/>
-              <a:ext cx="1242730" cy="948702"/>
-            </a:xfrm>
-            <a:prstGeom prst="rect">
-              <a:avLst/>
-            </a:prstGeom>
-            <a:noFill/>
-            <a:extLst>
-              <a:ext uri="{909E8E84-426E-40dd-AFC4-6F175D3DCCD1}">
-                <a14:hiddenFill xmlns:a14="http://schemas.microsoft.com/office/drawing/2010/main">
-                  <a:solidFill>
-                    <a:srgbClr val="FFFFFF"/>
-                  </a:solidFill>
-                </a14:hiddenFill>
-              </a:ext>
-            </a:extLst>
-          </p:spPr>
-        </p:pic>
-      </p:grpSp>
       <p:sp>
         <p:nvSpPr>
           <p:cNvPr id="22" name="Accolade ouvrante 21"/>
@@ -3839,7 +3785,7 @@
         </p:nvSpPr>
         <p:spPr>
           <a:xfrm>
-            <a:off x="463853" y="3451804"/>
+            <a:off x="455386" y="3451804"/>
             <a:ext cx="1609889" cy="646331"/>
           </a:xfrm>
           <a:prstGeom prst="rect">
@@ -3908,45 +3854,6 @@
           </a:p>
         </p:txBody>
       </p:sp>
-      <p:pic>
-        <p:nvPicPr>
-          <p:cNvPr id="53" name="Picture 2" descr="C:\Users\Lisa\Downloads\noun_88101_cc.png"/>
-          <p:cNvPicPr>
-            <a:picLocks noChangeAspect="1" noChangeArrowheads="1"/>
-          </p:cNvPicPr>
-          <p:nvPr/>
-        </p:nvPicPr>
-        <p:blipFill rotWithShape="1">
-          <a:blip r:embed="rId6" cstate="print">
-            <a:extLst>
-              <a:ext uri="{28A0092B-C50C-407E-A947-70E740481C1C}">
-                <a14:useLocalDpi xmlns:a14="http://schemas.microsoft.com/office/drawing/2010/main" val="0"/>
-              </a:ext>
-            </a:extLst>
-          </a:blip>
-          <a:srcRect b="15842"/>
-          <a:stretch/>
-        </p:blipFill>
-        <p:spPr bwMode="auto">
-          <a:xfrm>
-            <a:off x="5565714" y="919352"/>
-            <a:ext cx="738024" cy="621105"/>
-          </a:xfrm>
-          <a:prstGeom prst="rect">
-            <a:avLst/>
-          </a:prstGeom>
-          <a:noFill/>
-          <a:extLst>
-            <a:ext uri="{909E8E84-426E-40dd-AFC4-6F175D3DCCD1}">
-              <a14:hiddenFill xmlns:a14="http://schemas.microsoft.com/office/drawing/2010/main">
-                <a:solidFill>
-                  <a:srgbClr val="FFFFFF"/>
-                </a:solidFill>
-              </a14:hiddenFill>
-            </a:ext>
-          </a:extLst>
-        </p:spPr>
-      </p:pic>
       <p:sp>
         <p:nvSpPr>
           <p:cNvPr id="72" name="ZoneTexte 71"/>
@@ -3955,8 +3862,8 @@
         </p:nvSpPr>
         <p:spPr>
           <a:xfrm>
-            <a:off x="2201182" y="842519"/>
-            <a:ext cx="3528392" cy="369332"/>
+            <a:off x="2201182" y="823208"/>
+            <a:ext cx="2912685" cy="369332"/>
           </a:xfrm>
           <a:prstGeom prst="rect">
             <a:avLst/>
@@ -3975,14 +3882,14 @@
             <a:r>
               <a:rPr lang="fr-FR" dirty="0" smtClean="0">
                 <a:solidFill>
-                  <a:srgbClr val="FF0000"/>
+                  <a:srgbClr val="008000"/>
                 </a:solidFill>
               </a:rPr>
               <a:t>Saisie de la requête par Alice</a:t>
             </a:r>
             <a:endParaRPr lang="fr-FR" dirty="0">
               <a:solidFill>
-                <a:srgbClr val="FF0000"/>
+                <a:srgbClr val="008000"/>
               </a:solidFill>
             </a:endParaRPr>
           </a:p>
@@ -4011,8 +3918,24 @@
           <a:lstStyle/>
           <a:p>
             <a:r>
+              <a:rPr lang="fr-FR" dirty="0">
+                <a:solidFill>
+                  <a:srgbClr val="FF0000"/>
+                </a:solidFill>
+              </a:rPr>
+              <a:t>1</a:t>
+            </a:r>
+            <a:r>
+              <a:rPr lang="fr-FR" dirty="0" smtClean="0">
+                <a:solidFill>
+                  <a:srgbClr val="FF0000"/>
+                </a:solidFill>
+              </a:rPr>
+              <a:t>.</a:t>
+            </a:r>
+            <a:r>
               <a:rPr lang="fr-FR" dirty="0" smtClean="0"/>
-              <a:t>0.Formatage + ajout des crédentials</a:t>
+              <a:t>Formatage + ajout des crédentials</a:t>
             </a:r>
             <a:endParaRPr lang="fr-FR" dirty="0"/>
           </a:p>
@@ -4026,15 +3949,15 @@
         </p:nvCxnSpPr>
         <p:spPr>
           <a:xfrm flipH="1">
-            <a:off x="2049938" y="1243561"/>
-            <a:ext cx="3528392" cy="0"/>
+            <a:off x="2049939" y="1243561"/>
+            <a:ext cx="2981010" cy="0"/>
           </a:xfrm>
           <a:prstGeom prst="straightConnector1">
             <a:avLst/>
           </a:prstGeom>
           <a:ln w="28575">
             <a:solidFill>
-              <a:srgbClr val="FF0000"/>
+              <a:srgbClr val="008000"/>
             </a:solidFill>
             <a:tailEnd type="arrow"/>
           </a:ln>
@@ -4095,10 +4018,10 @@
         </p:nvGrpSpPr>
         <p:grpSpPr>
           <a:xfrm>
-            <a:off x="731551" y="2198141"/>
-            <a:ext cx="1124671" cy="995453"/>
-            <a:chOff x="0" y="4155258"/>
-            <a:chExt cx="1124671" cy="995453"/>
+            <a:off x="663815" y="2164273"/>
+            <a:ext cx="1192407" cy="1029321"/>
+            <a:chOff x="-67736" y="4121390"/>
+            <a:chExt cx="1192407" cy="1029321"/>
           </a:xfrm>
         </p:grpSpPr>
         <p:pic>
@@ -4110,7 +4033,7 @@
             <p:nvPr/>
           </p:nvPicPr>
           <p:blipFill>
-            <a:blip r:embed="rId7">
+            <a:blip r:embed="rId4">
               <a:extLst>
                 <a:ext uri="{28A0092B-C50C-407E-A947-70E740481C1C}">
                   <a14:useLocalDpi xmlns:a14="http://schemas.microsoft.com/office/drawing/2010/main" val="0"/>
@@ -4124,7 +4047,7 @@
           </p:blipFill>
           <p:spPr bwMode="auto">
             <a:xfrm>
-              <a:off x="0" y="4155258"/>
+              <a:off x="-67736" y="4121390"/>
               <a:ext cx="633543" cy="620525"/>
             </a:xfrm>
             <a:prstGeom prst="rect">
@@ -4208,13 +4131,15 @@
       <p:cxnSp>
         <p:nvCxnSpPr>
           <p:cNvPr id="85" name="Connecteur droit avec flèche 84"/>
-          <p:cNvCxnSpPr/>
+          <p:cNvCxnSpPr>
+            <a:endCxn id="11" idx="0"/>
+          </p:cNvCxnSpPr>
           <p:nvPr/>
         </p:nvCxnSpPr>
         <p:spPr>
-          <a:xfrm flipH="1">
-            <a:off x="1268798" y="4098135"/>
-            <a:ext cx="6296" cy="1363685"/>
+          <a:xfrm>
+            <a:off x="1275094" y="4098135"/>
+            <a:ext cx="2681" cy="809891"/>
           </a:xfrm>
           <a:prstGeom prst="straightConnector1">
             <a:avLst/>
@@ -4246,7 +4171,7 @@
         </p:nvCxnSpPr>
         <p:spPr>
           <a:xfrm>
-            <a:off x="4142757" y="2304055"/>
+            <a:off x="4146306" y="2304055"/>
             <a:ext cx="3528392" cy="0"/>
           </a:xfrm>
           <a:prstGeom prst="straightConnector1">
@@ -4346,36 +4271,6 @@
                 <a:srgbClr val="3366FF"/>
               </a:solidFill>
             </a:endParaRPr>
-          </a:p>
-        </p:txBody>
-      </p:sp>
-      <p:sp>
-        <p:nvSpPr>
-          <p:cNvPr id="96" name="ZoneTexte 95"/>
-          <p:cNvSpPr txBox="1"/>
-          <p:nvPr/>
-        </p:nvSpPr>
-        <p:spPr>
-          <a:xfrm>
-            <a:off x="2699289" y="213794"/>
-            <a:ext cx="4296101" cy="369332"/>
-          </a:xfrm>
-          <a:prstGeom prst="rect">
-            <a:avLst/>
-          </a:prstGeom>
-          <a:noFill/>
-        </p:spPr>
-        <p:txBody>
-          <a:bodyPr wrap="square" rtlCol="0">
-            <a:spAutoFit/>
-          </a:bodyPr>
-          <a:lstStyle/>
-          <a:p>
-            <a:pPr algn="ctr"/>
-            <a:r>
-              <a:rPr lang="fr-FR" b="1" dirty="0" smtClean="0"/>
-              <a:t>De la saisie à l’envoie d’une requête </a:t>
-            </a:r>
           </a:p>
         </p:txBody>
       </p:sp>
@@ -5199,6 +5094,429 @@
           </p:txBody>
         </p:sp>
       </p:grpSp>
+      <p:grpSp>
+        <p:nvGrpSpPr>
+          <p:cNvPr id="57" name="Grouper 56"/>
+          <p:cNvGrpSpPr/>
+          <p:nvPr/>
+        </p:nvGrpSpPr>
+        <p:grpSpPr>
+          <a:xfrm>
+            <a:off x="3918888" y="5515379"/>
+            <a:ext cx="968672" cy="978695"/>
+            <a:chOff x="3959026" y="3661998"/>
+            <a:chExt cx="3125434" cy="3196001"/>
+          </a:xfrm>
+        </p:grpSpPr>
+        <p:pic>
+          <p:nvPicPr>
+            <p:cNvPr id="58" name="Image 57" descr="noun_100757_cc.png"/>
+            <p:cNvPicPr>
+              <a:picLocks noChangeAspect="1"/>
+            </p:cNvPicPr>
+            <p:nvPr/>
+          </p:nvPicPr>
+          <p:blipFill rotWithShape="1">
+            <a:blip r:embed="rId6">
+              <a:extLst>
+                <a:ext uri="{28A0092B-C50C-407E-A947-70E740481C1C}">
+                  <a14:useLocalDpi xmlns:a14="http://schemas.microsoft.com/office/drawing/2010/main" val="0"/>
+                </a:ext>
+              </a:extLst>
+            </a:blip>
+            <a:srcRect l="14972" t="11429" r="9859" b="27857"/>
+            <a:stretch/>
+          </p:blipFill>
+          <p:spPr>
+            <a:xfrm>
+              <a:off x="5302871" y="5377522"/>
+              <a:ext cx="1781589" cy="1471397"/>
+            </a:xfrm>
+            <a:prstGeom prst="rect">
+              <a:avLst/>
+            </a:prstGeom>
+          </p:spPr>
+        </p:pic>
+        <p:pic>
+          <p:nvPicPr>
+            <p:cNvPr id="59" name="Image 58" descr="noun_249512_cc.png"/>
+            <p:cNvPicPr>
+              <a:picLocks noChangeAspect="1"/>
+            </p:cNvPicPr>
+            <p:nvPr/>
+          </p:nvPicPr>
+          <p:blipFill rotWithShape="1">
+            <a:blip r:embed="rId7">
+              <a:extLst>
+                <a:ext uri="{28A0092B-C50C-407E-A947-70E740481C1C}">
+                  <a14:useLocalDpi xmlns:a14="http://schemas.microsoft.com/office/drawing/2010/main" val="0"/>
+                </a:ext>
+              </a:extLst>
+            </a:blip>
+            <a:srcRect l="25110" t="3090" r="27989" b="16056"/>
+            <a:stretch/>
+          </p:blipFill>
+          <p:spPr>
+            <a:xfrm>
+              <a:off x="3959026" y="3661998"/>
+              <a:ext cx="1853840" cy="3196001"/>
+            </a:xfrm>
+            <a:prstGeom prst="rect">
+              <a:avLst/>
+            </a:prstGeom>
+          </p:spPr>
+        </p:pic>
+      </p:grpSp>
+      <p:cxnSp>
+        <p:nvCxnSpPr>
+          <p:cNvPr id="60" name="Connecteur droit avec flèche 59"/>
+          <p:cNvCxnSpPr/>
+          <p:nvPr/>
+        </p:nvCxnSpPr>
+        <p:spPr>
+          <a:xfrm>
+            <a:off x="5017166" y="6046315"/>
+            <a:ext cx="1899383" cy="0"/>
+          </a:xfrm>
+          <a:prstGeom prst="straightConnector1">
+            <a:avLst/>
+          </a:prstGeom>
+          <a:ln w="28575">
+            <a:solidFill>
+              <a:srgbClr val="FF0000"/>
+            </a:solidFill>
+            <a:tailEnd type="arrow"/>
+          </a:ln>
+        </p:spPr>
+        <p:style>
+          <a:lnRef idx="1">
+            <a:schemeClr val="dk1"/>
+          </a:lnRef>
+          <a:fillRef idx="0">
+            <a:schemeClr val="dk1"/>
+          </a:fillRef>
+          <a:effectRef idx="0">
+            <a:schemeClr val="dk1"/>
+          </a:effectRef>
+          <a:fontRef idx="minor">
+            <a:schemeClr val="tx1"/>
+          </a:fontRef>
+        </p:style>
+      </p:cxnSp>
+      <p:sp>
+        <p:nvSpPr>
+          <p:cNvPr id="65" name="ZoneTexte 64"/>
+          <p:cNvSpPr txBox="1"/>
+          <p:nvPr/>
+        </p:nvSpPr>
+        <p:spPr>
+          <a:xfrm>
+            <a:off x="4887560" y="5676984"/>
+            <a:ext cx="1933905" cy="369332"/>
+          </a:xfrm>
+          <a:prstGeom prst="rect">
+            <a:avLst/>
+          </a:prstGeom>
+          <a:noFill/>
+        </p:spPr>
+        <p:txBody>
+          <a:bodyPr wrap="square" rtlCol="0">
+            <a:spAutoFit/>
+          </a:bodyPr>
+          <a:lstStyle/>
+          <a:p>
+            <a:pPr algn="ctr"/>
+            <a:r>
+              <a:rPr lang="fr-FR" dirty="0">
+                <a:solidFill>
+                  <a:srgbClr val="000000"/>
+                </a:solidFill>
+              </a:rPr>
+              <a:t>Envoie au SC</a:t>
+            </a:r>
+            <a:endParaRPr lang="fr-FR" dirty="0">
+              <a:solidFill>
+                <a:srgbClr val="000000"/>
+              </a:solidFill>
+            </a:endParaRPr>
+          </a:p>
+        </p:txBody>
+      </p:sp>
+      <p:pic>
+        <p:nvPicPr>
+          <p:cNvPr id="67" name="Image 66" descr="noun_249512_cc.png"/>
+          <p:cNvPicPr>
+            <a:picLocks noChangeAspect="1"/>
+          </p:cNvPicPr>
+          <p:nvPr/>
+        </p:nvPicPr>
+        <p:blipFill rotWithShape="1">
+          <a:blip r:embed="rId7">
+            <a:extLst>
+              <a:ext uri="{28A0092B-C50C-407E-A947-70E740481C1C}">
+                <a14:useLocalDpi xmlns:a14="http://schemas.microsoft.com/office/drawing/2010/main" val="0"/>
+              </a:ext>
+            </a:extLst>
+          </a:blip>
+          <a:srcRect l="25110" t="3090" r="27989" b="16056"/>
+          <a:stretch/>
+        </p:blipFill>
+        <p:spPr>
+          <a:xfrm>
+            <a:off x="6941363" y="5446002"/>
+            <a:ext cx="684830" cy="1180639"/>
+          </a:xfrm>
+          <a:prstGeom prst="rect">
+            <a:avLst/>
+          </a:prstGeom>
+        </p:spPr>
+      </p:pic>
+      <p:cxnSp>
+        <p:nvCxnSpPr>
+          <p:cNvPr id="69" name="Connecteur droit avec flèche 68"/>
+          <p:cNvCxnSpPr/>
+          <p:nvPr/>
+        </p:nvCxnSpPr>
+        <p:spPr>
+          <a:xfrm>
+            <a:off x="7725766" y="6046315"/>
+            <a:ext cx="889746" cy="0"/>
+          </a:xfrm>
+          <a:prstGeom prst="straightConnector1">
+            <a:avLst/>
+          </a:prstGeom>
+          <a:ln w="28575">
+            <a:solidFill>
+              <a:srgbClr val="FF0000"/>
+            </a:solidFill>
+            <a:tailEnd type="arrow"/>
+          </a:ln>
+        </p:spPr>
+        <p:style>
+          <a:lnRef idx="1">
+            <a:schemeClr val="dk1"/>
+          </a:lnRef>
+          <a:fillRef idx="0">
+            <a:schemeClr val="dk1"/>
+          </a:fillRef>
+          <a:effectRef idx="0">
+            <a:schemeClr val="dk1"/>
+          </a:effectRef>
+          <a:fontRef idx="minor">
+            <a:schemeClr val="tx1"/>
+          </a:fontRef>
+        </p:style>
+      </p:cxnSp>
+      <p:cxnSp>
+        <p:nvCxnSpPr>
+          <p:cNvPr id="94" name="Connecteur droit avec flèche 93"/>
+          <p:cNvCxnSpPr/>
+          <p:nvPr/>
+        </p:nvCxnSpPr>
+        <p:spPr>
+          <a:xfrm>
+            <a:off x="7725766" y="6046315"/>
+            <a:ext cx="744260" cy="227485"/>
+          </a:xfrm>
+          <a:prstGeom prst="straightConnector1">
+            <a:avLst/>
+          </a:prstGeom>
+          <a:ln w="28575">
+            <a:solidFill>
+              <a:srgbClr val="FF0000"/>
+            </a:solidFill>
+            <a:tailEnd type="arrow"/>
+          </a:ln>
+        </p:spPr>
+        <p:style>
+          <a:lnRef idx="1">
+            <a:schemeClr val="dk1"/>
+          </a:lnRef>
+          <a:fillRef idx="0">
+            <a:schemeClr val="dk1"/>
+          </a:fillRef>
+          <a:effectRef idx="0">
+            <a:schemeClr val="dk1"/>
+          </a:effectRef>
+          <a:fontRef idx="minor">
+            <a:schemeClr val="tx1"/>
+          </a:fontRef>
+        </p:style>
+      </p:cxnSp>
+      <p:cxnSp>
+        <p:nvCxnSpPr>
+          <p:cNvPr id="100" name="Connecteur droit avec flèche 99"/>
+          <p:cNvCxnSpPr/>
+          <p:nvPr/>
+        </p:nvCxnSpPr>
+        <p:spPr>
+          <a:xfrm flipV="1">
+            <a:off x="7725766" y="5791200"/>
+            <a:ext cx="744260" cy="255116"/>
+          </a:xfrm>
+          <a:prstGeom prst="straightConnector1">
+            <a:avLst/>
+          </a:prstGeom>
+          <a:ln w="28575">
+            <a:solidFill>
+              <a:srgbClr val="FF0000"/>
+            </a:solidFill>
+            <a:tailEnd type="arrow"/>
+          </a:ln>
+        </p:spPr>
+        <p:style>
+          <a:lnRef idx="1">
+            <a:schemeClr val="dk1"/>
+          </a:lnRef>
+          <a:fillRef idx="0">
+            <a:schemeClr val="dk1"/>
+          </a:fillRef>
+          <a:effectRef idx="0">
+            <a:schemeClr val="dk1"/>
+          </a:effectRef>
+          <a:fontRef idx="minor">
+            <a:schemeClr val="tx1"/>
+          </a:fontRef>
+        </p:style>
+      </p:cxnSp>
+      <p:sp>
+        <p:nvSpPr>
+          <p:cNvPr id="102" name="ZoneTexte 101"/>
+          <p:cNvSpPr txBox="1"/>
+          <p:nvPr/>
+        </p:nvSpPr>
+        <p:spPr>
+          <a:xfrm>
+            <a:off x="7588443" y="6281792"/>
+            <a:ext cx="1283613" cy="369332"/>
+          </a:xfrm>
+          <a:prstGeom prst="rect">
+            <a:avLst/>
+          </a:prstGeom>
+          <a:noFill/>
+        </p:spPr>
+        <p:txBody>
+          <a:bodyPr wrap="square" rtlCol="0">
+            <a:spAutoFit/>
+          </a:bodyPr>
+          <a:lstStyle/>
+          <a:p>
+            <a:pPr algn="ctr"/>
+            <a:r>
+              <a:rPr lang="fr-FR" dirty="0">
+                <a:solidFill>
+                  <a:srgbClr val="FF0000"/>
+                </a:solidFill>
+              </a:rPr>
+              <a:t> 5.</a:t>
+            </a:r>
+            <a:r>
+              <a:rPr lang="fr-FR" dirty="0"/>
+              <a:t>Diffusion</a:t>
+            </a:r>
+            <a:endParaRPr lang="fr-FR" dirty="0"/>
+          </a:p>
+        </p:txBody>
+      </p:sp>
+      <p:sp>
+        <p:nvSpPr>
+          <p:cNvPr id="48" name="Rectangle 47"/>
+          <p:cNvSpPr/>
+          <p:nvPr/>
+        </p:nvSpPr>
+        <p:spPr>
+          <a:xfrm>
+            <a:off x="3550560" y="6444873"/>
+            <a:ext cx="1569660" cy="369332"/>
+          </a:xfrm>
+          <a:prstGeom prst="rect">
+            <a:avLst/>
+          </a:prstGeom>
+        </p:spPr>
+        <p:txBody>
+          <a:bodyPr wrap="none">
+            <a:spAutoFit/>
+          </a:bodyPr>
+          <a:lstStyle/>
+          <a:p>
+            <a:pPr algn="ctr"/>
+            <a:r>
+              <a:rPr lang="fr-FR" dirty="0">
+                <a:solidFill>
+                  <a:srgbClr val="FF0000"/>
+                </a:solidFill>
+              </a:rPr>
+              <a:t>ID_Req::</a:t>
+            </a:r>
+            <a:r>
+              <a:rPr lang="fr-FR" b="1" dirty="0">
+                <a:solidFill>
+                  <a:srgbClr val="FF0000"/>
+                </a:solidFill>
+              </a:rPr>
+              <a:t>REQ_f</a:t>
+            </a:r>
+          </a:p>
+        </p:txBody>
+      </p:sp>
+      <p:pic>
+        <p:nvPicPr>
+          <p:cNvPr id="104" name="Image 103" descr="noun_43763_cc.png"/>
+          <p:cNvPicPr>
+            <a:picLocks noChangeAspect="1"/>
+          </p:cNvPicPr>
+          <p:nvPr/>
+        </p:nvPicPr>
+        <p:blipFill rotWithShape="1">
+          <a:blip r:embed="rId8">
+            <a:extLst>
+              <a:ext uri="{28A0092B-C50C-407E-A947-70E740481C1C}">
+                <a14:useLocalDpi xmlns:a14="http://schemas.microsoft.com/office/drawing/2010/main" val="0"/>
+              </a:ext>
+            </a:extLst>
+          </a:blip>
+          <a:srcRect l="18519" t="4088" r="16427" b="16296"/>
+          <a:stretch/>
+        </p:blipFill>
+        <p:spPr>
+          <a:xfrm>
+            <a:off x="5207001" y="664488"/>
+            <a:ext cx="946324" cy="1158145"/>
+          </a:xfrm>
+          <a:prstGeom prst="rect">
+            <a:avLst/>
+          </a:prstGeom>
+        </p:spPr>
+      </p:pic>
+      <p:pic>
+        <p:nvPicPr>
+          <p:cNvPr id="105" name="Image 104" descr="noun_300433_cc.png"/>
+          <p:cNvPicPr>
+            <a:picLocks noChangeAspect="1"/>
+          </p:cNvPicPr>
+          <p:nvPr/>
+        </p:nvPicPr>
+        <p:blipFill rotWithShape="1">
+          <a:blip r:embed="rId9">
+            <a:extLst>
+              <a:ext uri="{28A0092B-C50C-407E-A947-70E740481C1C}">
+                <a14:useLocalDpi xmlns:a14="http://schemas.microsoft.com/office/drawing/2010/main" val="0"/>
+              </a:ext>
+            </a:extLst>
+          </a:blip>
+          <a:srcRect l="10741" t="5107" r="12099" b="19085"/>
+          <a:stretch/>
+        </p:blipFill>
+        <p:spPr>
+          <a:xfrm rot="21048896">
+            <a:off x="5311997" y="1287953"/>
+            <a:ext cx="276003" cy="271167"/>
+          </a:xfrm>
+          <a:prstGeom prst="rect">
+            <a:avLst/>
+          </a:prstGeom>
+        </p:spPr>
+      </p:pic>
     </p:spTree>
     <p:extLst>
       <p:ext uri="{BB962C8B-B14F-4D97-AF65-F5344CB8AC3E}">
@@ -5209,6 +5527,13 @@
   <p:clrMapOvr>
     <a:masterClrMapping/>
   </p:clrMapOvr>
+  <p:timing>
+    <p:tnLst>
+      <p:par>
+        <p:cTn xmlns:p14="http://schemas.microsoft.com/office/powerpoint/2010/main" id="1" dur="indefinite" restart="never" nodeType="tmRoot"/>
+      </p:par>
+    </p:tnLst>
+  </p:timing>
 </p:sld>
 </file>
 
@@ -5237,7 +5562,7 @@
         </p:nvSpPr>
         <p:spPr>
           <a:xfrm>
-            <a:off x="3114591" y="2831311"/>
+            <a:off x="3224662" y="2885731"/>
             <a:ext cx="842062" cy="458634"/>
           </a:xfrm>
           <a:prstGeom prst="rect">
@@ -5282,7 +5607,7 @@
         </p:nvSpPr>
         <p:spPr>
           <a:xfrm>
-            <a:off x="1006589" y="990035"/>
+            <a:off x="1116660" y="871497"/>
             <a:ext cx="716984" cy="683375"/>
           </a:xfrm>
           <a:prstGeom prst="rect">
@@ -5348,7 +5673,7 @@
         </p:nvSpPr>
         <p:spPr>
           <a:xfrm>
-            <a:off x="1006590" y="1790736"/>
+            <a:off x="1116661" y="1640528"/>
             <a:ext cx="716984" cy="813630"/>
           </a:xfrm>
           <a:prstGeom prst="rect">
@@ -5422,7 +5747,7 @@
         </p:nvSpPr>
         <p:spPr>
           <a:xfrm>
-            <a:off x="3114591" y="202356"/>
+            <a:off x="3224662" y="329361"/>
             <a:ext cx="842063" cy="983210"/>
           </a:xfrm>
           <a:prstGeom prst="rect">
@@ -5498,8 +5823,8 @@
         </p:nvSpPr>
         <p:spPr>
           <a:xfrm>
-            <a:off x="2035891" y="1114421"/>
-            <a:ext cx="849350" cy="1312202"/>
+            <a:off x="2145962" y="682604"/>
+            <a:ext cx="849350" cy="1452402"/>
           </a:xfrm>
           <a:prstGeom prst="rect">
             <a:avLst/>
@@ -5576,6 +5901,21 @@
                   <a:srgbClr val="FF0000"/>
                 </a:solidFill>
               </a:rPr>
+              <a:t>Liste_Groupe</a:t>
+            </a:r>
+            <a:endParaRPr lang="fr-FR" sz="800" i="1" noProof="1" smtClean="0">
+              <a:solidFill>
+                <a:srgbClr val="FF0000"/>
+              </a:solidFill>
+            </a:endParaRPr>
+          </a:p>
+          <a:p>
+            <a:r>
+              <a:rPr lang="fr-FR" sz="800" i="1" noProof="1">
+                <a:solidFill>
+                  <a:srgbClr val="FF0000"/>
+                </a:solidFill>
+              </a:rPr>
               <a:t>Metadonnes</a:t>
             </a:r>
             <a:endParaRPr lang="fr-FR" sz="800" i="1" dirty="0" smtClean="0">
@@ -5594,7 +5934,7 @@
         </p:nvSpPr>
         <p:spPr>
           <a:xfrm>
-            <a:off x="1006590" y="2658352"/>
+            <a:off x="1116661" y="2539814"/>
             <a:ext cx="716984" cy="804551"/>
           </a:xfrm>
           <a:prstGeom prst="rect">
@@ -5667,7 +6007,7 @@
         </p:nvSpPr>
         <p:spPr>
           <a:xfrm>
-            <a:off x="2035892" y="2658352"/>
+            <a:off x="2145963" y="2294865"/>
             <a:ext cx="849350" cy="1049500"/>
           </a:xfrm>
           <a:prstGeom prst="rect">
@@ -5759,75 +6099,13 @@
       </p:sp>
       <p:sp>
         <p:nvSpPr>
-          <p:cNvPr id="9" name="ZoneTexte 8"/>
-          <p:cNvSpPr txBox="1"/>
-          <p:nvPr/>
-        </p:nvSpPr>
-        <p:spPr>
-          <a:xfrm>
-            <a:off x="4281580" y="281912"/>
-            <a:ext cx="789521" cy="671128"/>
-          </a:xfrm>
-          <a:prstGeom prst="rect">
-            <a:avLst/>
-          </a:prstGeom>
-          <a:solidFill>
-            <a:srgbClr val="F79646"/>
-          </a:solidFill>
-          <a:ln>
-            <a:solidFill>
-              <a:schemeClr val="tx1"/>
-            </a:solidFill>
-          </a:ln>
-        </p:spPr>
-        <p:txBody>
-          <a:bodyPr wrap="square" lIns="36000" tIns="36000" rIns="36000" bIns="36000" rtlCol="0">
-            <a:noAutofit/>
-          </a:bodyPr>
-          <a:lstStyle/>
-          <a:p>
-            <a:pPr algn="ctr"/>
-            <a:r>
-              <a:rPr lang="fr-FR" sz="800" b="1" dirty="0" err="1" smtClean="0"/>
-              <a:t>NoeudsTOR</a:t>
-            </a:r>
-            <a:endParaRPr lang="fr-FR" sz="800" b="1" dirty="0" smtClean="0"/>
-          </a:p>
-          <a:p>
-            <a:pPr algn="ctr"/>
-            <a:endParaRPr lang="fr-FR" sz="800" b="1" dirty="0" smtClean="0"/>
-          </a:p>
-          <a:p>
-            <a:r>
-              <a:rPr lang="fr-FR" sz="800" b="1" dirty="0" err="1" smtClean="0"/>
-              <a:t>NoeudTOR</a:t>
-            </a:r>
-            <a:endParaRPr lang="fr-FR" sz="800" b="1" dirty="0" smtClean="0"/>
-          </a:p>
-          <a:p>
-            <a:r>
-              <a:rPr lang="fr-FR" sz="800" b="1" dirty="0" smtClean="0"/>
-              <a:t>IP</a:t>
-            </a:r>
-          </a:p>
-          <a:p>
-            <a:r>
-              <a:rPr lang="fr-FR" sz="800" b="1" dirty="0" smtClean="0"/>
-              <a:t>port</a:t>
-            </a:r>
-            <a:endParaRPr lang="fr-FR" sz="800" b="1" dirty="0"/>
-          </a:p>
-        </p:txBody>
-      </p:sp>
-      <p:sp>
-        <p:nvSpPr>
           <p:cNvPr id="10" name="ZoneTexte 9"/>
           <p:cNvSpPr txBox="1"/>
           <p:nvPr/>
         </p:nvSpPr>
         <p:spPr>
           <a:xfrm>
-            <a:off x="1006590" y="268968"/>
+            <a:off x="1116661" y="150430"/>
             <a:ext cx="716983" cy="550847"/>
           </a:xfrm>
           <a:prstGeom prst="rect">
@@ -5945,8 +6223,8 @@
         </p:nvSpPr>
         <p:spPr>
           <a:xfrm>
-            <a:off x="3114590" y="1424723"/>
-            <a:ext cx="842063" cy="1179644"/>
+            <a:off x="3224661" y="1509329"/>
+            <a:ext cx="842063" cy="1083377"/>
           </a:xfrm>
           <a:prstGeom prst="rect">
             <a:avLst/>
@@ -6007,16 +6285,11 @@
               </a:rPr>
               <a:t>Ksec</a:t>
             </a:r>
-          </a:p>
-          <a:p>
-            <a:r>
-              <a:rPr lang="fr-FR" sz="800" i="1">
-                <a:solidFill>
-                  <a:srgbClr val="FF0000"/>
-                </a:solidFill>
-              </a:rPr>
-              <a:t>E_Cred_Ksec</a:t>
-            </a:r>
+            <a:endParaRPr lang="fr-FR" sz="800" i="1">
+              <a:solidFill>
+                <a:srgbClr val="FF0000"/>
+              </a:solidFill>
+            </a:endParaRPr>
           </a:p>
           <a:p>
             <a:r>
@@ -6185,7 +6458,7 @@
         </p:nvSpPr>
         <p:spPr>
           <a:xfrm>
-            <a:off x="4283556" y="2779667"/>
+            <a:off x="4393627" y="2661129"/>
             <a:ext cx="787547" cy="683236"/>
           </a:xfrm>
           <a:prstGeom prst="rect">
@@ -6319,8 +6592,8 @@
         </p:nvSpPr>
         <p:spPr>
           <a:xfrm>
-            <a:off x="4282789" y="4925537"/>
-            <a:ext cx="748258" cy="600195"/>
+            <a:off x="4282789" y="4931821"/>
+            <a:ext cx="748258" cy="579983"/>
           </a:xfrm>
           <a:prstGeom prst="rect">
             <a:avLst/>
@@ -6346,7 +6619,7 @@
           </a:p>
           <a:p>
             <a:pPr algn="ctr"/>
-            <a:endParaRPr lang="fr-FR" sz="800" i="1" dirty="0" smtClean="0"/>
+            <a:endParaRPr lang="fr-FR" sz="500" i="1" dirty="0" smtClean="0"/>
           </a:p>
           <a:p>
             <a:r>
@@ -6359,10 +6632,6 @@
               <a:rPr lang="fr-FR" sz="800" dirty="0" err="1" smtClean="0"/>
               <a:t>Meta_Chiffrees</a:t>
             </a:r>
-            <a:endParaRPr lang="fr-FR" sz="800" dirty="0" smtClean="0"/>
-          </a:p>
-          <a:p>
-            <a:pPr algn="ctr"/>
             <a:endParaRPr lang="fr-FR" sz="800" b="1" dirty="0"/>
           </a:p>
         </p:txBody>
@@ -6379,7 +6648,7 @@
         <p:spPr>
           <a:xfrm flipH="1">
             <a:off x="4656918" y="4628177"/>
-            <a:ext cx="22" cy="297360"/>
+            <a:ext cx="22" cy="303644"/>
           </a:xfrm>
           <a:prstGeom prst="line">
             <a:avLst/>
@@ -6418,8 +6687,8 @@
         </p:nvCxnSpPr>
         <p:spPr>
           <a:xfrm flipH="1" flipV="1">
-            <a:off x="4656918" y="5525732"/>
-            <a:ext cx="22" cy="239118"/>
+            <a:off x="4656918" y="5511804"/>
+            <a:ext cx="22" cy="253046"/>
           </a:xfrm>
           <a:prstGeom prst="line">
             <a:avLst/>
@@ -6498,8 +6767,8 @@
         </p:nvCxnSpPr>
         <p:spPr>
           <a:xfrm flipH="1">
-            <a:off x="1723574" y="1770522"/>
-            <a:ext cx="312317" cy="1290106"/>
+            <a:off x="1833645" y="1408805"/>
+            <a:ext cx="312317" cy="1533285"/>
           </a:xfrm>
           <a:prstGeom prst="straightConnector1">
             <a:avLst/>
@@ -6538,8 +6807,8 @@
         </p:nvCxnSpPr>
         <p:spPr>
           <a:xfrm flipH="1">
-            <a:off x="1723574" y="1770522"/>
-            <a:ext cx="312317" cy="427029"/>
+            <a:off x="1833645" y="1408805"/>
+            <a:ext cx="312317" cy="638538"/>
           </a:xfrm>
           <a:prstGeom prst="straightConnector1">
             <a:avLst/>
@@ -6578,8 +6847,8 @@
         </p:nvCxnSpPr>
         <p:spPr>
           <a:xfrm>
-            <a:off x="1723573" y="544392"/>
-            <a:ext cx="312318" cy="1226130"/>
+            <a:off x="1833644" y="425854"/>
+            <a:ext cx="312318" cy="982951"/>
           </a:xfrm>
           <a:prstGeom prst="straightConnector1">
             <a:avLst/>
@@ -6618,8 +6887,8 @@
         </p:nvCxnSpPr>
         <p:spPr>
           <a:xfrm flipH="1" flipV="1">
-            <a:off x="2885241" y="1770522"/>
-            <a:ext cx="229349" cy="244023"/>
+            <a:off x="2995312" y="1408805"/>
+            <a:ext cx="229349" cy="642213"/>
           </a:xfrm>
           <a:prstGeom prst="line">
             <a:avLst/>
@@ -6651,14 +6920,15 @@
         <p:nvCxnSpPr>
           <p:cNvPr id="25" name="Connecteur droit 24"/>
           <p:cNvCxnSpPr>
-            <a:endCxn id="5" idx="2"/>
+            <a:stCxn id="6" idx="3"/>
+            <a:endCxn id="5" idx="1"/>
           </p:cNvCxnSpPr>
           <p:nvPr/>
         </p:nvCxnSpPr>
         <p:spPr>
           <a:xfrm flipV="1">
-            <a:off x="2885241" y="1185566"/>
-            <a:ext cx="650382" cy="239157"/>
+            <a:off x="2995312" y="820966"/>
+            <a:ext cx="229350" cy="587839"/>
           </a:xfrm>
           <a:prstGeom prst="line">
             <a:avLst/>
@@ -6697,8 +6967,8 @@
         </p:nvCxnSpPr>
         <p:spPr>
           <a:xfrm>
-            <a:off x="3535622" y="2604367"/>
-            <a:ext cx="0" cy="226944"/>
+            <a:off x="3645693" y="2592706"/>
+            <a:ext cx="0" cy="293025"/>
           </a:xfrm>
           <a:prstGeom prst="line">
             <a:avLst/>
@@ -6737,8 +7007,8 @@
         </p:nvCxnSpPr>
         <p:spPr>
           <a:xfrm flipV="1">
-            <a:off x="4677330" y="2481982"/>
-            <a:ext cx="0" cy="297685"/>
+            <a:off x="4787401" y="2539025"/>
+            <a:ext cx="0" cy="122104"/>
           </a:xfrm>
           <a:prstGeom prst="line">
             <a:avLst/>
@@ -6777,8 +7047,8 @@
         </p:nvCxnSpPr>
         <p:spPr>
           <a:xfrm flipH="1" flipV="1">
-            <a:off x="2460566" y="2426623"/>
-            <a:ext cx="1" cy="231729"/>
+            <a:off x="2570637" y="2135006"/>
+            <a:ext cx="1" cy="159859"/>
           </a:xfrm>
           <a:prstGeom prst="line">
             <a:avLst/>
@@ -6816,9 +7086,9 @@
           <p:nvPr/>
         </p:nvCxnSpPr>
         <p:spPr>
-          <a:xfrm flipV="1">
-            <a:off x="2885242" y="3060628"/>
-            <a:ext cx="229349" cy="122474"/>
+          <a:xfrm>
+            <a:off x="2995313" y="2819615"/>
+            <a:ext cx="229349" cy="295433"/>
           </a:xfrm>
           <a:prstGeom prst="straightConnector1">
             <a:avLst/>
@@ -6857,7 +7127,7 @@
         </p:nvCxnSpPr>
         <p:spPr>
           <a:xfrm flipH="1">
-            <a:off x="1365081" y="819815"/>
+            <a:off x="1475152" y="701277"/>
             <a:ext cx="1" cy="170220"/>
           </a:xfrm>
           <a:prstGeom prst="line">
@@ -6894,7 +7164,7 @@
         </p:nvSpPr>
         <p:spPr>
           <a:xfrm>
-            <a:off x="4283556" y="1927953"/>
+            <a:off x="4393627" y="1984996"/>
             <a:ext cx="787547" cy="554029"/>
           </a:xfrm>
           <a:prstGeom prst="rect">
@@ -6942,15 +7212,14 @@
         <p:nvCxnSpPr>
           <p:cNvPr id="32" name="Connecteur droit 31"/>
           <p:cNvCxnSpPr>
-            <a:stCxn id="12" idx="3"/>
             <a:endCxn id="31" idx="1"/>
           </p:cNvCxnSpPr>
           <p:nvPr/>
         </p:nvCxnSpPr>
         <p:spPr>
           <a:xfrm>
-            <a:off x="3956653" y="2014545"/>
-            <a:ext cx="326903" cy="190423"/>
+            <a:off x="4066724" y="2262011"/>
+            <a:ext cx="326903" cy="0"/>
           </a:xfrm>
           <a:prstGeom prst="line">
             <a:avLst/>
@@ -7736,8 +8005,8 @@
         </p:nvSpPr>
         <p:spPr>
           <a:xfrm>
-            <a:off x="2264309" y="5219568"/>
-            <a:ext cx="765921" cy="1090563"/>
+            <a:off x="2145962" y="5235149"/>
+            <a:ext cx="765921" cy="1070401"/>
           </a:xfrm>
           <a:prstGeom prst="rect">
             <a:avLst/>
@@ -7778,20 +8047,6 @@
           </a:p>
           <a:p>
             <a:r>
-              <a:rPr lang="fr-FR" sz="800" dirty="0" smtClean="0"/>
-              <a:t>H(</a:t>
-            </a:r>
-            <a:r>
-              <a:rPr lang="fr-FR" sz="800" dirty="0" err="1" smtClean="0"/>
-              <a:t>Password</a:t>
-            </a:r>
-            <a:r>
-              <a:rPr lang="fr-FR" sz="800" dirty="0" smtClean="0"/>
-              <a:t>)</a:t>
-            </a:r>
-          </a:p>
-          <a:p>
-            <a:r>
               <a:rPr lang="fr-FR" sz="800" noProof="1"/>
               <a:t>IP</a:t>
             </a:r>
@@ -7812,6 +8067,12 @@
             <a:r>
               <a:rPr lang="fr-FR" sz="800" i="1" noProof="1"/>
               <a:t>ID_Affectation</a:t>
+            </a:r>
+          </a:p>
+          <a:p>
+            <a:r>
+              <a:rPr lang="fr-FR" sz="800" i="1" noProof="1"/>
+              <a:t>Liste_Groupe</a:t>
             </a:r>
           </a:p>
           <a:p>
@@ -8014,8 +8275,8 @@
         </p:nvSpPr>
         <p:spPr>
           <a:xfrm>
-            <a:off x="4283555" y="1062314"/>
-            <a:ext cx="787547" cy="563642"/>
+            <a:off x="4393627" y="336809"/>
+            <a:ext cx="811328" cy="563642"/>
           </a:xfrm>
           <a:prstGeom prst="rect">
             <a:avLst/>
@@ -8197,7 +8458,7 @@
         </p:nvSpPr>
         <p:spPr>
           <a:xfrm>
-            <a:off x="3438259" y="3453936"/>
+            <a:off x="3846107" y="3462171"/>
             <a:ext cx="1184940" cy="253916"/>
           </a:xfrm>
           <a:prstGeom prst="rect">
@@ -8644,7 +8905,7 @@
         </p:nvSpPr>
         <p:spPr>
           <a:xfrm>
-            <a:off x="169426" y="1959170"/>
+            <a:off x="279497" y="1595089"/>
             <a:ext cx="430190" cy="699182"/>
           </a:xfrm>
           <a:prstGeom prst="rect">
@@ -8736,16 +8997,13 @@
       <p:cxnSp>
         <p:nvCxnSpPr>
           <p:cNvPr id="66" name="Connecteur droit 30"/>
-          <p:cNvCxnSpPr>
-            <a:stCxn id="3" idx="1"/>
-            <a:endCxn id="65" idx="3"/>
-          </p:cNvCxnSpPr>
+          <p:cNvCxnSpPr/>
           <p:nvPr/>
         </p:nvCxnSpPr>
         <p:spPr>
           <a:xfrm flipH="1">
-            <a:off x="599616" y="1331723"/>
-            <a:ext cx="406973" cy="977038"/>
+            <a:off x="709687" y="1204718"/>
+            <a:ext cx="406973" cy="731495"/>
           </a:xfrm>
           <a:prstGeom prst="straightConnector1">
             <a:avLst/>
@@ -8783,9 +9041,9 @@
           <p:nvPr/>
         </p:nvCxnSpPr>
         <p:spPr>
-          <a:xfrm flipH="1">
-            <a:off x="599616" y="2197551"/>
-            <a:ext cx="406974" cy="111210"/>
+          <a:xfrm flipH="1" flipV="1">
+            <a:off x="709687" y="1944680"/>
+            <a:ext cx="406974" cy="102663"/>
           </a:xfrm>
           <a:prstGeom prst="straightConnector1">
             <a:avLst/>
@@ -8816,16 +9074,13 @@
       <p:cxnSp>
         <p:nvCxnSpPr>
           <p:cNvPr id="68" name="Connecteur droit 30"/>
-          <p:cNvCxnSpPr>
-            <a:stCxn id="7" idx="1"/>
-            <a:endCxn id="65" idx="3"/>
-          </p:cNvCxnSpPr>
+          <p:cNvCxnSpPr/>
           <p:nvPr/>
         </p:nvCxnSpPr>
         <p:spPr>
           <a:xfrm flipH="1" flipV="1">
-            <a:off x="599616" y="2308761"/>
-            <a:ext cx="406974" cy="751867"/>
+            <a:off x="709687" y="1987015"/>
+            <a:ext cx="406974" cy="997410"/>
           </a:xfrm>
           <a:prstGeom prst="straightConnector1">
             <a:avLst/>
@@ -8855,14 +9110,14 @@
       </p:cxnSp>
       <p:sp>
         <p:nvSpPr>
-          <p:cNvPr id="69" name="ZoneTexte 68"/>
+          <p:cNvPr id="70" name="ZoneTexte 69"/>
           <p:cNvSpPr txBox="1"/>
           <p:nvPr/>
         </p:nvSpPr>
         <p:spPr>
           <a:xfrm>
-            <a:off x="3188948" y="4915202"/>
-            <a:ext cx="686576" cy="671128"/>
+            <a:off x="7500445" y="4171722"/>
+            <a:ext cx="602830" cy="671128"/>
           </a:xfrm>
           <a:prstGeom prst="rect">
             <a:avLst/>
@@ -8916,75 +9171,14 @@
       </p:sp>
       <p:sp>
         <p:nvSpPr>
-          <p:cNvPr id="70" name="ZoneTexte 69"/>
+          <p:cNvPr id="105" name="ZoneTexte 104"/>
           <p:cNvSpPr txBox="1"/>
           <p:nvPr/>
         </p:nvSpPr>
         <p:spPr>
           <a:xfrm>
-            <a:off x="7500445" y="4171722"/>
-            <a:ext cx="602830" cy="671128"/>
-          </a:xfrm>
-          <a:prstGeom prst="rect">
-            <a:avLst/>
-          </a:prstGeom>
-          <a:solidFill>
-            <a:srgbClr val="F79646"/>
-          </a:solidFill>
-          <a:ln>
-            <a:solidFill>
-              <a:schemeClr val="tx1"/>
-            </a:solidFill>
-          </a:ln>
-        </p:spPr>
-        <p:txBody>
-          <a:bodyPr wrap="square" lIns="36000" tIns="36000" rIns="36000" bIns="36000" rtlCol="0">
-            <a:noAutofit/>
-          </a:bodyPr>
-          <a:lstStyle/>
-          <a:p>
-            <a:pPr algn="ctr"/>
-            <a:r>
-              <a:rPr lang="fr-FR" sz="800" b="1" smtClean="0"/>
-              <a:t>NoeudsTOR</a:t>
-            </a:r>
-            <a:endParaRPr lang="fr-FR" sz="800" b="1" dirty="0" smtClean="0"/>
-          </a:p>
-          <a:p>
-            <a:pPr algn="ctr"/>
-            <a:endParaRPr lang="fr-FR" sz="800" b="1" smtClean="0"/>
-          </a:p>
-          <a:p>
-            <a:r>
-              <a:rPr lang="fr-FR" sz="800" b="1" smtClean="0"/>
-              <a:t>NoeudTOR</a:t>
-            </a:r>
-          </a:p>
-          <a:p>
-            <a:r>
-              <a:rPr lang="fr-FR" sz="800" b="1" smtClean="0"/>
-              <a:t>IP</a:t>
-            </a:r>
-          </a:p>
-          <a:p>
-            <a:r>
-              <a:rPr lang="fr-FR" sz="800" b="1" smtClean="0"/>
-              <a:t>port</a:t>
-            </a:r>
-            <a:endParaRPr lang="fr-FR" sz="800" b="1" dirty="0"/>
-          </a:p>
-        </p:txBody>
-      </p:sp>
-      <p:sp>
-        <p:nvSpPr>
-          <p:cNvPr id="91" name="ZoneTexte 90"/>
-          <p:cNvSpPr txBox="1"/>
-          <p:nvPr/>
-        </p:nvSpPr>
-        <p:spPr>
-          <a:xfrm>
-            <a:off x="33869" y="679686"/>
-            <a:ext cx="922866" cy="563642"/>
+            <a:off x="5902991" y="2008140"/>
+            <a:ext cx="842063" cy="983210"/>
           </a:xfrm>
           <a:prstGeom prst="rect">
             <a:avLst/>
@@ -9004,8 +9198,8 @@
           <a:p>
             <a:pPr algn="ctr"/>
             <a:r>
-              <a:rPr lang="fr-FR" sz="800" b="1" dirty="0" err="1" smtClean="0"/>
-              <a:t>Predecesseurs_Cle</a:t>
+              <a:rPr lang="fr-FR" sz="800" b="1" smtClean="0"/>
+              <a:t>Frontale (1)</a:t>
             </a:r>
             <a:endParaRPr lang="fr-FR" sz="800" b="1" dirty="0" smtClean="0"/>
           </a:p>
@@ -9015,16 +9209,35 @@
           </a:p>
           <a:p>
             <a:r>
-              <a:rPr lang="fr-FR" sz="800" dirty="0" err="1" smtClean="0"/>
-              <a:t>ID_Cle</a:t>
-            </a:r>
-            <a:endParaRPr lang="fr-FR" sz="800" dirty="0" smtClean="0"/>
-          </a:p>
-          <a:p>
-            <a:r>
-              <a:rPr lang="fr-FR" sz="800" dirty="0" err="1" smtClean="0"/>
-              <a:t>ID_Parent</a:t>
-            </a:r>
+              <a:rPr lang="fr-FR" sz="800" b="1" smtClean="0"/>
+              <a:t>Frontale</a:t>
+            </a:r>
+          </a:p>
+          <a:p>
+            <a:r>
+              <a:rPr lang="fr-FR" sz="800" dirty="0" smtClean="0"/>
+              <a:t>IP</a:t>
+            </a:r>
+          </a:p>
+          <a:p>
+            <a:r>
+              <a:rPr lang="fr-FR" sz="800" smtClean="0"/>
+              <a:t>Famille</a:t>
+            </a:r>
+          </a:p>
+          <a:p>
+            <a:r>
+              <a:rPr lang="fr-FR" sz="800" smtClean="0"/>
+              <a:t>InternalPort</a:t>
+            </a:r>
+          </a:p>
+          <a:p>
+            <a:r>
+              <a:rPr lang="fr-FR" sz="800" smtClean="0"/>
+              <a:t>ExternalPort</a:t>
+            </a:r>
+          </a:p>
+          <a:p>
             <a:endParaRPr lang="fr-FR" sz="800" dirty="0" smtClean="0"/>
           </a:p>
           <a:p>
@@ -9035,13 +9248,13 @@
       </p:sp>
       <p:sp>
         <p:nvSpPr>
-          <p:cNvPr id="105" name="ZoneTexte 104"/>
+          <p:cNvPr id="112" name="ZoneTexte 111"/>
           <p:cNvSpPr txBox="1"/>
           <p:nvPr/>
         </p:nvSpPr>
         <p:spPr>
           <a:xfrm>
-            <a:off x="5902991" y="2008140"/>
+            <a:off x="8207783" y="364236"/>
             <a:ext cx="842063" cy="983210"/>
           </a:xfrm>
           <a:prstGeom prst="rect">
@@ -9063,7 +9276,7 @@
             <a:pPr algn="ctr"/>
             <a:r>
               <a:rPr lang="fr-FR" sz="800" b="1" smtClean="0"/>
-              <a:t>Frontale (1)</a:t>
+              <a:t>Frontales</a:t>
             </a:r>
             <a:endParaRPr lang="fr-FR" sz="800" b="1" dirty="0" smtClean="0"/>
           </a:p>
@@ -9112,14 +9325,14 @@
       </p:sp>
       <p:sp>
         <p:nvSpPr>
-          <p:cNvPr id="112" name="ZoneTexte 111"/>
+          <p:cNvPr id="80" name="ZoneTexte 79"/>
           <p:cNvSpPr txBox="1"/>
           <p:nvPr/>
         </p:nvSpPr>
         <p:spPr>
           <a:xfrm>
-            <a:off x="8207783" y="364236"/>
-            <a:ext cx="842063" cy="983210"/>
+            <a:off x="5907703" y="5170016"/>
+            <a:ext cx="875997" cy="563642"/>
           </a:xfrm>
           <a:prstGeom prst="rect">
             <a:avLst/>
@@ -9139,64 +9352,43 @@
           <a:p>
             <a:pPr algn="ctr"/>
             <a:r>
-              <a:rPr lang="fr-FR" sz="800" b="1" smtClean="0"/>
-              <a:t>Frontales</a:t>
-            </a:r>
-            <a:endParaRPr lang="fr-FR" sz="800" b="1" dirty="0" smtClean="0"/>
+              <a:rPr lang="fr-FR" sz="800" smtClean="0"/>
+              <a:t>Server</a:t>
+            </a:r>
+            <a:endParaRPr lang="fr-FR" sz="800" dirty="0" smtClean="0"/>
           </a:p>
           <a:p>
             <a:pPr algn="ctr"/>
-            <a:endParaRPr lang="fr-FR" sz="800" b="1" dirty="0" smtClean="0"/>
-          </a:p>
-          <a:p>
-            <a:r>
-              <a:rPr lang="fr-FR" sz="800" b="1" smtClean="0"/>
-              <a:t>Frontale</a:t>
-            </a:r>
-          </a:p>
-          <a:p>
-            <a:r>
-              <a:rPr lang="fr-FR" sz="800" dirty="0" smtClean="0"/>
+            <a:endParaRPr lang="fr-FR" sz="800" smtClean="0"/>
+          </a:p>
+          <a:p>
+            <a:r>
+              <a:rPr lang="fr-FR" sz="800" smtClean="0"/>
               <a:t>IP</a:t>
             </a:r>
           </a:p>
           <a:p>
             <a:r>
               <a:rPr lang="fr-FR" sz="800" smtClean="0"/>
-              <a:t>Famille</a:t>
-            </a:r>
-          </a:p>
-          <a:p>
-            <a:r>
-              <a:rPr lang="fr-FR" sz="800" smtClean="0"/>
-              <a:t>InternalPort</a:t>
-            </a:r>
-          </a:p>
-          <a:p>
-            <a:r>
-              <a:rPr lang="fr-FR" sz="800" smtClean="0"/>
-              <a:t>ExternalPort</a:t>
-            </a:r>
-          </a:p>
-          <a:p>
-            <a:endParaRPr lang="fr-FR" sz="800" dirty="0" smtClean="0"/>
+              <a:t>Port</a:t>
+            </a:r>
           </a:p>
           <a:p>
             <a:pPr algn="ctr"/>
-            <a:endParaRPr lang="fr-FR" sz="800" b="1" dirty="0"/>
+            <a:endParaRPr lang="fr-FR" sz="800" dirty="0"/>
           </a:p>
         </p:txBody>
       </p:sp>
       <p:sp>
         <p:nvSpPr>
-          <p:cNvPr id="80" name="ZoneTexte 79"/>
+          <p:cNvPr id="94" name="ZoneTexte 93"/>
           <p:cNvSpPr txBox="1"/>
           <p:nvPr/>
         </p:nvSpPr>
         <p:spPr>
           <a:xfrm>
-            <a:off x="5907703" y="5170016"/>
-            <a:ext cx="875997" cy="563642"/>
+            <a:off x="3318466" y="4881019"/>
+            <a:ext cx="748258" cy="769950"/>
           </a:xfrm>
           <a:prstGeom prst="rect">
             <a:avLst/>
@@ -9216,30 +9408,173 @@
           <a:p>
             <a:pPr algn="ctr"/>
             <a:r>
-              <a:rPr lang="fr-FR" sz="800" smtClean="0"/>
-              <a:t>Server</a:t>
-            </a:r>
-            <a:endParaRPr lang="fr-FR" sz="800" dirty="0" smtClean="0"/>
+              <a:rPr lang="fr-FR" sz="800" b="1" dirty="0" smtClean="0"/>
+              <a:t>Utilisateur</a:t>
+            </a:r>
           </a:p>
           <a:p>
             <a:pPr algn="ctr"/>
-            <a:endParaRPr lang="fr-FR" sz="800" smtClean="0"/>
-          </a:p>
-          <a:p>
-            <a:r>
-              <a:rPr lang="fr-FR" sz="800" smtClean="0"/>
+            <a:endParaRPr lang="fr-FR" sz="500" i="1" dirty="0" smtClean="0"/>
+          </a:p>
+          <a:p>
+            <a:r>
+              <a:rPr lang="fr-FR" sz="800" noProof="1"/>
               <a:t>IP</a:t>
             </a:r>
           </a:p>
           <a:p>
             <a:r>
-              <a:rPr lang="fr-FR" sz="800" smtClean="0"/>
+              <a:rPr lang="fr-FR" sz="800" noProof="1"/>
               <a:t>Port</a:t>
             </a:r>
           </a:p>
           <a:p>
+            <a:r>
+              <a:rPr lang="fr-FR" sz="800" dirty="0" err="1"/>
+              <a:t>Statut_Gen</a:t>
+            </a:r>
+          </a:p>
+          <a:p>
+            <a:r>
+              <a:rPr lang="fr-FR" sz="800"/>
+              <a:t>Affect_Gen</a:t>
+            </a:r>
+            <a:endParaRPr lang="fr-FR" sz="800" noProof="1"/>
+          </a:p>
+          <a:p>
+            <a:endParaRPr lang="fr-FR" sz="800" b="1" dirty="0"/>
+          </a:p>
+        </p:txBody>
+      </p:sp>
+      <p:sp>
+        <p:nvSpPr>
+          <p:cNvPr id="97" name="ZoneTexte 96"/>
+          <p:cNvSpPr txBox="1"/>
+          <p:nvPr/>
+        </p:nvSpPr>
+        <p:spPr>
+          <a:xfrm>
+            <a:off x="4393626" y="979086"/>
+            <a:ext cx="811329" cy="904306"/>
+          </a:xfrm>
+          <a:prstGeom prst="rect">
+            <a:avLst/>
+          </a:prstGeom>
+          <a:noFill/>
+          <a:ln>
+            <a:solidFill>
+              <a:schemeClr val="tx1"/>
+            </a:solidFill>
+          </a:ln>
+        </p:spPr>
+        <p:txBody>
+          <a:bodyPr wrap="square" lIns="36000" tIns="36000" rIns="36000" bIns="36000" rtlCol="0">
+            <a:noAutofit/>
+          </a:bodyPr>
+          <a:lstStyle/>
+          <a:p>
             <a:pPr algn="ctr"/>
-            <a:endParaRPr lang="fr-FR" sz="800" dirty="0"/>
+            <a:r>
+              <a:rPr lang="fr-FR" sz="800" b="1" dirty="0" err="1" smtClean="0">
+                <a:solidFill>
+                  <a:srgbClr val="FF0000"/>
+                </a:solidFill>
+              </a:rPr>
+              <a:t>Cles_Types</a:t>
+            </a:r>
+            <a:endParaRPr lang="fr-FR" sz="800" b="1" dirty="0" smtClean="0">
+              <a:solidFill>
+                <a:srgbClr val="FF0000"/>
+              </a:solidFill>
+            </a:endParaRPr>
+          </a:p>
+          <a:p>
+            <a:pPr algn="ctr"/>
+            <a:endParaRPr lang="fr-FR" sz="800" b="1" dirty="0" smtClean="0">
+              <a:solidFill>
+                <a:srgbClr val="FF0000"/>
+              </a:solidFill>
+            </a:endParaRPr>
+          </a:p>
+          <a:p>
+            <a:r>
+              <a:rPr lang="fr-FR" sz="800" i="1" dirty="0" smtClean="0">
+                <a:solidFill>
+                  <a:srgbClr val="FF0000"/>
+                </a:solidFill>
+              </a:rPr>
+              <a:t>Login</a:t>
+            </a:r>
+          </a:p>
+          <a:p>
+            <a:r>
+              <a:rPr lang="fr-FR" sz="800" i="1" dirty="0" smtClean="0">
+                <a:solidFill>
+                  <a:srgbClr val="FF0000"/>
+                </a:solidFill>
+              </a:rPr>
+              <a:t>Type</a:t>
+            </a:r>
+          </a:p>
+          <a:p>
+            <a:r>
+              <a:rPr lang="fr-FR" sz="800" i="1" dirty="0">
+                <a:solidFill>
+                  <a:srgbClr val="FF0000"/>
+                </a:solidFill>
+              </a:rPr>
+              <a:t>Ksec</a:t>
+            </a:r>
+            <a:endParaRPr lang="fr-FR" sz="800" i="1" dirty="0" smtClean="0">
+              <a:solidFill>
+                <a:srgbClr val="FF0000"/>
+              </a:solidFill>
+            </a:endParaRPr>
+          </a:p>
+          <a:p>
+            <a:r>
+              <a:rPr lang="fr-FR" sz="800" dirty="0" err="1" smtClean="0">
+                <a:solidFill>
+                  <a:srgbClr val="FF0000"/>
+                </a:solidFill>
+              </a:rPr>
+              <a:t>Cred_Auto_Ref</a:t>
+            </a:r>
+            <a:endParaRPr lang="fr-FR" sz="800" dirty="0" smtClean="0">
+              <a:solidFill>
+                <a:srgbClr val="FF0000"/>
+              </a:solidFill>
+            </a:endParaRPr>
+          </a:p>
+          <a:p>
+            <a:r>
+              <a:rPr lang="fr-FR" sz="800" dirty="0" err="1" smtClean="0">
+                <a:solidFill>
+                  <a:srgbClr val="FF0000"/>
+                </a:solidFill>
+              </a:rPr>
+              <a:t>E_Cred_Ksec</a:t>
+            </a:r>
+            <a:endParaRPr lang="fr-FR" sz="800" dirty="0" smtClean="0">
+              <a:solidFill>
+                <a:srgbClr val="FF0000"/>
+              </a:solidFill>
+            </a:endParaRPr>
+          </a:p>
+          <a:p>
+            <a:endParaRPr lang="fr-FR" sz="800" dirty="0" smtClean="0">
+              <a:solidFill>
+                <a:srgbClr val="FF0000"/>
+              </a:solidFill>
+            </a:endParaRPr>
+          </a:p>
+          <a:p>
+            <a:pPr algn="ctr"/>
+            <a:endParaRPr lang="fr-FR" sz="800" b="1" dirty="0">
+              <a:solidFill>
+                <a:srgbClr val="FF0000"/>
+              </a:solidFill>
+            </a:endParaRPr>
           </a:p>
         </p:txBody>
       </p:sp>
@@ -9280,35 +9615,774 @@
           <a:chExt cx="0" cy="0"/>
         </a:xfrm>
       </p:grpSpPr>
+      <p:sp>
+        <p:nvSpPr>
+          <p:cNvPr id="6" name="ZoneTexte 5"/>
+          <p:cNvSpPr txBox="1"/>
+          <p:nvPr/>
+        </p:nvSpPr>
+        <p:spPr>
+          <a:xfrm>
+            <a:off x="1930433" y="2215829"/>
+            <a:ext cx="2971800" cy="646331"/>
+          </a:xfrm>
+          <a:prstGeom prst="rect">
+            <a:avLst/>
+          </a:prstGeom>
+          <a:noFill/>
+        </p:spPr>
+        <p:txBody>
+          <a:bodyPr wrap="square" rtlCol="0">
+            <a:spAutoFit/>
+          </a:bodyPr>
+          <a:lstStyle/>
+          <a:p>
+            <a:r>
+              <a:rPr lang="fr-FR" dirty="0">
+                <a:solidFill>
+                  <a:srgbClr val="FF0000"/>
+                </a:solidFill>
+              </a:rPr>
+              <a:t>7</a:t>
+            </a:r>
+            <a:r>
+              <a:rPr lang="fr-FR" dirty="0" smtClean="0">
+                <a:solidFill>
+                  <a:srgbClr val="FF0000"/>
+                </a:solidFill>
+              </a:rPr>
+              <a:t>. </a:t>
+            </a:r>
+            <a:r>
+              <a:rPr lang="fr-FR" dirty="0" smtClean="0"/>
+              <a:t>Vérification de la politique </a:t>
+            </a:r>
+          </a:p>
+          <a:p>
+            <a:pPr algn="ctr"/>
+            <a:r>
+              <a:rPr lang="fr-FR" dirty="0" smtClean="0"/>
+              <a:t>de partage de Bob</a:t>
+            </a:r>
+            <a:endParaRPr lang="fr-FR" dirty="0"/>
+          </a:p>
+        </p:txBody>
+      </p:sp>
+      <p:cxnSp>
+        <p:nvCxnSpPr>
+          <p:cNvPr id="11" name="Connecteur droit avec flèche 10"/>
+          <p:cNvCxnSpPr/>
+          <p:nvPr/>
+        </p:nvCxnSpPr>
+        <p:spPr>
+          <a:xfrm flipH="1">
+            <a:off x="1405468" y="4224843"/>
+            <a:ext cx="1388534" cy="0"/>
+          </a:xfrm>
+          <a:prstGeom prst="straightConnector1">
+            <a:avLst/>
+          </a:prstGeom>
+          <a:ln w="28575">
+            <a:tailEnd type="arrow"/>
+          </a:ln>
+        </p:spPr>
+        <p:style>
+          <a:lnRef idx="1">
+            <a:schemeClr val="dk1"/>
+          </a:lnRef>
+          <a:fillRef idx="0">
+            <a:schemeClr val="dk1"/>
+          </a:fillRef>
+          <a:effectRef idx="0">
+            <a:schemeClr val="dk1"/>
+          </a:effectRef>
+          <a:fontRef idx="minor">
+            <a:schemeClr val="tx1"/>
+          </a:fontRef>
+        </p:style>
+      </p:cxnSp>
+      <p:sp>
+        <p:nvSpPr>
+          <p:cNvPr id="20" name="ZoneTexte 19"/>
+          <p:cNvSpPr txBox="1"/>
+          <p:nvPr/>
+        </p:nvSpPr>
+        <p:spPr>
+          <a:xfrm>
+            <a:off x="5483702" y="3774838"/>
+            <a:ext cx="2493465" cy="376528"/>
+          </a:xfrm>
+          <a:prstGeom prst="rect">
+            <a:avLst/>
+          </a:prstGeom>
+          <a:noFill/>
+        </p:spPr>
+        <p:txBody>
+          <a:bodyPr wrap="square" rtlCol="0">
+            <a:spAutoFit/>
+          </a:bodyPr>
+          <a:lstStyle/>
+          <a:p>
+            <a:pPr algn="ctr"/>
+            <a:r>
+              <a:rPr lang="fr-FR" dirty="0" smtClean="0">
+                <a:solidFill>
+                  <a:srgbClr val="FF0000"/>
+                </a:solidFill>
+              </a:rPr>
+              <a:t>8.</a:t>
+            </a:r>
+            <a:r>
+              <a:rPr lang="fr-FR" dirty="0" smtClean="0"/>
+              <a:t>Ecirture de la réponse</a:t>
+            </a:r>
+            <a:endParaRPr lang="fr-FR" dirty="0"/>
+          </a:p>
+        </p:txBody>
+      </p:sp>
+      <p:sp>
+        <p:nvSpPr>
+          <p:cNvPr id="22" name="Rectangle 21"/>
+          <p:cNvSpPr/>
+          <p:nvPr/>
+        </p:nvSpPr>
+        <p:spPr>
+          <a:xfrm>
+            <a:off x="2895983" y="3541165"/>
+            <a:ext cx="2107819" cy="1200329"/>
+          </a:xfrm>
+          <a:prstGeom prst="rect">
+            <a:avLst/>
+          </a:prstGeom>
+        </p:spPr>
+        <p:txBody>
+          <a:bodyPr wrap="square">
+            <a:spAutoFit/>
+          </a:bodyPr>
+          <a:lstStyle/>
+          <a:p>
+            <a:pPr algn="ctr"/>
+            <a:r>
+              <a:rPr lang="fr-FR" dirty="0">
+                <a:solidFill>
+                  <a:srgbClr val="000000"/>
+                </a:solidFill>
+              </a:rPr>
+              <a:t>ID_Req::</a:t>
+            </a:r>
+            <a:r>
+              <a:rPr lang="fr-FR" b="1" dirty="0" smtClean="0">
+                <a:solidFill>
+                  <a:srgbClr val="FF0000"/>
+                </a:solidFill>
+              </a:rPr>
+              <a:t>REP=</a:t>
+            </a:r>
+          </a:p>
+          <a:p>
+            <a:r>
+              <a:rPr lang="fr-FR" b="1" dirty="0" smtClean="0">
+                <a:solidFill>
+                  <a:srgbClr val="FF0000"/>
+                </a:solidFill>
+              </a:rPr>
+              <a:t>&lt; [Pk1], E</a:t>
+            </a:r>
+            <a:r>
+              <a:rPr lang="fr-FR" b="1" baseline="-25000" dirty="0" smtClean="0">
+                <a:solidFill>
+                  <a:srgbClr val="FF0000"/>
+                </a:solidFill>
+              </a:rPr>
+              <a:t>Pk1</a:t>
+            </a:r>
+            <a:r>
+              <a:rPr lang="fr-FR" b="1" dirty="0" smtClean="0">
+                <a:solidFill>
+                  <a:srgbClr val="FF0000"/>
+                </a:solidFill>
+              </a:rPr>
+              <a:t>(K</a:t>
+            </a:r>
+            <a:r>
+              <a:rPr lang="fr-FR" b="1" baseline="-25000" dirty="0">
+                <a:solidFill>
+                  <a:srgbClr val="FF0000"/>
+                </a:solidFill>
+              </a:rPr>
+              <a:t>sec</a:t>
+            </a:r>
+            <a:r>
+              <a:rPr lang="fr-FR" b="1" dirty="0" smtClean="0">
+                <a:solidFill>
+                  <a:srgbClr val="FF0000"/>
+                </a:solidFill>
+              </a:rPr>
+              <a:t>),</a:t>
+            </a:r>
+          </a:p>
+          <a:p>
+            <a:r>
+              <a:rPr lang="fr-FR" b="1" dirty="0" smtClean="0">
+                <a:solidFill>
+                  <a:srgbClr val="FF0000"/>
+                </a:solidFill>
+              </a:rPr>
+              <a:t>E</a:t>
+            </a:r>
+            <a:r>
+              <a:rPr lang="fr-FR" b="1" baseline="-25000" dirty="0" smtClean="0">
+                <a:solidFill>
+                  <a:srgbClr val="FF0000"/>
+                </a:solidFill>
+              </a:rPr>
+              <a:t>Ksec</a:t>
+            </a:r>
+            <a:r>
+              <a:rPr lang="fr-FR" b="1" dirty="0" smtClean="0">
+                <a:solidFill>
+                  <a:srgbClr val="FF0000"/>
+                </a:solidFill>
+              </a:rPr>
+              <a:t>(métadonnées),</a:t>
+            </a:r>
+          </a:p>
+          <a:p>
+            <a:r>
+              <a:rPr lang="fr-FR" b="1" dirty="0" smtClean="0">
+                <a:solidFill>
+                  <a:srgbClr val="FF0000"/>
+                </a:solidFill>
+              </a:rPr>
+              <a:t>E</a:t>
+            </a:r>
+            <a:r>
+              <a:rPr lang="fr-FR" b="1" baseline="-25000" dirty="0" smtClean="0">
+                <a:solidFill>
+                  <a:srgbClr val="FF0000"/>
+                </a:solidFill>
+              </a:rPr>
+              <a:t>Ksec</a:t>
+            </a:r>
+            <a:r>
+              <a:rPr lang="fr-FR" b="1" dirty="0" smtClean="0">
+                <a:solidFill>
+                  <a:srgbClr val="FF0000"/>
+                </a:solidFill>
+              </a:rPr>
+              <a:t>(donnée) &gt;</a:t>
+            </a:r>
+            <a:endParaRPr lang="fr-FR" b="1" dirty="0" smtClean="0">
+              <a:solidFill>
+                <a:srgbClr val="000000"/>
+              </a:solidFill>
+            </a:endParaRPr>
+          </a:p>
+        </p:txBody>
+      </p:sp>
       <p:grpSp>
         <p:nvGrpSpPr>
-          <p:cNvPr id="41" name="Grouper 40"/>
+          <p:cNvPr id="26" name="Grouper 25"/>
           <p:cNvGrpSpPr/>
           <p:nvPr/>
         </p:nvGrpSpPr>
         <p:grpSpPr>
           <a:xfrm>
-            <a:off x="493008" y="583126"/>
-            <a:ext cx="8328383" cy="5316364"/>
-            <a:chOff x="4528" y="583126"/>
-            <a:chExt cx="8047281" cy="5214761"/>
+            <a:off x="4782683" y="3773554"/>
+            <a:ext cx="860449" cy="616431"/>
+            <a:chOff x="6277217" y="4305767"/>
+            <a:chExt cx="1611585" cy="1211575"/>
+          </a:xfrm>
+        </p:grpSpPr>
+        <p:pic>
+          <p:nvPicPr>
+            <p:cNvPr id="27" name="Picture 8" descr="C:\Users\Lisa\Downloads\noun_75930_cc.png"/>
+            <p:cNvPicPr>
+              <a:picLocks noChangeAspect="1" noChangeArrowheads="1"/>
+            </p:cNvPicPr>
+            <p:nvPr/>
+          </p:nvPicPr>
+          <p:blipFill rotWithShape="1">
+            <a:blip r:embed="rId2" cstate="print">
+              <a:extLst>
+                <a:ext uri="{28A0092B-C50C-407E-A947-70E740481C1C}">
+                  <a14:useLocalDpi xmlns:a14="http://schemas.microsoft.com/office/drawing/2010/main" val="0"/>
+                </a:ext>
+              </a:extLst>
+            </a:blip>
+            <a:srcRect l="26816" t="21680" r="26816" b="36800"/>
+            <a:stretch/>
+          </p:blipFill>
+          <p:spPr bwMode="auto">
+            <a:xfrm>
+              <a:off x="6277217" y="4305767"/>
+              <a:ext cx="807252" cy="722851"/>
+            </a:xfrm>
+            <a:prstGeom prst="ellipse">
+              <a:avLst/>
+            </a:prstGeom>
+            <a:solidFill>
+              <a:srgbClr val="FFFFFF"/>
+            </a:solidFill>
+            <a:extLst/>
+          </p:spPr>
+        </p:pic>
+        <p:pic>
+          <p:nvPicPr>
+            <p:cNvPr id="28" name="Picture 7" descr="C:\Users\Lisa\Downloads\noun_74617_cc.png"/>
+            <p:cNvPicPr>
+              <a:picLocks noChangeAspect="1" noChangeArrowheads="1"/>
+            </p:cNvPicPr>
+            <p:nvPr/>
+          </p:nvPicPr>
+          <p:blipFill rotWithShape="1">
+            <a:blip r:embed="rId3" cstate="print">
+              <a:extLst>
+                <a:ext uri="{28A0092B-C50C-407E-A947-70E740481C1C}">
+                  <a14:useLocalDpi xmlns:a14="http://schemas.microsoft.com/office/drawing/2010/main" val="0"/>
+                </a:ext>
+              </a:extLst>
+            </a:blip>
+            <a:srcRect b="23660"/>
+            <a:stretch/>
+          </p:blipFill>
+          <p:spPr bwMode="auto">
+            <a:xfrm>
+              <a:off x="6646072" y="4568640"/>
+              <a:ext cx="1242730" cy="948702"/>
+            </a:xfrm>
+            <a:prstGeom prst="rect">
+              <a:avLst/>
+            </a:prstGeom>
+            <a:noFill/>
+            <a:extLst>
+              <a:ext uri="{909E8E84-426E-40dd-AFC4-6F175D3DCCD1}">
+                <a14:hiddenFill xmlns:a14="http://schemas.microsoft.com/office/drawing/2010/main">
+                  <a:solidFill>
+                    <a:srgbClr val="FFFFFF"/>
+                  </a:solidFill>
+                </a14:hiddenFill>
+              </a:ext>
+            </a:extLst>
+          </p:spPr>
+        </p:pic>
+      </p:grpSp>
+      <p:pic>
+        <p:nvPicPr>
+          <p:cNvPr id="31" name="Picture 4" descr="C:\Users\Lisa\Downloads\noun_81506_cc.png"/>
+          <p:cNvPicPr>
+            <a:picLocks noChangeAspect="1" noChangeArrowheads="1"/>
+          </p:cNvPicPr>
+          <p:nvPr/>
+        </p:nvPicPr>
+        <p:blipFill rotWithShape="1">
+          <a:blip r:embed="rId4" cstate="print">
+            <a:extLst>
+              <a:ext uri="{28A0092B-C50C-407E-A947-70E740481C1C}">
+                <a14:useLocalDpi xmlns:a14="http://schemas.microsoft.com/office/drawing/2010/main" val="0"/>
+              </a:ext>
+            </a:extLst>
+          </a:blip>
+          <a:srcRect b="17265"/>
+          <a:stretch/>
+        </p:blipFill>
+        <p:spPr bwMode="auto">
+          <a:xfrm>
+            <a:off x="8065680" y="3304838"/>
+            <a:ext cx="412891" cy="336505"/>
+          </a:xfrm>
+          <a:prstGeom prst="rect">
+            <a:avLst/>
+          </a:prstGeom>
+          <a:noFill/>
+          <a:extLst>
+            <a:ext uri="{909E8E84-426E-40dd-AFC4-6F175D3DCCD1}">
+              <a14:hiddenFill xmlns:a14="http://schemas.microsoft.com/office/drawing/2010/main">
+                <a:solidFill>
+                  <a:srgbClr val="FFFFFF"/>
+                </a:solidFill>
+              </a14:hiddenFill>
+            </a:ext>
+          </a:extLst>
+        </p:spPr>
+      </p:pic>
+      <p:sp>
+        <p:nvSpPr>
+          <p:cNvPr id="32" name="ZoneTexte 31"/>
+          <p:cNvSpPr txBox="1"/>
+          <p:nvPr/>
+        </p:nvSpPr>
+        <p:spPr>
+          <a:xfrm>
+            <a:off x="7638989" y="3295804"/>
+            <a:ext cx="636088" cy="369332"/>
+          </a:xfrm>
+          <a:prstGeom prst="rect">
+            <a:avLst/>
+          </a:prstGeom>
+          <a:noFill/>
+        </p:spPr>
+        <p:txBody>
+          <a:bodyPr wrap="square" rtlCol="0">
+            <a:spAutoFit/>
+          </a:bodyPr>
+          <a:lstStyle/>
+          <a:p>
+            <a:r>
+              <a:rPr lang="fr-FR" b="1" dirty="0">
+                <a:solidFill>
+                  <a:srgbClr val="FF0000"/>
+                </a:solidFill>
+              </a:rPr>
+              <a:t>Pk1 </a:t>
+            </a:r>
+            <a:endParaRPr lang="fr-FR" dirty="0"/>
+          </a:p>
+        </p:txBody>
+      </p:sp>
+      <p:pic>
+        <p:nvPicPr>
+          <p:cNvPr id="34" name="Image 33" descr="Sans titre.png"/>
+          <p:cNvPicPr>
+            <a:picLocks noChangeAspect="1"/>
+          </p:cNvPicPr>
+          <p:nvPr/>
+        </p:nvPicPr>
+        <p:blipFill>
+          <a:blip r:embed="rId5">
+            <a:extLst>
+              <a:ext uri="{28A0092B-C50C-407E-A947-70E740481C1C}">
+                <a14:useLocalDpi xmlns:a14="http://schemas.microsoft.com/office/drawing/2010/main" val="0"/>
+              </a:ext>
+            </a:extLst>
+          </a:blip>
+          <a:stretch>
+            <a:fillRect/>
+          </a:stretch>
+        </p:blipFill>
+        <p:spPr>
+          <a:xfrm>
+            <a:off x="7774666" y="4009197"/>
+            <a:ext cx="455804" cy="432163"/>
+          </a:xfrm>
+          <a:prstGeom prst="rect">
+            <a:avLst/>
+          </a:prstGeom>
+        </p:spPr>
+      </p:pic>
+      <p:grpSp>
+        <p:nvGrpSpPr>
+          <p:cNvPr id="30" name="Grouper 29"/>
+          <p:cNvGrpSpPr/>
+          <p:nvPr/>
+        </p:nvGrpSpPr>
+        <p:grpSpPr>
+          <a:xfrm>
+            <a:off x="2447661" y="472021"/>
+            <a:ext cx="968672" cy="978695"/>
+            <a:chOff x="3959026" y="3661998"/>
+            <a:chExt cx="3125434" cy="3196001"/>
+          </a:xfrm>
+        </p:grpSpPr>
+        <p:pic>
+          <p:nvPicPr>
+            <p:cNvPr id="33" name="Image 32" descr="noun_100757_cc.png"/>
+            <p:cNvPicPr>
+              <a:picLocks noChangeAspect="1"/>
+            </p:cNvPicPr>
+            <p:nvPr/>
+          </p:nvPicPr>
+          <p:blipFill rotWithShape="1">
+            <a:blip r:embed="rId6">
+              <a:extLst>
+                <a:ext uri="{28A0092B-C50C-407E-A947-70E740481C1C}">
+                  <a14:useLocalDpi xmlns:a14="http://schemas.microsoft.com/office/drawing/2010/main" val="0"/>
+                </a:ext>
+              </a:extLst>
+            </a:blip>
+            <a:srcRect l="14972" t="11429" r="9859" b="27857"/>
+            <a:stretch/>
+          </p:blipFill>
+          <p:spPr>
+            <a:xfrm>
+              <a:off x="5302871" y="5377522"/>
+              <a:ext cx="1781589" cy="1471397"/>
+            </a:xfrm>
+            <a:prstGeom prst="rect">
+              <a:avLst/>
+            </a:prstGeom>
+          </p:spPr>
+        </p:pic>
+        <p:pic>
+          <p:nvPicPr>
+            <p:cNvPr id="40" name="Image 39" descr="noun_249512_cc.png"/>
+            <p:cNvPicPr>
+              <a:picLocks noChangeAspect="1"/>
+            </p:cNvPicPr>
+            <p:nvPr/>
+          </p:nvPicPr>
+          <p:blipFill rotWithShape="1">
+            <a:blip r:embed="rId7">
+              <a:extLst>
+                <a:ext uri="{28A0092B-C50C-407E-A947-70E740481C1C}">
+                  <a14:useLocalDpi xmlns:a14="http://schemas.microsoft.com/office/drawing/2010/main" val="0"/>
+                </a:ext>
+              </a:extLst>
+            </a:blip>
+            <a:srcRect l="25110" t="3090" r="27989" b="16056"/>
+            <a:stretch/>
+          </p:blipFill>
+          <p:spPr>
+            <a:xfrm>
+              <a:off x="3959026" y="3661998"/>
+              <a:ext cx="1853840" cy="3196001"/>
+            </a:xfrm>
+            <a:prstGeom prst="rect">
+              <a:avLst/>
+            </a:prstGeom>
+          </p:spPr>
+        </p:pic>
+      </p:grpSp>
+      <p:sp>
+        <p:nvSpPr>
+          <p:cNvPr id="42" name="ZoneTexte 41"/>
+          <p:cNvSpPr txBox="1"/>
+          <p:nvPr/>
+        </p:nvSpPr>
+        <p:spPr>
+          <a:xfrm>
+            <a:off x="304804" y="568571"/>
+            <a:ext cx="2100522" cy="817153"/>
+          </a:xfrm>
+          <a:prstGeom prst="rect">
+            <a:avLst/>
+          </a:prstGeom>
+          <a:noFill/>
+        </p:spPr>
+        <p:txBody>
+          <a:bodyPr wrap="square" rtlCol="0">
+            <a:spAutoFit/>
+          </a:bodyPr>
+          <a:lstStyle/>
+          <a:p>
+            <a:pPr algn="ctr"/>
+            <a:r>
+              <a:rPr lang="fr-FR" dirty="0" smtClean="0">
+                <a:solidFill>
+                  <a:srgbClr val="FF0000"/>
+                </a:solidFill>
+              </a:rPr>
+              <a:t>Réception </a:t>
+            </a:r>
+            <a:r>
+              <a:rPr lang="fr-FR" dirty="0">
+                <a:solidFill>
+                  <a:srgbClr val="FF0000"/>
+                </a:solidFill>
+              </a:rPr>
+              <a:t>par</a:t>
+            </a:r>
+            <a:endParaRPr lang="fr-FR" dirty="0">
+              <a:solidFill>
+                <a:srgbClr val="FF0000"/>
+              </a:solidFill>
+            </a:endParaRPr>
+          </a:p>
+          <a:p>
+            <a:pPr algn="ctr"/>
+            <a:endParaRPr lang="fr-FR" sz="1000" dirty="0" smtClean="0">
+              <a:solidFill>
+                <a:srgbClr val="FF0000"/>
+              </a:solidFill>
+            </a:endParaRPr>
+          </a:p>
+          <a:p>
+            <a:pPr algn="ctr"/>
+            <a:r>
+              <a:rPr lang="fr-FR" dirty="0">
+                <a:solidFill>
+                  <a:srgbClr val="FF0000"/>
+                </a:solidFill>
+              </a:rPr>
+              <a:t>la Frontale </a:t>
+            </a:r>
+            <a:r>
+              <a:rPr lang="fr-FR" dirty="0">
+                <a:solidFill>
+                  <a:srgbClr val="FF0000"/>
+                </a:solidFill>
+              </a:rPr>
+              <a:t>de Bob</a:t>
+            </a:r>
+            <a:endParaRPr lang="fr-FR" dirty="0">
+              <a:solidFill>
+                <a:srgbClr val="FF0000"/>
+              </a:solidFill>
+            </a:endParaRPr>
+          </a:p>
+        </p:txBody>
+      </p:sp>
+      <p:cxnSp>
+        <p:nvCxnSpPr>
+          <p:cNvPr id="43" name="Connecteur droit avec flèche 42"/>
+          <p:cNvCxnSpPr/>
+          <p:nvPr/>
+        </p:nvCxnSpPr>
+        <p:spPr>
+          <a:xfrm flipV="1">
+            <a:off x="406403" y="997058"/>
+            <a:ext cx="1931187" cy="2684"/>
+          </a:xfrm>
+          <a:prstGeom prst="straightConnector1">
+            <a:avLst/>
+          </a:prstGeom>
+          <a:ln w="28575">
+            <a:solidFill>
+              <a:srgbClr val="FF0000"/>
+            </a:solidFill>
+            <a:tailEnd type="arrow"/>
+          </a:ln>
+        </p:spPr>
+        <p:style>
+          <a:lnRef idx="1">
+            <a:schemeClr val="dk1"/>
+          </a:lnRef>
+          <a:fillRef idx="0">
+            <a:schemeClr val="dk1"/>
+          </a:fillRef>
+          <a:effectRef idx="0">
+            <a:schemeClr val="dk1"/>
+          </a:effectRef>
+          <a:fontRef idx="minor">
+            <a:schemeClr val="tx1"/>
+          </a:fontRef>
+        </p:style>
+      </p:cxnSp>
+      <p:grpSp>
+        <p:nvGrpSpPr>
+          <p:cNvPr id="45" name="Grouper 44"/>
+          <p:cNvGrpSpPr/>
+          <p:nvPr/>
+        </p:nvGrpSpPr>
+        <p:grpSpPr>
+          <a:xfrm>
+            <a:off x="7185005" y="483900"/>
+            <a:ext cx="1418840" cy="1153508"/>
+            <a:chOff x="7145411" y="5367136"/>
+            <a:chExt cx="1588756" cy="1226802"/>
+          </a:xfrm>
+        </p:grpSpPr>
+        <p:pic>
+          <p:nvPicPr>
+            <p:cNvPr id="46" name="Picture 8" descr="C:\Users\Lisa\Downloads\noun_75930_cc.png"/>
+            <p:cNvPicPr>
+              <a:picLocks noChangeAspect="1" noChangeArrowheads="1"/>
+            </p:cNvPicPr>
+            <p:nvPr/>
+          </p:nvPicPr>
+          <p:blipFill rotWithShape="1">
+            <a:blip r:embed="rId2" cstate="print">
+              <a:extLst>
+                <a:ext uri="{28A0092B-C50C-407E-A947-70E740481C1C}">
+                  <a14:useLocalDpi xmlns:a14="http://schemas.microsoft.com/office/drawing/2010/main" val="0"/>
+                </a:ext>
+              </a:extLst>
+            </a:blip>
+            <a:srcRect l="26816" t="21680" r="26816" b="36800"/>
+            <a:stretch/>
+          </p:blipFill>
+          <p:spPr bwMode="auto">
+            <a:xfrm>
+              <a:off x="7145411" y="5367136"/>
+              <a:ext cx="807251" cy="722851"/>
+            </a:xfrm>
+            <a:prstGeom prst="ellipse">
+              <a:avLst/>
+            </a:prstGeom>
+            <a:noFill/>
+            <a:extLst>
+              <a:ext uri="{909E8E84-426E-40dd-AFC4-6F175D3DCCD1}">
+                <a14:hiddenFill xmlns:a14="http://schemas.microsoft.com/office/drawing/2010/main">
+                  <a:solidFill>
+                    <a:srgbClr val="FFFFFF"/>
+                  </a:solidFill>
+                </a14:hiddenFill>
+              </a:ext>
+            </a:extLst>
+          </p:spPr>
+        </p:pic>
+        <p:pic>
+          <p:nvPicPr>
+            <p:cNvPr id="47" name="Picture 7" descr="C:\Users\Lisa\Downloads\noun_74617_cc.png"/>
+            <p:cNvPicPr>
+              <a:picLocks noChangeAspect="1" noChangeArrowheads="1"/>
+            </p:cNvPicPr>
+            <p:nvPr/>
+          </p:nvPicPr>
+          <p:blipFill rotWithShape="1">
+            <a:blip r:embed="rId3" cstate="print">
+              <a:extLst>
+                <a:ext uri="{28A0092B-C50C-407E-A947-70E740481C1C}">
+                  <a14:useLocalDpi xmlns:a14="http://schemas.microsoft.com/office/drawing/2010/main" val="0"/>
+                </a:ext>
+              </a:extLst>
+            </a:blip>
+            <a:srcRect b="23660"/>
+            <a:stretch/>
+          </p:blipFill>
+          <p:spPr bwMode="auto">
+            <a:xfrm>
+              <a:off x="7491437" y="5645236"/>
+              <a:ext cx="1242730" cy="948702"/>
+            </a:xfrm>
+            <a:prstGeom prst="rect">
+              <a:avLst/>
+            </a:prstGeom>
+            <a:noFill/>
+            <a:extLst>
+              <a:ext uri="{909E8E84-426E-40dd-AFC4-6F175D3DCCD1}">
+                <a14:hiddenFill xmlns:a14="http://schemas.microsoft.com/office/drawing/2010/main">
+                  <a:solidFill>
+                    <a:srgbClr val="FFFFFF"/>
+                  </a:solidFill>
+                </a14:hiddenFill>
+              </a:ext>
+            </a:extLst>
+          </p:spPr>
+        </p:pic>
+      </p:grpSp>
+      <p:grpSp>
+        <p:nvGrpSpPr>
+          <p:cNvPr id="120" name="Grouper 119"/>
+          <p:cNvGrpSpPr/>
+          <p:nvPr/>
+        </p:nvGrpSpPr>
+        <p:grpSpPr>
+          <a:xfrm rot="5400000">
+            <a:off x="643796" y="4828913"/>
+            <a:ext cx="695179" cy="1000631"/>
+            <a:chOff x="2117855" y="5703428"/>
+            <a:chExt cx="1342658" cy="522166"/>
           </a:xfrm>
         </p:grpSpPr>
         <p:cxnSp>
           <p:nvCxnSpPr>
-            <p:cNvPr id="5" name="Connecteur droit avec flèche 4"/>
+            <p:cNvPr id="56" name="Connecteur droit avec flèche 55"/>
             <p:cNvCxnSpPr/>
             <p:nvPr/>
           </p:nvCxnSpPr>
           <p:spPr>
-            <a:xfrm>
-              <a:off x="2699792" y="2623072"/>
-              <a:ext cx="3528392" cy="0"/>
+            <a:xfrm rot="16200000" flipH="1">
+              <a:off x="2789184" y="5287215"/>
+              <a:ext cx="1" cy="1342657"/>
             </a:xfrm>
             <a:prstGeom prst="straightConnector1">
               <a:avLst/>
             </a:prstGeom>
             <a:ln w="28575">
+              <a:solidFill>
+                <a:srgbClr val="FF0000"/>
+              </a:solidFill>
               <a:tailEnd type="arrow"/>
             </a:ln>
           </p:spPr>
@@ -9327,56 +10401,24 @@
             </a:fontRef>
           </p:style>
         </p:cxnSp>
-        <p:sp>
-          <p:nvSpPr>
-            <p:cNvPr id="6" name="ZoneTexte 5"/>
-            <p:cNvSpPr txBox="1"/>
-            <p:nvPr/>
-          </p:nvSpPr>
-          <p:spPr>
-            <a:xfrm>
-              <a:off x="2411760" y="1614960"/>
-              <a:ext cx="3960440" cy="923330"/>
-            </a:xfrm>
-            <a:prstGeom prst="rect">
-              <a:avLst/>
-            </a:prstGeom>
-            <a:noFill/>
-          </p:spPr>
-          <p:txBody>
-            <a:bodyPr wrap="square" rtlCol="0">
-              <a:spAutoFit/>
-            </a:bodyPr>
-            <a:lstStyle/>
-            <a:p>
-              <a:pPr algn="ctr"/>
-              <a:r>
-                <a:rPr lang="fr-FR" dirty="0"/>
-                <a:t>1</a:t>
-              </a:r>
-              <a:r>
-                <a:rPr lang="fr-FR" dirty="0" smtClean="0"/>
-                <a:t>. Vérification de la politique de partage de Bob  avec les credentials envoyés par Alice</a:t>
-              </a:r>
-              <a:endParaRPr lang="fr-FR" dirty="0"/>
-            </a:p>
-          </p:txBody>
-        </p:sp>
         <p:cxnSp>
           <p:nvCxnSpPr>
-            <p:cNvPr id="11" name="Connecteur droit avec flèche 10"/>
+            <p:cNvPr id="57" name="Connecteur droit avec flèche 56"/>
             <p:cNvCxnSpPr/>
             <p:nvPr/>
           </p:nvCxnSpPr>
           <p:spPr>
-            <a:xfrm flipH="1">
-              <a:off x="2699792" y="4722405"/>
-              <a:ext cx="3528392" cy="0"/>
+            <a:xfrm rot="16200000" flipH="1">
+              <a:off x="2356460" y="5719938"/>
+              <a:ext cx="267051" cy="744261"/>
             </a:xfrm>
             <a:prstGeom prst="straightConnector1">
               <a:avLst/>
             </a:prstGeom>
             <a:ln w="28575">
+              <a:solidFill>
+                <a:srgbClr val="FF0000"/>
+              </a:solidFill>
               <a:tailEnd type="arrow"/>
             </a:ln>
           </p:spPr>
@@ -9395,361 +10437,1434 @@
             </a:fontRef>
           </p:style>
         </p:cxnSp>
-        <p:sp>
-          <p:nvSpPr>
-            <p:cNvPr id="20" name="ZoneTexte 19"/>
-            <p:cNvSpPr txBox="1"/>
+        <p:cxnSp>
+          <p:nvCxnSpPr>
+            <p:cNvPr id="58" name="Connecteur droit avec flèche 57"/>
+            <p:cNvCxnSpPr/>
             <p:nvPr/>
-          </p:nvSpPr>
+          </p:nvCxnSpPr>
+          <p:spPr>
+            <a:xfrm flipV="1">
+              <a:off x="2117855" y="5703428"/>
+              <a:ext cx="744260" cy="255116"/>
+            </a:xfrm>
+            <a:prstGeom prst="straightConnector1">
+              <a:avLst/>
+            </a:prstGeom>
+            <a:ln w="28575">
+              <a:solidFill>
+                <a:srgbClr val="FF0000"/>
+              </a:solidFill>
+              <a:tailEnd type="arrow"/>
+            </a:ln>
+          </p:spPr>
+          <p:style>
+            <a:lnRef idx="1">
+              <a:schemeClr val="dk1"/>
+            </a:lnRef>
+            <a:fillRef idx="0">
+              <a:schemeClr val="dk1"/>
+            </a:fillRef>
+            <a:effectRef idx="0">
+              <a:schemeClr val="dk1"/>
+            </a:effectRef>
+            <a:fontRef idx="minor">
+              <a:schemeClr val="tx1"/>
+            </a:fontRef>
+          </p:style>
+        </p:cxnSp>
+      </p:grpSp>
+      <p:sp>
+        <p:nvSpPr>
+          <p:cNvPr id="60" name="ZoneTexte 59"/>
+          <p:cNvSpPr txBox="1"/>
+          <p:nvPr/>
+        </p:nvSpPr>
+        <p:spPr>
+          <a:xfrm>
+            <a:off x="5003802" y="551637"/>
+            <a:ext cx="2467501" cy="800219"/>
+          </a:xfrm>
+          <a:prstGeom prst="rect">
+            <a:avLst/>
+          </a:prstGeom>
+          <a:noFill/>
+        </p:spPr>
+        <p:txBody>
+          <a:bodyPr wrap="square" rtlCol="0">
+            <a:spAutoFit/>
+          </a:bodyPr>
+          <a:lstStyle/>
+          <a:p>
+            <a:pPr algn="ctr"/>
+            <a:r>
+              <a:rPr lang="fr-FR" dirty="0" smtClean="0">
+                <a:solidFill>
+                  <a:srgbClr val="000000"/>
+                </a:solidFill>
+              </a:rPr>
+              <a:t>Réception de la</a:t>
+            </a:r>
+            <a:r>
+              <a:rPr lang="fr-FR" dirty="0">
+                <a:solidFill>
+                  <a:srgbClr val="000000"/>
+                </a:solidFill>
+              </a:rPr>
+              <a:t> requête</a:t>
+            </a:r>
+          </a:p>
+          <a:p>
+            <a:pPr algn="ctr"/>
+            <a:endParaRPr lang="fr-FR" sz="1000" dirty="0">
+              <a:solidFill>
+                <a:srgbClr val="000000"/>
+              </a:solidFill>
+            </a:endParaRPr>
+          </a:p>
+          <a:p>
+            <a:pPr algn="ctr"/>
+            <a:r>
+              <a:rPr lang="fr-FR" dirty="0">
+                <a:solidFill>
+                  <a:srgbClr val="000000"/>
+                </a:solidFill>
+              </a:rPr>
+              <a:t> par l’application  Bob</a:t>
+            </a:r>
+            <a:endParaRPr lang="fr-FR" dirty="0">
+              <a:solidFill>
+                <a:srgbClr val="000000"/>
+              </a:solidFill>
+            </a:endParaRPr>
+          </a:p>
+        </p:txBody>
+      </p:sp>
+      <p:cxnSp>
+        <p:nvCxnSpPr>
+          <p:cNvPr id="61" name="Connecteur droit avec flèche 60"/>
+          <p:cNvCxnSpPr/>
+          <p:nvPr/>
+        </p:nvCxnSpPr>
+        <p:spPr>
+          <a:xfrm flipV="1">
+            <a:off x="5362146" y="983349"/>
+            <a:ext cx="1847708" cy="16393"/>
+          </a:xfrm>
+          <a:prstGeom prst="straightConnector1">
+            <a:avLst/>
+          </a:prstGeom>
+          <a:ln w="28575">
+            <a:solidFill>
+              <a:schemeClr val="tx1"/>
+            </a:solidFill>
+            <a:tailEnd type="arrow"/>
+          </a:ln>
+        </p:spPr>
+        <p:style>
+          <a:lnRef idx="1">
+            <a:schemeClr val="dk1"/>
+          </a:lnRef>
+          <a:fillRef idx="0">
+            <a:schemeClr val="dk1"/>
+          </a:fillRef>
+          <a:effectRef idx="0">
+            <a:schemeClr val="dk1"/>
+          </a:effectRef>
+          <a:fontRef idx="minor">
+            <a:schemeClr val="tx1"/>
+          </a:fontRef>
+        </p:style>
+      </p:cxnSp>
+      <p:cxnSp>
+        <p:nvCxnSpPr>
+          <p:cNvPr id="10" name="Connecteur droit 9"/>
+          <p:cNvCxnSpPr/>
+          <p:nvPr/>
+        </p:nvCxnSpPr>
+        <p:spPr>
+          <a:xfrm>
+            <a:off x="4707463" y="997057"/>
+            <a:ext cx="67734" cy="0"/>
+          </a:xfrm>
+          <a:prstGeom prst="line">
+            <a:avLst/>
+          </a:prstGeom>
+          <a:ln>
+            <a:solidFill>
+              <a:srgbClr val="000000"/>
+            </a:solidFill>
+          </a:ln>
+          <a:effectLst/>
+        </p:spPr>
+        <p:style>
+          <a:lnRef idx="2">
+            <a:schemeClr val="accent1"/>
+          </a:lnRef>
+          <a:fillRef idx="0">
+            <a:schemeClr val="accent1"/>
+          </a:fillRef>
+          <a:effectRef idx="1">
+            <a:schemeClr val="accent1"/>
+          </a:effectRef>
+          <a:fontRef idx="minor">
+            <a:schemeClr val="tx1"/>
+          </a:fontRef>
+        </p:style>
+      </p:cxnSp>
+      <p:cxnSp>
+        <p:nvCxnSpPr>
+          <p:cNvPr id="75" name="Connecteur droit 74"/>
+          <p:cNvCxnSpPr/>
+          <p:nvPr/>
+        </p:nvCxnSpPr>
+        <p:spPr>
+          <a:xfrm>
+            <a:off x="4859863" y="997057"/>
+            <a:ext cx="67734" cy="0"/>
+          </a:xfrm>
+          <a:prstGeom prst="line">
+            <a:avLst/>
+          </a:prstGeom>
+          <a:ln>
+            <a:solidFill>
+              <a:srgbClr val="000000"/>
+            </a:solidFill>
+          </a:ln>
+          <a:effectLst/>
+        </p:spPr>
+        <p:style>
+          <a:lnRef idx="2">
+            <a:schemeClr val="accent1"/>
+          </a:lnRef>
+          <a:fillRef idx="0">
+            <a:schemeClr val="accent1"/>
+          </a:fillRef>
+          <a:effectRef idx="1">
+            <a:schemeClr val="accent1"/>
+          </a:effectRef>
+          <a:fontRef idx="minor">
+            <a:schemeClr val="tx1"/>
+          </a:fontRef>
+        </p:style>
+      </p:cxnSp>
+      <p:cxnSp>
+        <p:nvCxnSpPr>
+          <p:cNvPr id="76" name="Connecteur droit 75"/>
+          <p:cNvCxnSpPr/>
+          <p:nvPr/>
+        </p:nvCxnSpPr>
+        <p:spPr>
+          <a:xfrm>
+            <a:off x="5012263" y="997057"/>
+            <a:ext cx="67734" cy="0"/>
+          </a:xfrm>
+          <a:prstGeom prst="line">
+            <a:avLst/>
+          </a:prstGeom>
+          <a:ln>
+            <a:solidFill>
+              <a:srgbClr val="000000"/>
+            </a:solidFill>
+          </a:ln>
+          <a:effectLst/>
+        </p:spPr>
+        <p:style>
+          <a:lnRef idx="2">
+            <a:schemeClr val="accent1"/>
+          </a:lnRef>
+          <a:fillRef idx="0">
+            <a:schemeClr val="accent1"/>
+          </a:fillRef>
+          <a:effectRef idx="1">
+            <a:schemeClr val="accent1"/>
+          </a:effectRef>
+          <a:fontRef idx="minor">
+            <a:schemeClr val="tx1"/>
+          </a:fontRef>
+        </p:style>
+      </p:cxnSp>
+      <p:cxnSp>
+        <p:nvCxnSpPr>
+          <p:cNvPr id="77" name="Connecteur droit 76"/>
+          <p:cNvCxnSpPr/>
+          <p:nvPr/>
+        </p:nvCxnSpPr>
+        <p:spPr>
+          <a:xfrm>
+            <a:off x="5164663" y="997057"/>
+            <a:ext cx="67734" cy="0"/>
+          </a:xfrm>
+          <a:prstGeom prst="line">
+            <a:avLst/>
+          </a:prstGeom>
+          <a:ln>
+            <a:solidFill>
+              <a:srgbClr val="000000"/>
+            </a:solidFill>
+          </a:ln>
+          <a:effectLst/>
+        </p:spPr>
+        <p:style>
+          <a:lnRef idx="2">
+            <a:schemeClr val="accent1"/>
+          </a:lnRef>
+          <a:fillRef idx="0">
+            <a:schemeClr val="accent1"/>
+          </a:fillRef>
+          <a:effectRef idx="1">
+            <a:schemeClr val="accent1"/>
+          </a:effectRef>
+          <a:fontRef idx="minor">
+            <a:schemeClr val="tx1"/>
+          </a:fontRef>
+        </p:style>
+      </p:cxnSp>
+      <p:sp>
+        <p:nvSpPr>
+          <p:cNvPr id="59" name="ZoneTexte 58"/>
+          <p:cNvSpPr txBox="1"/>
+          <p:nvPr/>
+        </p:nvSpPr>
+        <p:spPr>
+          <a:xfrm>
+            <a:off x="2232731" y="1378038"/>
+            <a:ext cx="2424590" cy="646331"/>
+          </a:xfrm>
+          <a:prstGeom prst="rect">
+            <a:avLst/>
+          </a:prstGeom>
+          <a:noFill/>
+          <a:ln>
+            <a:noFill/>
+          </a:ln>
+        </p:spPr>
+        <p:txBody>
+          <a:bodyPr wrap="square" rtlCol="0">
+            <a:spAutoFit/>
+          </a:bodyPr>
+          <a:lstStyle/>
+          <a:p>
+            <a:r>
+              <a:rPr lang="fr-FR" dirty="0">
+                <a:solidFill>
+                  <a:srgbClr val="FF0000"/>
+                </a:solidFill>
+              </a:rPr>
+              <a:t>6. </a:t>
+            </a:r>
+            <a:r>
+              <a:rPr lang="fr-FR" dirty="0"/>
+              <a:t>Interrogation de la BD Frontale et Diffusion</a:t>
+            </a:r>
+            <a:endParaRPr lang="fr-FR" dirty="0"/>
+          </a:p>
+        </p:txBody>
+      </p:sp>
+      <p:sp>
+        <p:nvSpPr>
+          <p:cNvPr id="35" name="ZoneTexte 34"/>
+          <p:cNvSpPr txBox="1"/>
+          <p:nvPr/>
+        </p:nvSpPr>
+        <p:spPr>
+          <a:xfrm>
+            <a:off x="7575252" y="2660822"/>
+            <a:ext cx="745066" cy="261610"/>
+          </a:xfrm>
+          <a:prstGeom prst="rect">
+            <a:avLst/>
+          </a:prstGeom>
+          <a:noFill/>
+        </p:spPr>
+        <p:txBody>
+          <a:bodyPr wrap="square" rtlCol="0">
+            <a:spAutoFit/>
+          </a:bodyPr>
+          <a:lstStyle/>
+          <a:p>
+            <a:pPr algn="ctr"/>
+            <a:r>
+              <a:rPr lang="fr-FR" sz="1100" b="1" dirty="0" smtClean="0">
+                <a:solidFill>
+                  <a:srgbClr val="000000"/>
+                </a:solidFill>
+              </a:rPr>
+              <a:t>@mail</a:t>
+            </a:r>
+            <a:endParaRPr lang="fr-FR" sz="1100" b="1" dirty="0">
+              <a:solidFill>
+                <a:srgbClr val="000000"/>
+              </a:solidFill>
+            </a:endParaRPr>
+          </a:p>
+        </p:txBody>
+      </p:sp>
+      <p:pic>
+        <p:nvPicPr>
+          <p:cNvPr id="80" name="Picture 8" descr="C:\Users\Lisa\Downloads\noun_75930_cc.png"/>
+          <p:cNvPicPr>
+            <a:picLocks noChangeAspect="1" noChangeArrowheads="1"/>
+          </p:cNvPicPr>
+          <p:nvPr/>
+        </p:nvPicPr>
+        <p:blipFill rotWithShape="1">
+          <a:blip r:embed="rId2" cstate="print">
+            <a:extLst>
+              <a:ext uri="{28A0092B-C50C-407E-A947-70E740481C1C}">
+                <a14:useLocalDpi xmlns:a14="http://schemas.microsoft.com/office/drawing/2010/main" val="0"/>
+              </a:ext>
+            </a:extLst>
+          </a:blip>
+          <a:srcRect l="26816" t="21680" r="26816" b="36800"/>
+          <a:stretch/>
+        </p:blipFill>
+        <p:spPr bwMode="auto">
+          <a:xfrm>
+            <a:off x="8149816" y="2650695"/>
+            <a:ext cx="239717" cy="229157"/>
+          </a:xfrm>
+          <a:prstGeom prst="ellipse">
+            <a:avLst/>
+          </a:prstGeom>
+          <a:solidFill>
+            <a:srgbClr val="FFFFFF"/>
+          </a:solidFill>
+          <a:extLst/>
+        </p:spPr>
+      </p:pic>
+      <p:pic>
+        <p:nvPicPr>
+          <p:cNvPr id="93" name="Image 92" descr="noun_100757_cc.png"/>
+          <p:cNvPicPr>
+            <a:picLocks noChangeAspect="1"/>
+          </p:cNvPicPr>
+          <p:nvPr/>
+        </p:nvPicPr>
+        <p:blipFill rotWithShape="1">
+          <a:blip r:embed="rId6">
+            <a:extLst>
+              <a:ext uri="{28A0092B-C50C-407E-A947-70E740481C1C}">
+                <a14:useLocalDpi xmlns:a14="http://schemas.microsoft.com/office/drawing/2010/main" val="0"/>
+              </a:ext>
+            </a:extLst>
+          </a:blip>
+          <a:srcRect l="62272" t="44927" r="11330" b="30009"/>
+          <a:stretch/>
+        </p:blipFill>
+        <p:spPr>
+          <a:xfrm>
+            <a:off x="7367576" y="1951243"/>
+            <a:ext cx="330682" cy="321026"/>
+          </a:xfrm>
+          <a:prstGeom prst="rect">
+            <a:avLst/>
+          </a:prstGeom>
+        </p:spPr>
+      </p:pic>
+      <p:pic>
+        <p:nvPicPr>
+          <p:cNvPr id="94" name="Image 93" descr="noun_166742_cc.png"/>
+          <p:cNvPicPr>
+            <a:picLocks noChangeAspect="1"/>
+          </p:cNvPicPr>
+          <p:nvPr/>
+        </p:nvPicPr>
+        <p:blipFill rotWithShape="1">
+          <a:blip r:embed="rId8">
+            <a:extLst>
+              <a:ext uri="{28A0092B-C50C-407E-A947-70E740481C1C}">
+                <a14:useLocalDpi xmlns:a14="http://schemas.microsoft.com/office/drawing/2010/main" val="0"/>
+              </a:ext>
+            </a:extLst>
+          </a:blip>
+          <a:srcRect l="22593" t="19877" r="19877" b="34720"/>
+          <a:stretch/>
+        </p:blipFill>
+        <p:spPr>
+          <a:xfrm>
+            <a:off x="7269833" y="1878325"/>
+            <a:ext cx="1427647" cy="1126679"/>
+          </a:xfrm>
+          <a:prstGeom prst="rect">
+            <a:avLst/>
+          </a:prstGeom>
+        </p:spPr>
+      </p:pic>
+      <p:sp>
+        <p:nvSpPr>
+          <p:cNvPr id="96" name="ZoneTexte 95"/>
+          <p:cNvSpPr txBox="1"/>
+          <p:nvPr/>
+        </p:nvSpPr>
+        <p:spPr>
+          <a:xfrm>
+            <a:off x="4817524" y="1894079"/>
+            <a:ext cx="1755165" cy="1077218"/>
+          </a:xfrm>
+          <a:prstGeom prst="rect">
+            <a:avLst/>
+          </a:prstGeom>
+          <a:noFill/>
+        </p:spPr>
+        <p:txBody>
+          <a:bodyPr wrap="square" rtlCol="0">
+            <a:spAutoFit/>
+          </a:bodyPr>
+          <a:lstStyle/>
+          <a:p>
+            <a:pPr algn="ctr"/>
+            <a:r>
+              <a:rPr lang="fr-FR" sz="1600" dirty="0">
+                <a:solidFill>
+                  <a:srgbClr val="000000"/>
+                </a:solidFill>
+              </a:rPr>
+              <a:t>ID_Req::</a:t>
+            </a:r>
+            <a:r>
+              <a:rPr lang="fr-FR" sz="1600" b="1" dirty="0" smtClean="0">
+                <a:solidFill>
+                  <a:srgbClr val="FF0000"/>
+                </a:solidFill>
+              </a:rPr>
+              <a:t>REQ_f = </a:t>
+            </a:r>
+          </a:p>
+          <a:p>
+            <a:pPr algn="ctr"/>
+            <a:r>
+              <a:rPr lang="fr-FR" sz="1600" b="1" dirty="0"/>
+              <a:t>Pk1,Pk2,</a:t>
+            </a:r>
+            <a:r>
+              <a:rPr lang="fr-FR" sz="1600" b="1" dirty="0">
+                <a:solidFill>
+                  <a:srgbClr val="32AADA"/>
+                </a:solidFill>
+              </a:rPr>
+              <a:t>Pk3</a:t>
+            </a:r>
+            <a:r>
+              <a:rPr lang="fr-FR" sz="1600" b="1" dirty="0"/>
+              <a:t>,Pk4</a:t>
+            </a:r>
+          </a:p>
+          <a:p>
+            <a:pPr algn="ctr"/>
+            <a:r>
+              <a:rPr lang="fr-FR" sz="1600" b="1" dirty="0"/>
+              <a:t>+</a:t>
+            </a:r>
+          </a:p>
+          <a:p>
+            <a:pPr algn="ctr"/>
+            <a:r>
+              <a:rPr lang="fr-FR" sz="1600" b="1" dirty="0" err="1"/>
+              <a:t>REQ_généralisée</a:t>
+            </a:r>
+          </a:p>
+        </p:txBody>
+      </p:sp>
+      <p:pic>
+        <p:nvPicPr>
+          <p:cNvPr id="97" name="Image 96" descr="noun_7169_cc.png"/>
+          <p:cNvPicPr>
+            <a:picLocks noChangeAspect="1"/>
+          </p:cNvPicPr>
+          <p:nvPr/>
+        </p:nvPicPr>
+        <p:blipFill rotWithShape="1">
+          <a:blip r:embed="rId9">
+            <a:extLst>
+              <a:ext uri="{28A0092B-C50C-407E-A947-70E740481C1C}">
+                <a14:useLocalDpi xmlns:a14="http://schemas.microsoft.com/office/drawing/2010/main" val="0"/>
+              </a:ext>
+            </a:extLst>
+          </a:blip>
+          <a:srcRect l="6866" t="23361" r="6914" b="37381"/>
+          <a:stretch/>
+        </p:blipFill>
+        <p:spPr>
+          <a:xfrm rot="16200000">
+            <a:off x="7325075" y="2361052"/>
+            <a:ext cx="319530" cy="145488"/>
+          </a:xfrm>
+          <a:prstGeom prst="rect">
+            <a:avLst/>
+          </a:prstGeom>
+        </p:spPr>
+      </p:pic>
+      <p:sp>
+        <p:nvSpPr>
+          <p:cNvPr id="98" name="ZoneTexte 97"/>
+          <p:cNvSpPr txBox="1"/>
+          <p:nvPr/>
+        </p:nvSpPr>
+        <p:spPr>
+          <a:xfrm>
+            <a:off x="7520061" y="2229935"/>
+            <a:ext cx="1002660" cy="430887"/>
+          </a:xfrm>
+          <a:prstGeom prst="rect">
+            <a:avLst/>
+          </a:prstGeom>
+          <a:noFill/>
+        </p:spPr>
+        <p:txBody>
+          <a:bodyPr wrap="square" rtlCol="0">
+            <a:spAutoFit/>
+          </a:bodyPr>
+          <a:lstStyle/>
+          <a:p>
+            <a:r>
+              <a:rPr lang="fr-FR" sz="1100" b="1" dirty="0" smtClean="0"/>
+              <a:t>Pk1 ou</a:t>
+            </a:r>
+          </a:p>
+          <a:p>
+            <a:r>
+              <a:rPr lang="fr-FR" sz="1100" b="1" dirty="0" smtClean="0"/>
+              <a:t>[Pk7 et Pk12]</a:t>
+            </a:r>
+            <a:endParaRPr lang="fr-FR" sz="1100" b="1" dirty="0"/>
+          </a:p>
+        </p:txBody>
+      </p:sp>
+      <p:cxnSp>
+        <p:nvCxnSpPr>
+          <p:cNvPr id="101" name="Connecteur droit avec flèche 100"/>
+          <p:cNvCxnSpPr/>
+          <p:nvPr/>
+        </p:nvCxnSpPr>
+        <p:spPr>
+          <a:xfrm>
+            <a:off x="7965065" y="3024750"/>
+            <a:ext cx="6051" cy="345539"/>
+          </a:xfrm>
+          <a:prstGeom prst="straightConnector1">
+            <a:avLst/>
+          </a:prstGeom>
+          <a:ln w="28575">
+            <a:solidFill>
+              <a:schemeClr val="tx1"/>
+            </a:solidFill>
+            <a:tailEnd type="arrow"/>
+          </a:ln>
+        </p:spPr>
+        <p:style>
+          <a:lnRef idx="1">
+            <a:schemeClr val="dk1"/>
+          </a:lnRef>
+          <a:fillRef idx="0">
+            <a:schemeClr val="dk1"/>
+          </a:fillRef>
+          <a:effectRef idx="0">
+            <a:schemeClr val="dk1"/>
+          </a:effectRef>
+          <a:fontRef idx="minor">
+            <a:schemeClr val="tx1"/>
+          </a:fontRef>
+        </p:style>
+      </p:cxnSp>
+      <p:pic>
+        <p:nvPicPr>
+          <p:cNvPr id="103" name="Image 102" descr="noun_7169_cc.png"/>
+          <p:cNvPicPr>
+            <a:picLocks noChangeAspect="1"/>
+          </p:cNvPicPr>
+          <p:nvPr/>
+        </p:nvPicPr>
+        <p:blipFill rotWithShape="1">
+          <a:blip r:embed="rId9">
+            <a:extLst>
+              <a:ext uri="{28A0092B-C50C-407E-A947-70E740481C1C}">
+                <a14:useLocalDpi xmlns:a14="http://schemas.microsoft.com/office/drawing/2010/main" val="0"/>
+              </a:ext>
+            </a:extLst>
+          </a:blip>
+          <a:srcRect l="6866" t="23361" r="6914" b="37381"/>
+          <a:stretch/>
+        </p:blipFill>
+        <p:spPr>
+          <a:xfrm rot="16200000">
+            <a:off x="7488013" y="3428385"/>
+            <a:ext cx="319530" cy="145488"/>
+          </a:xfrm>
+          <a:prstGeom prst="rect">
+            <a:avLst/>
+          </a:prstGeom>
+        </p:spPr>
+      </p:pic>
+      <p:cxnSp>
+        <p:nvCxnSpPr>
+          <p:cNvPr id="105" name="Connecteur droit avec flèche 104"/>
+          <p:cNvCxnSpPr/>
+          <p:nvPr/>
+        </p:nvCxnSpPr>
+        <p:spPr>
+          <a:xfrm>
+            <a:off x="7971116" y="3636707"/>
+            <a:ext cx="6051" cy="345539"/>
+          </a:xfrm>
+          <a:prstGeom prst="straightConnector1">
+            <a:avLst/>
+          </a:prstGeom>
+          <a:ln w="28575">
+            <a:solidFill>
+              <a:schemeClr val="tx1"/>
+            </a:solidFill>
+            <a:tailEnd type="arrow"/>
+          </a:ln>
+        </p:spPr>
+        <p:style>
+          <a:lnRef idx="1">
+            <a:schemeClr val="dk1"/>
+          </a:lnRef>
+          <a:fillRef idx="0">
+            <a:schemeClr val="dk1"/>
+          </a:fillRef>
+          <a:effectRef idx="0">
+            <a:schemeClr val="dk1"/>
+          </a:effectRef>
+          <a:fontRef idx="minor">
+            <a:schemeClr val="tx1"/>
+          </a:fontRef>
+        </p:style>
+      </p:cxnSp>
+      <p:cxnSp>
+        <p:nvCxnSpPr>
+          <p:cNvPr id="106" name="Connecteur droit avec flèche 105"/>
+          <p:cNvCxnSpPr/>
+          <p:nvPr/>
+        </p:nvCxnSpPr>
+        <p:spPr>
+          <a:xfrm>
+            <a:off x="6429246" y="2402532"/>
+            <a:ext cx="889746" cy="0"/>
+          </a:xfrm>
+          <a:prstGeom prst="straightConnector1">
+            <a:avLst/>
+          </a:prstGeom>
+          <a:ln w="28575">
+            <a:solidFill>
+              <a:schemeClr val="tx1"/>
+            </a:solidFill>
+            <a:tailEnd type="arrow"/>
+          </a:ln>
+        </p:spPr>
+        <p:style>
+          <a:lnRef idx="1">
+            <a:schemeClr val="dk1"/>
+          </a:lnRef>
+          <a:fillRef idx="0">
+            <a:schemeClr val="dk1"/>
+          </a:fillRef>
+          <a:effectRef idx="0">
+            <a:schemeClr val="dk1"/>
+          </a:effectRef>
+          <a:fontRef idx="minor">
+            <a:schemeClr val="tx1"/>
+          </a:fontRef>
+        </p:style>
+      </p:cxnSp>
+      <p:cxnSp>
+        <p:nvCxnSpPr>
+          <p:cNvPr id="107" name="Connecteur droit avec flèche 106"/>
+          <p:cNvCxnSpPr/>
+          <p:nvPr/>
+        </p:nvCxnSpPr>
+        <p:spPr>
+          <a:xfrm flipH="1">
+            <a:off x="5643132" y="4224843"/>
+            <a:ext cx="1995858" cy="0"/>
+          </a:xfrm>
+          <a:prstGeom prst="straightConnector1">
+            <a:avLst/>
+          </a:prstGeom>
+          <a:ln w="28575">
+            <a:tailEnd type="arrow"/>
+          </a:ln>
+        </p:spPr>
+        <p:style>
+          <a:lnRef idx="1">
+            <a:schemeClr val="dk1"/>
+          </a:lnRef>
+          <a:fillRef idx="0">
+            <a:schemeClr val="dk1"/>
+          </a:fillRef>
+          <a:effectRef idx="0">
+            <a:schemeClr val="dk1"/>
+          </a:effectRef>
+          <a:fontRef idx="minor">
+            <a:schemeClr val="tx1"/>
+          </a:fontRef>
+        </p:style>
+      </p:cxnSp>
+      <p:sp>
+        <p:nvSpPr>
+          <p:cNvPr id="110" name="ZoneTexte 109"/>
+          <p:cNvSpPr txBox="1"/>
+          <p:nvPr/>
+        </p:nvSpPr>
+        <p:spPr>
+          <a:xfrm>
+            <a:off x="1556598" y="4375993"/>
+            <a:ext cx="1203536" cy="646331"/>
+          </a:xfrm>
+          <a:prstGeom prst="rect">
+            <a:avLst/>
+          </a:prstGeom>
+          <a:noFill/>
+        </p:spPr>
+        <p:txBody>
+          <a:bodyPr wrap="square" rtlCol="0">
+            <a:spAutoFit/>
+          </a:bodyPr>
+          <a:lstStyle/>
+          <a:p>
+            <a:r>
+              <a:rPr lang="fr-FR" dirty="0">
+                <a:solidFill>
+                  <a:srgbClr val="FF0000"/>
+                </a:solidFill>
+              </a:rPr>
+              <a:t>9</a:t>
+            </a:r>
+            <a:r>
+              <a:rPr lang="fr-FR" dirty="0" smtClean="0">
+                <a:solidFill>
+                  <a:srgbClr val="FF0000"/>
+                </a:solidFill>
+              </a:rPr>
+              <a:t>.</a:t>
+            </a:r>
+            <a:r>
+              <a:rPr lang="fr-FR" dirty="0" smtClean="0"/>
+              <a:t>Envoi de la réponse</a:t>
+            </a:r>
+            <a:endParaRPr lang="fr-FR" dirty="0"/>
+          </a:p>
+        </p:txBody>
+      </p:sp>
+      <p:grpSp>
+        <p:nvGrpSpPr>
+          <p:cNvPr id="116" name="Grouper 115"/>
+          <p:cNvGrpSpPr/>
+          <p:nvPr/>
+        </p:nvGrpSpPr>
+        <p:grpSpPr>
+          <a:xfrm>
+            <a:off x="669560" y="3796653"/>
+            <a:ext cx="968672" cy="978695"/>
+            <a:chOff x="3959026" y="3661998"/>
+            <a:chExt cx="3125434" cy="3196001"/>
+          </a:xfrm>
+        </p:grpSpPr>
+        <p:pic>
+          <p:nvPicPr>
+            <p:cNvPr id="117" name="Image 116" descr="noun_100757_cc.png"/>
+            <p:cNvPicPr>
+              <a:picLocks noChangeAspect="1"/>
+            </p:cNvPicPr>
+            <p:nvPr/>
+          </p:nvPicPr>
+          <p:blipFill rotWithShape="1">
+            <a:blip r:embed="rId6">
+              <a:extLst>
+                <a:ext uri="{28A0092B-C50C-407E-A947-70E740481C1C}">
+                  <a14:useLocalDpi xmlns:a14="http://schemas.microsoft.com/office/drawing/2010/main" val="0"/>
+                </a:ext>
+              </a:extLst>
+            </a:blip>
+            <a:srcRect l="14972" t="11429" r="9859" b="27857"/>
+            <a:stretch/>
+          </p:blipFill>
           <p:spPr>
             <a:xfrm>
-              <a:off x="2699792" y="4353073"/>
-              <a:ext cx="3960440" cy="369332"/>
+              <a:off x="5302871" y="5377522"/>
+              <a:ext cx="1781589" cy="1471397"/>
+            </a:xfrm>
+            <a:prstGeom prst="rect">
+              <a:avLst/>
+            </a:prstGeom>
+          </p:spPr>
+        </p:pic>
+        <p:pic>
+          <p:nvPicPr>
+            <p:cNvPr id="118" name="Image 117" descr="noun_249512_cc.png"/>
+            <p:cNvPicPr>
+              <a:picLocks noChangeAspect="1"/>
+            </p:cNvPicPr>
+            <p:nvPr/>
+          </p:nvPicPr>
+          <p:blipFill rotWithShape="1">
+            <a:blip r:embed="rId7">
+              <a:extLst>
+                <a:ext uri="{28A0092B-C50C-407E-A947-70E740481C1C}">
+                  <a14:useLocalDpi xmlns:a14="http://schemas.microsoft.com/office/drawing/2010/main" val="0"/>
+                </a:ext>
+              </a:extLst>
+            </a:blip>
+            <a:srcRect l="25110" t="3090" r="27989" b="16056"/>
+            <a:stretch/>
+          </p:blipFill>
+          <p:spPr>
+            <a:xfrm>
+              <a:off x="3959026" y="3661998"/>
+              <a:ext cx="1853840" cy="3196001"/>
+            </a:xfrm>
+            <a:prstGeom prst="rect">
+              <a:avLst/>
+            </a:prstGeom>
+          </p:spPr>
+        </p:pic>
+      </p:grpSp>
+      <p:grpSp>
+        <p:nvGrpSpPr>
+          <p:cNvPr id="122" name="Grouper 121"/>
+          <p:cNvGrpSpPr/>
+          <p:nvPr/>
+        </p:nvGrpSpPr>
+        <p:grpSpPr>
+          <a:xfrm>
+            <a:off x="1408251" y="5450139"/>
+            <a:ext cx="449099" cy="453359"/>
+            <a:chOff x="3959026" y="3661998"/>
+            <a:chExt cx="3125434" cy="3196001"/>
+          </a:xfrm>
+        </p:grpSpPr>
+        <p:pic>
+          <p:nvPicPr>
+            <p:cNvPr id="123" name="Image 122" descr="noun_100757_cc.png"/>
+            <p:cNvPicPr>
+              <a:picLocks noChangeAspect="1"/>
+            </p:cNvPicPr>
+            <p:nvPr/>
+          </p:nvPicPr>
+          <p:blipFill rotWithShape="1">
+            <a:blip r:embed="rId6">
+              <a:extLst>
+                <a:ext uri="{28A0092B-C50C-407E-A947-70E740481C1C}">
+                  <a14:useLocalDpi xmlns:a14="http://schemas.microsoft.com/office/drawing/2010/main" val="0"/>
+                </a:ext>
+              </a:extLst>
+            </a:blip>
+            <a:srcRect l="14972" t="11429" r="9859" b="27857"/>
+            <a:stretch/>
+          </p:blipFill>
+          <p:spPr>
+            <a:xfrm>
+              <a:off x="5302871" y="5377522"/>
+              <a:ext cx="1781589" cy="1471397"/>
+            </a:xfrm>
+            <a:prstGeom prst="rect">
+              <a:avLst/>
+            </a:prstGeom>
+          </p:spPr>
+        </p:pic>
+        <p:pic>
+          <p:nvPicPr>
+            <p:cNvPr id="124" name="Image 123" descr="noun_249512_cc.png"/>
+            <p:cNvPicPr>
+              <a:picLocks noChangeAspect="1"/>
+            </p:cNvPicPr>
+            <p:nvPr/>
+          </p:nvPicPr>
+          <p:blipFill rotWithShape="1">
+            <a:blip r:embed="rId7">
+              <a:extLst>
+                <a:ext uri="{28A0092B-C50C-407E-A947-70E740481C1C}">
+                  <a14:useLocalDpi xmlns:a14="http://schemas.microsoft.com/office/drawing/2010/main" val="0"/>
+                </a:ext>
+              </a:extLst>
+            </a:blip>
+            <a:srcRect l="25110" t="3090" r="27989" b="16056"/>
+            <a:stretch/>
+          </p:blipFill>
+          <p:spPr>
+            <a:xfrm>
+              <a:off x="3959026" y="3661998"/>
+              <a:ext cx="1853840" cy="3196001"/>
+            </a:xfrm>
+            <a:prstGeom prst="rect">
+              <a:avLst/>
+            </a:prstGeom>
+          </p:spPr>
+        </p:pic>
+      </p:grpSp>
+      <p:grpSp>
+        <p:nvGrpSpPr>
+          <p:cNvPr id="125" name="Grouper 124"/>
+          <p:cNvGrpSpPr/>
+          <p:nvPr/>
+        </p:nvGrpSpPr>
+        <p:grpSpPr>
+          <a:xfrm>
+            <a:off x="262796" y="5433469"/>
+            <a:ext cx="449099" cy="453359"/>
+            <a:chOff x="3959026" y="3661998"/>
+            <a:chExt cx="3125434" cy="3196001"/>
+          </a:xfrm>
+        </p:grpSpPr>
+        <p:pic>
+          <p:nvPicPr>
+            <p:cNvPr id="126" name="Image 125" descr="noun_100757_cc.png"/>
+            <p:cNvPicPr>
+              <a:picLocks noChangeAspect="1"/>
+            </p:cNvPicPr>
+            <p:nvPr/>
+          </p:nvPicPr>
+          <p:blipFill rotWithShape="1">
+            <a:blip r:embed="rId6">
+              <a:extLst>
+                <a:ext uri="{28A0092B-C50C-407E-A947-70E740481C1C}">
+                  <a14:useLocalDpi xmlns:a14="http://schemas.microsoft.com/office/drawing/2010/main" val="0"/>
+                </a:ext>
+              </a:extLst>
+            </a:blip>
+            <a:srcRect l="14972" t="11429" r="9859" b="27857"/>
+            <a:stretch/>
+          </p:blipFill>
+          <p:spPr>
+            <a:xfrm>
+              <a:off x="5302871" y="5377522"/>
+              <a:ext cx="1781589" cy="1471397"/>
+            </a:xfrm>
+            <a:prstGeom prst="rect">
+              <a:avLst/>
+            </a:prstGeom>
+          </p:spPr>
+        </p:pic>
+        <p:pic>
+          <p:nvPicPr>
+            <p:cNvPr id="127" name="Image 126" descr="noun_249512_cc.png"/>
+            <p:cNvPicPr>
+              <a:picLocks noChangeAspect="1"/>
+            </p:cNvPicPr>
+            <p:nvPr/>
+          </p:nvPicPr>
+          <p:blipFill rotWithShape="1">
+            <a:blip r:embed="rId7">
+              <a:extLst>
+                <a:ext uri="{28A0092B-C50C-407E-A947-70E740481C1C}">
+                  <a14:useLocalDpi xmlns:a14="http://schemas.microsoft.com/office/drawing/2010/main" val="0"/>
+                </a:ext>
+              </a:extLst>
+            </a:blip>
+            <a:srcRect l="25110" t="3090" r="27989" b="16056"/>
+            <a:stretch/>
+          </p:blipFill>
+          <p:spPr>
+            <a:xfrm>
+              <a:off x="3959026" y="3661998"/>
+              <a:ext cx="1853840" cy="3196001"/>
+            </a:xfrm>
+            <a:prstGeom prst="rect">
+              <a:avLst/>
+            </a:prstGeom>
+          </p:spPr>
+        </p:pic>
+      </p:grpSp>
+      <p:grpSp>
+        <p:nvGrpSpPr>
+          <p:cNvPr id="128" name="Grouper 127"/>
+          <p:cNvGrpSpPr/>
+          <p:nvPr/>
+        </p:nvGrpSpPr>
+        <p:grpSpPr>
+          <a:xfrm>
+            <a:off x="837360" y="5742443"/>
+            <a:ext cx="449099" cy="453359"/>
+            <a:chOff x="3959026" y="3661998"/>
+            <a:chExt cx="3125434" cy="3196001"/>
+          </a:xfrm>
+        </p:grpSpPr>
+        <p:pic>
+          <p:nvPicPr>
+            <p:cNvPr id="129" name="Image 128" descr="noun_100757_cc.png"/>
+            <p:cNvPicPr>
+              <a:picLocks noChangeAspect="1"/>
+            </p:cNvPicPr>
+            <p:nvPr/>
+          </p:nvPicPr>
+          <p:blipFill rotWithShape="1">
+            <a:blip r:embed="rId6">
+              <a:extLst>
+                <a:ext uri="{28A0092B-C50C-407E-A947-70E740481C1C}">
+                  <a14:useLocalDpi xmlns:a14="http://schemas.microsoft.com/office/drawing/2010/main" val="0"/>
+                </a:ext>
+              </a:extLst>
+            </a:blip>
+            <a:srcRect l="14972" t="11429" r="9859" b="27857"/>
+            <a:stretch/>
+          </p:blipFill>
+          <p:spPr>
+            <a:xfrm>
+              <a:off x="5302871" y="5377522"/>
+              <a:ext cx="1781589" cy="1471397"/>
+            </a:xfrm>
+            <a:prstGeom prst="rect">
+              <a:avLst/>
+            </a:prstGeom>
+          </p:spPr>
+        </p:pic>
+        <p:pic>
+          <p:nvPicPr>
+            <p:cNvPr id="130" name="Image 129" descr="noun_249512_cc.png"/>
+            <p:cNvPicPr>
+              <a:picLocks noChangeAspect="1"/>
+            </p:cNvPicPr>
+            <p:nvPr/>
+          </p:nvPicPr>
+          <p:blipFill rotWithShape="1">
+            <a:blip r:embed="rId7">
+              <a:extLst>
+                <a:ext uri="{28A0092B-C50C-407E-A947-70E740481C1C}">
+                  <a14:useLocalDpi xmlns:a14="http://schemas.microsoft.com/office/drawing/2010/main" val="0"/>
+                </a:ext>
+              </a:extLst>
+            </a:blip>
+            <a:srcRect l="25110" t="3090" r="27989" b="16056"/>
+            <a:stretch/>
+          </p:blipFill>
+          <p:spPr>
+            <a:xfrm>
+              <a:off x="3959026" y="3661998"/>
+              <a:ext cx="1853840" cy="3196001"/>
+            </a:xfrm>
+            <a:prstGeom prst="rect">
+              <a:avLst/>
+            </a:prstGeom>
+          </p:spPr>
+        </p:pic>
+      </p:grpSp>
+      <p:sp>
+        <p:nvSpPr>
+          <p:cNvPr id="131" name="ZoneTexte 130"/>
+          <p:cNvSpPr txBox="1"/>
+          <p:nvPr/>
+        </p:nvSpPr>
+        <p:spPr>
+          <a:xfrm>
+            <a:off x="1286459" y="5902210"/>
+            <a:ext cx="937135" cy="276999"/>
+          </a:xfrm>
+          <a:prstGeom prst="rect">
+            <a:avLst/>
+          </a:prstGeom>
+          <a:noFill/>
+        </p:spPr>
+        <p:txBody>
+          <a:bodyPr wrap="square" rtlCol="0">
+            <a:spAutoFit/>
+          </a:bodyPr>
+          <a:lstStyle/>
+          <a:p>
+            <a:r>
+              <a:rPr lang="fr-FR" sz="1200" dirty="0">
+                <a:solidFill>
+                  <a:srgbClr val="000000"/>
+                </a:solidFill>
+              </a:rPr>
+              <a:t>ID_Req</a:t>
+            </a:r>
+            <a:endParaRPr lang="fr-FR" sz="1200" dirty="0"/>
+          </a:p>
+        </p:txBody>
+      </p:sp>
+      <p:pic>
+        <p:nvPicPr>
+          <p:cNvPr id="133" name="Image 132" descr="noun_150266_cc.png"/>
+          <p:cNvPicPr>
+            <a:picLocks noChangeAspect="1"/>
+          </p:cNvPicPr>
+          <p:nvPr/>
+        </p:nvPicPr>
+        <p:blipFill rotWithShape="1">
+          <a:blip r:embed="rId10">
+            <a:extLst>
+              <a:ext uri="{28A0092B-C50C-407E-A947-70E740481C1C}">
+                <a14:useLocalDpi xmlns:a14="http://schemas.microsoft.com/office/drawing/2010/main" val="0"/>
+              </a:ext>
+            </a:extLst>
+          </a:blip>
+          <a:srcRect l="18738" t="5179" r="16324" b="30796"/>
+          <a:stretch/>
+        </p:blipFill>
+        <p:spPr>
+          <a:xfrm>
+            <a:off x="1849210" y="5937729"/>
+            <a:ext cx="221591" cy="218474"/>
+          </a:xfrm>
+          <a:prstGeom prst="rect">
+            <a:avLst/>
+          </a:prstGeom>
+        </p:spPr>
+      </p:pic>
+      <p:pic>
+        <p:nvPicPr>
+          <p:cNvPr id="134" name="Image 133" descr="noun_23269_cc.png"/>
+          <p:cNvPicPr>
+            <a:picLocks noChangeAspect="1"/>
+          </p:cNvPicPr>
+          <p:nvPr/>
+        </p:nvPicPr>
+        <p:blipFill rotWithShape="1">
+          <a:blip r:embed="rId11">
+            <a:extLst>
+              <a:ext uri="{28A0092B-C50C-407E-A947-70E740481C1C}">
+                <a14:useLocalDpi xmlns:a14="http://schemas.microsoft.com/office/drawing/2010/main" val="0"/>
+              </a:ext>
+            </a:extLst>
+          </a:blip>
+          <a:srcRect l="5429" t="-512" r="6431" b="13726"/>
+          <a:stretch/>
+        </p:blipFill>
+        <p:spPr>
+          <a:xfrm>
+            <a:off x="569731" y="5928296"/>
+            <a:ext cx="254734" cy="250818"/>
+          </a:xfrm>
+          <a:prstGeom prst="rect">
+            <a:avLst/>
+          </a:prstGeom>
+        </p:spPr>
+      </p:pic>
+      <p:sp>
+        <p:nvSpPr>
+          <p:cNvPr id="135" name="ZoneTexte 134"/>
+          <p:cNvSpPr txBox="1"/>
+          <p:nvPr/>
+        </p:nvSpPr>
+        <p:spPr>
+          <a:xfrm>
+            <a:off x="-4206" y="5911362"/>
+            <a:ext cx="937135" cy="276999"/>
+          </a:xfrm>
+          <a:prstGeom prst="rect">
+            <a:avLst/>
+          </a:prstGeom>
+          <a:noFill/>
+        </p:spPr>
+        <p:txBody>
+          <a:bodyPr wrap="square" rtlCol="0">
+            <a:spAutoFit/>
+          </a:bodyPr>
+          <a:lstStyle/>
+          <a:p>
+            <a:r>
+              <a:rPr lang="fr-FR" sz="1200" dirty="0">
+                <a:solidFill>
+                  <a:srgbClr val="000000"/>
+                </a:solidFill>
+              </a:rPr>
+              <a:t>ID_Req</a:t>
+            </a:r>
+            <a:endParaRPr lang="fr-FR" sz="1200" dirty="0"/>
+          </a:p>
+        </p:txBody>
+      </p:sp>
+      <p:pic>
+        <p:nvPicPr>
+          <p:cNvPr id="138" name="Image 137" descr="noun_23269_cc.png"/>
+          <p:cNvPicPr>
+            <a:picLocks noChangeAspect="1"/>
+          </p:cNvPicPr>
+          <p:nvPr/>
+        </p:nvPicPr>
+        <p:blipFill rotWithShape="1">
+          <a:blip r:embed="rId11">
+            <a:extLst>
+              <a:ext uri="{28A0092B-C50C-407E-A947-70E740481C1C}">
+                <a14:useLocalDpi xmlns:a14="http://schemas.microsoft.com/office/drawing/2010/main" val="0"/>
+              </a:ext>
+            </a:extLst>
+          </a:blip>
+          <a:srcRect l="5429" t="-512" r="6431" b="13726"/>
+          <a:stretch/>
+        </p:blipFill>
+        <p:spPr>
+          <a:xfrm>
+            <a:off x="1187393" y="6205295"/>
+            <a:ext cx="254734" cy="250818"/>
+          </a:xfrm>
+          <a:prstGeom prst="rect">
+            <a:avLst/>
+          </a:prstGeom>
+        </p:spPr>
+      </p:pic>
+      <p:sp>
+        <p:nvSpPr>
+          <p:cNvPr id="139" name="ZoneTexte 138"/>
+          <p:cNvSpPr txBox="1"/>
+          <p:nvPr/>
+        </p:nvSpPr>
+        <p:spPr>
+          <a:xfrm>
+            <a:off x="613456" y="6188361"/>
+            <a:ext cx="937135" cy="276999"/>
+          </a:xfrm>
+          <a:prstGeom prst="rect">
+            <a:avLst/>
+          </a:prstGeom>
+          <a:noFill/>
+        </p:spPr>
+        <p:txBody>
+          <a:bodyPr wrap="square" rtlCol="0">
+            <a:spAutoFit/>
+          </a:bodyPr>
+          <a:lstStyle/>
+          <a:p>
+            <a:r>
+              <a:rPr lang="fr-FR" sz="1200" dirty="0">
+                <a:solidFill>
+                  <a:srgbClr val="000000"/>
+                </a:solidFill>
+              </a:rPr>
+              <a:t>ID_Req</a:t>
+            </a:r>
+            <a:endParaRPr lang="fr-FR" sz="1200" dirty="0"/>
+          </a:p>
+        </p:txBody>
+      </p:sp>
+      <p:cxnSp>
+        <p:nvCxnSpPr>
+          <p:cNvPr id="141" name="Connecteur droit avec flèche 140"/>
+          <p:cNvCxnSpPr/>
+          <p:nvPr/>
+        </p:nvCxnSpPr>
+        <p:spPr>
+          <a:xfrm flipV="1">
+            <a:off x="1857350" y="5566702"/>
+            <a:ext cx="1839568" cy="16392"/>
+          </a:xfrm>
+          <a:prstGeom prst="straightConnector1">
+            <a:avLst/>
+          </a:prstGeom>
+          <a:ln w="28575">
+            <a:solidFill>
+              <a:schemeClr val="tx1"/>
+            </a:solidFill>
+            <a:tailEnd type="arrow"/>
+          </a:ln>
+        </p:spPr>
+        <p:style>
+          <a:lnRef idx="1">
+            <a:schemeClr val="dk1"/>
+          </a:lnRef>
+          <a:fillRef idx="0">
+            <a:schemeClr val="dk1"/>
+          </a:fillRef>
+          <a:effectRef idx="0">
+            <a:schemeClr val="dk1"/>
+          </a:effectRef>
+          <a:fontRef idx="minor">
+            <a:schemeClr val="tx1"/>
+          </a:fontRef>
+        </p:style>
+      </p:cxnSp>
+      <p:grpSp>
+        <p:nvGrpSpPr>
+          <p:cNvPr id="142" name="Grouper 141"/>
+          <p:cNvGrpSpPr/>
+          <p:nvPr/>
+        </p:nvGrpSpPr>
+        <p:grpSpPr>
+          <a:xfrm>
+            <a:off x="3630078" y="5249665"/>
+            <a:ext cx="814906" cy="661697"/>
+            <a:chOff x="-67736" y="4121390"/>
+            <a:chExt cx="1192407" cy="1029321"/>
+          </a:xfrm>
+        </p:grpSpPr>
+        <p:pic>
+          <p:nvPicPr>
+            <p:cNvPr id="143" name="Picture 2"/>
+            <p:cNvPicPr>
+              <a:picLocks noChangeAspect="1" noChangeArrowheads="1"/>
+            </p:cNvPicPr>
+            <p:nvPr/>
+          </p:nvPicPr>
+          <p:blipFill>
+            <a:blip r:embed="rId12">
+              <a:extLst>
+                <a:ext uri="{28A0092B-C50C-407E-A947-70E740481C1C}">
+                  <a14:useLocalDpi xmlns:a14="http://schemas.microsoft.com/office/drawing/2010/main" val="0"/>
+                </a:ext>
+              </a:extLst>
+            </a:blip>
+            <a:srcRect/>
+            <a:stretch>
+              <a:fillRect/>
+            </a:stretch>
+          </p:blipFill>
+          <p:spPr bwMode="auto">
+            <a:xfrm>
+              <a:off x="-67736" y="4121390"/>
+              <a:ext cx="633543" cy="620525"/>
             </a:xfrm>
             <a:prstGeom prst="rect">
               <a:avLst/>
             </a:prstGeom>
             <a:noFill/>
+            <a:ln>
+              <a:noFill/>
+            </a:ln>
+            <a:effectLst/>
+            <a:extLst>
+              <a:ext uri="{909E8E84-426E-40dd-AFC4-6F175D3DCCD1}">
+                <a14:hiddenFill xmlns:a14="http://schemas.microsoft.com/office/drawing/2010/main">
+                  <a:solidFill>
+                    <a:schemeClr val="accent1"/>
+                  </a:solidFill>
+                </a14:hiddenFill>
+              </a:ext>
+              <a:ext uri="{91240B29-F687-4f45-9708-019B960494DF}">
+                <a14:hiddenLine xmlns:a14="http://schemas.microsoft.com/office/drawing/2010/main" w="9525">
+                  <a:solidFill>
+                    <a:schemeClr val="tx1"/>
+                  </a:solidFill>
+                  <a:miter lim="800000"/>
+                  <a:headEnd/>
+                  <a:tailEnd/>
+                </a14:hiddenLine>
+              </a:ext>
+              <a:ext uri="{AF507438-7753-43e0-B8FC-AC1667EBCBE1}">
+                <a14:hiddenEffects xmlns:a14="http://schemas.microsoft.com/office/drawing/2010/main">
+                  <a:effectLst>
+                    <a:outerShdw dist="35921" dir="2700000" algn="ctr" rotWithShape="0">
+                      <a:schemeClr val="bg2"/>
+                    </a:outerShdw>
+                  </a:effectLst>
+                </a14:hiddenEffects>
+              </a:ext>
+            </a:extLst>
           </p:spPr>
-          <p:txBody>
-            <a:bodyPr wrap="square" rtlCol="0">
-              <a:spAutoFit/>
-            </a:bodyPr>
-            <a:lstStyle/>
-            <a:p>
-              <a:pPr algn="ctr"/>
-              <a:r>
-                <a:rPr lang="fr-FR" dirty="0" smtClean="0"/>
-                <a:t>2.Envoi de la réponse</a:t>
-              </a:r>
-              <a:endParaRPr lang="fr-FR" dirty="0"/>
-            </a:p>
-          </p:txBody>
-        </p:sp>
-        <p:sp>
-          <p:nvSpPr>
-            <p:cNvPr id="22" name="Rectangle 21"/>
-            <p:cNvSpPr/>
-            <p:nvPr/>
-          </p:nvSpPr>
-          <p:spPr>
-            <a:xfrm>
-              <a:off x="378574" y="4256650"/>
-              <a:ext cx="2321218" cy="923330"/>
-            </a:xfrm>
-            <a:prstGeom prst="rect">
-              <a:avLst/>
-            </a:prstGeom>
-          </p:spPr>
-          <p:txBody>
-            <a:bodyPr wrap="square">
-              <a:spAutoFit/>
-            </a:bodyPr>
-            <a:lstStyle/>
-            <a:p>
-              <a:r>
-                <a:rPr lang="fr-FR" b="1" dirty="0" smtClean="0">
-                  <a:solidFill>
-                    <a:srgbClr val="FF0000"/>
-                  </a:solidFill>
-                </a:rPr>
-                <a:t>&lt; [Pk1], E</a:t>
-              </a:r>
-              <a:r>
-                <a:rPr lang="fr-FR" b="1" baseline="-25000" dirty="0" smtClean="0">
-                  <a:solidFill>
-                    <a:srgbClr val="FF0000"/>
-                  </a:solidFill>
-                </a:rPr>
-                <a:t>Pk1</a:t>
-              </a:r>
-              <a:r>
-                <a:rPr lang="fr-FR" b="1" dirty="0" smtClean="0">
-                  <a:solidFill>
-                    <a:srgbClr val="FF0000"/>
-                  </a:solidFill>
-                </a:rPr>
-                <a:t>(K</a:t>
-              </a:r>
-              <a:r>
-                <a:rPr lang="fr-FR" b="1" baseline="-25000" dirty="0" smtClean="0">
-                  <a:solidFill>
-                    <a:srgbClr val="FF0000"/>
-                  </a:solidFill>
-                </a:rPr>
-                <a:t>type</a:t>
-              </a:r>
-              <a:r>
-                <a:rPr lang="fr-FR" b="1" dirty="0" smtClean="0">
-                  <a:solidFill>
-                    <a:srgbClr val="FF0000"/>
-                  </a:solidFill>
-                </a:rPr>
-                <a:t>),</a:t>
-              </a:r>
-            </a:p>
-            <a:p>
-              <a:r>
-                <a:rPr lang="fr-FR" b="1" dirty="0" smtClean="0">
-                  <a:solidFill>
-                    <a:srgbClr val="FF0000"/>
-                  </a:solidFill>
-                </a:rPr>
-                <a:t>E</a:t>
-              </a:r>
-              <a:r>
-                <a:rPr lang="fr-FR" b="1" baseline="-25000" dirty="0" smtClean="0">
-                  <a:solidFill>
-                    <a:srgbClr val="FF0000"/>
-                  </a:solidFill>
-                </a:rPr>
-                <a:t>Ktype</a:t>
-              </a:r>
-              <a:r>
-                <a:rPr lang="fr-FR" b="1" dirty="0" smtClean="0">
-                  <a:solidFill>
-                    <a:srgbClr val="FF0000"/>
-                  </a:solidFill>
-                </a:rPr>
-                <a:t>(métadonnées),</a:t>
-              </a:r>
-            </a:p>
-            <a:p>
-              <a:r>
-                <a:rPr lang="fr-FR" b="1" dirty="0" smtClean="0">
-                  <a:solidFill>
-                    <a:srgbClr val="FF0000"/>
-                  </a:solidFill>
-                </a:rPr>
-                <a:t>E</a:t>
-              </a:r>
-              <a:r>
-                <a:rPr lang="fr-FR" b="1" baseline="-25000" dirty="0" smtClean="0">
-                  <a:solidFill>
-                    <a:srgbClr val="FF0000"/>
-                  </a:solidFill>
-                </a:rPr>
-                <a:t>Ktype</a:t>
-              </a:r>
-              <a:r>
-                <a:rPr lang="fr-FR" b="1" dirty="0" smtClean="0">
-                  <a:solidFill>
-                    <a:srgbClr val="FF0000"/>
-                  </a:solidFill>
-                </a:rPr>
-                <a:t>(donnée) &gt;</a:t>
-              </a:r>
-              <a:endParaRPr lang="fr-FR" b="1" dirty="0" smtClean="0">
-                <a:solidFill>
-                  <a:srgbClr val="000000"/>
-                </a:solidFill>
-              </a:endParaRPr>
-            </a:p>
-          </p:txBody>
-        </p:sp>
-        <p:grpSp>
-          <p:nvGrpSpPr>
-            <p:cNvPr id="29" name="Grouper 28"/>
-            <p:cNvGrpSpPr/>
-            <p:nvPr/>
-          </p:nvGrpSpPr>
-          <p:grpSpPr>
-            <a:xfrm>
-              <a:off x="6498878" y="4611244"/>
-              <a:ext cx="1552931" cy="1186643"/>
-              <a:chOff x="6813030" y="4471367"/>
-              <a:chExt cx="1552931" cy="1186643"/>
-            </a:xfrm>
-          </p:grpSpPr>
-          <p:pic>
-            <p:nvPicPr>
-              <p:cNvPr id="23" name="Picture 3" descr="C:\Users\Lisa\Downloads\noun_100758_cc.png"/>
-              <p:cNvPicPr>
-                <a:picLocks noChangeAspect="1" noChangeArrowheads="1"/>
-              </p:cNvPicPr>
-              <p:nvPr/>
-            </p:nvPicPr>
-            <p:blipFill rotWithShape="1">
-              <a:blip r:embed="rId2" cstate="print">
-                <a:extLst>
-                  <a:ext uri="{28A0092B-C50C-407E-A947-70E740481C1C}">
-                    <a14:useLocalDpi xmlns:a14="http://schemas.microsoft.com/office/drawing/2010/main" val="0"/>
-                  </a:ext>
-                </a:extLst>
-              </a:blip>
-              <a:srcRect b="22538"/>
-              <a:stretch/>
-            </p:blipFill>
-            <p:spPr bwMode="auto">
-              <a:xfrm>
-                <a:off x="6834047" y="4471367"/>
-                <a:ext cx="1531914" cy="1186643"/>
-              </a:xfrm>
-              <a:prstGeom prst="rect">
-                <a:avLst/>
-              </a:prstGeom>
-              <a:noFill/>
-              <a:extLst>
-                <a:ext uri="{909E8E84-426E-40dd-AFC4-6F175D3DCCD1}">
-                  <a14:hiddenFill xmlns:a14="http://schemas.microsoft.com/office/drawing/2010/main">
-                    <a:solidFill>
-                      <a:srgbClr val="FFFFFF"/>
-                    </a:solidFill>
-                  </a14:hiddenFill>
-                </a:ext>
-              </a:extLst>
-            </p:spPr>
-          </p:pic>
-          <p:pic>
-            <p:nvPicPr>
-              <p:cNvPr id="24" name="Picture 8" descr="C:\Users\Lisa\Downloads\noun_75930_cc.png"/>
-              <p:cNvPicPr>
-                <a:picLocks noChangeAspect="1" noChangeArrowheads="1"/>
-              </p:cNvPicPr>
-              <p:nvPr/>
-            </p:nvPicPr>
-            <p:blipFill rotWithShape="1">
-              <a:blip r:embed="rId3" cstate="print">
-                <a:extLst>
-                  <a:ext uri="{28A0092B-C50C-407E-A947-70E740481C1C}">
-                    <a14:useLocalDpi xmlns:a14="http://schemas.microsoft.com/office/drawing/2010/main" val="0"/>
-                  </a:ext>
-                </a:extLst>
-              </a:blip>
-              <a:srcRect l="26816" t="21680" r="26816" b="36800"/>
-              <a:stretch/>
-            </p:blipFill>
-            <p:spPr bwMode="auto">
-              <a:xfrm>
-                <a:off x="6813030" y="5064689"/>
-                <a:ext cx="462201" cy="413877"/>
-              </a:xfrm>
-              <a:prstGeom prst="ellipse">
-                <a:avLst/>
-              </a:prstGeom>
-              <a:noFill/>
-              <a:extLst>
-                <a:ext uri="{909E8E84-426E-40dd-AFC4-6F175D3DCCD1}">
-                  <a14:hiddenFill xmlns:a14="http://schemas.microsoft.com/office/drawing/2010/main">
-                    <a:solidFill>
-                      <a:srgbClr val="FFFFFF"/>
-                    </a:solidFill>
-                  </a14:hiddenFill>
-                </a:ext>
-              </a:extLst>
-            </p:spPr>
-          </p:pic>
-        </p:grpSp>
-        <p:grpSp>
-          <p:nvGrpSpPr>
-            <p:cNvPr id="26" name="Grouper 25"/>
-            <p:cNvGrpSpPr/>
-            <p:nvPr/>
-          </p:nvGrpSpPr>
-          <p:grpSpPr>
-            <a:xfrm>
-              <a:off x="6466244" y="3416850"/>
-              <a:ext cx="1325910" cy="1088687"/>
-              <a:chOff x="6325447" y="4332875"/>
-              <a:chExt cx="1563355" cy="1184467"/>
-            </a:xfrm>
-          </p:grpSpPr>
-          <p:pic>
-            <p:nvPicPr>
-              <p:cNvPr id="27" name="Picture 8" descr="C:\Users\Lisa\Downloads\noun_75930_cc.png"/>
-              <p:cNvPicPr>
-                <a:picLocks noChangeAspect="1" noChangeArrowheads="1"/>
-              </p:cNvPicPr>
-              <p:nvPr/>
-            </p:nvPicPr>
-            <p:blipFill rotWithShape="1">
-              <a:blip r:embed="rId3" cstate="print">
-                <a:extLst>
-                  <a:ext uri="{28A0092B-C50C-407E-A947-70E740481C1C}">
-                    <a14:useLocalDpi xmlns:a14="http://schemas.microsoft.com/office/drawing/2010/main" val="0"/>
-                  </a:ext>
-                </a:extLst>
-              </a:blip>
-              <a:srcRect l="26816" t="21680" r="26816" b="36800"/>
-              <a:stretch/>
-            </p:blipFill>
-            <p:spPr bwMode="auto">
-              <a:xfrm>
-                <a:off x="6325447" y="4332875"/>
-                <a:ext cx="807251" cy="722851"/>
-              </a:xfrm>
-              <a:prstGeom prst="ellipse">
-                <a:avLst/>
-              </a:prstGeom>
-              <a:solidFill>
-                <a:srgbClr val="FFFFFF"/>
-              </a:solidFill>
-              <a:extLst/>
-            </p:spPr>
-          </p:pic>
-          <p:pic>
-            <p:nvPicPr>
-              <p:cNvPr id="28" name="Picture 7" descr="C:\Users\Lisa\Downloads\noun_74617_cc.png"/>
-              <p:cNvPicPr>
-                <a:picLocks noChangeAspect="1" noChangeArrowheads="1"/>
-              </p:cNvPicPr>
-              <p:nvPr/>
-            </p:nvPicPr>
-            <p:blipFill rotWithShape="1">
-              <a:blip r:embed="rId4" cstate="print">
-                <a:extLst>
-                  <a:ext uri="{28A0092B-C50C-407E-A947-70E740481C1C}">
-                    <a14:useLocalDpi xmlns:a14="http://schemas.microsoft.com/office/drawing/2010/main" val="0"/>
-                  </a:ext>
-                </a:extLst>
-              </a:blip>
-              <a:srcRect b="23660"/>
-              <a:stretch/>
-            </p:blipFill>
-            <p:spPr bwMode="auto">
-              <a:xfrm>
-                <a:off x="6646072" y="4568640"/>
-                <a:ext cx="1242730" cy="948702"/>
-              </a:xfrm>
-              <a:prstGeom prst="rect">
-                <a:avLst/>
-              </a:prstGeom>
-              <a:noFill/>
-              <a:extLst>
-                <a:ext uri="{909E8E84-426E-40dd-AFC4-6F175D3DCCD1}">
-                  <a14:hiddenFill xmlns:a14="http://schemas.microsoft.com/office/drawing/2010/main">
-                    <a:solidFill>
-                      <a:srgbClr val="FFFFFF"/>
-                    </a:solidFill>
-                  </a14:hiddenFill>
-                </a:ext>
-              </a:extLst>
-            </p:spPr>
-          </p:pic>
-        </p:grpSp>
+        </p:pic>
         <p:pic>
           <p:nvPicPr>
-            <p:cNvPr id="31" name="Picture 4" descr="C:\Users\Lisa\Downloads\noun_81506_cc.png"/>
+            <p:cNvPr id="144" name="Picture 7" descr="C:\Users\Lisa\Downloads\noun_74617_cc.png"/>
             <p:cNvPicPr>
               <a:picLocks noChangeAspect="1" noChangeArrowheads="1"/>
             </p:cNvPicPr>
             <p:nvPr/>
           </p:nvPicPr>
           <p:blipFill rotWithShape="1">
-            <a:blip r:embed="rId5" cstate="print">
+            <a:blip r:embed="rId3" cstate="print">
               <a:extLst>
                 <a:ext uri="{28A0092B-C50C-407E-A947-70E740481C1C}">
                   <a14:useLocalDpi xmlns:a14="http://schemas.microsoft.com/office/drawing/2010/main" val="0"/>
                 </a:ext>
               </a:extLst>
             </a:blip>
-            <a:srcRect b="17265"/>
+            <a:srcRect b="23660"/>
             <a:stretch/>
           </p:blipFill>
           <p:spPr bwMode="auto">
             <a:xfrm>
-              <a:off x="6712848" y="1904914"/>
-              <a:ext cx="1096033" cy="906799"/>
+              <a:off x="142415" y="4400855"/>
+              <a:ext cx="982256" cy="749856"/>
             </a:xfrm>
             <a:prstGeom prst="rect">
               <a:avLst/>
@@ -9766,16 +11881,183 @@
             </a:extLst>
           </p:spPr>
         </p:pic>
+      </p:grpSp>
+      <p:sp>
+        <p:nvSpPr>
+          <p:cNvPr id="145" name="ZoneTexte 144"/>
+          <p:cNvSpPr txBox="1"/>
+          <p:nvPr/>
+        </p:nvSpPr>
+        <p:spPr>
+          <a:xfrm>
+            <a:off x="1849210" y="5146072"/>
+            <a:ext cx="1847708" cy="369332"/>
+          </a:xfrm>
+          <a:prstGeom prst="rect">
+            <a:avLst/>
+          </a:prstGeom>
+          <a:noFill/>
+        </p:spPr>
+        <p:txBody>
+          <a:bodyPr wrap="square" rtlCol="0">
+            <a:spAutoFit/>
+          </a:bodyPr>
+          <a:lstStyle/>
+          <a:p>
+            <a:r>
+              <a:rPr lang="fr-FR" dirty="0">
+                <a:solidFill>
+                  <a:srgbClr val="FF0000"/>
+                </a:solidFill>
+              </a:rPr>
+              <a:t>10</a:t>
+            </a:r>
+            <a:r>
+              <a:rPr lang="fr-FR" dirty="0" smtClean="0">
+                <a:solidFill>
+                  <a:srgbClr val="FF0000"/>
+                </a:solidFill>
+              </a:rPr>
+              <a:t>. </a:t>
+            </a:r>
+            <a:r>
+              <a:rPr lang="fr-FR" dirty="0" smtClean="0"/>
+              <a:t>Envoie à Alice</a:t>
+            </a:r>
+            <a:endParaRPr lang="fr-FR" dirty="0"/>
+          </a:p>
+        </p:txBody>
+      </p:sp>
+      <p:cxnSp>
+        <p:nvCxnSpPr>
+          <p:cNvPr id="147" name="Connecteur droit avec flèche 146"/>
+          <p:cNvCxnSpPr/>
+          <p:nvPr/>
+        </p:nvCxnSpPr>
+        <p:spPr>
+          <a:xfrm>
+            <a:off x="6242476" y="5579372"/>
+            <a:ext cx="1169620" cy="0"/>
+          </a:xfrm>
+          <a:prstGeom prst="straightConnector1">
+            <a:avLst/>
+          </a:prstGeom>
+          <a:ln w="28575">
+            <a:solidFill>
+              <a:schemeClr val="tx1"/>
+            </a:solidFill>
+            <a:tailEnd type="arrow"/>
+          </a:ln>
+        </p:spPr>
+        <p:style>
+          <a:lnRef idx="1">
+            <a:schemeClr val="dk1"/>
+          </a:lnRef>
+          <a:fillRef idx="0">
+            <a:schemeClr val="dk1"/>
+          </a:fillRef>
+          <a:effectRef idx="0">
+            <a:schemeClr val="dk1"/>
+          </a:effectRef>
+          <a:fontRef idx="minor">
+            <a:schemeClr val="tx1"/>
+          </a:fontRef>
+        </p:style>
+      </p:cxnSp>
+      <p:sp>
+        <p:nvSpPr>
+          <p:cNvPr id="148" name="ZoneTexte 147"/>
+          <p:cNvSpPr txBox="1"/>
+          <p:nvPr/>
+        </p:nvSpPr>
+        <p:spPr>
+          <a:xfrm>
+            <a:off x="4648184" y="5146514"/>
+            <a:ext cx="1244611" cy="369332"/>
+          </a:xfrm>
+          <a:prstGeom prst="rect">
+            <a:avLst/>
+          </a:prstGeom>
+          <a:noFill/>
+        </p:spPr>
+        <p:txBody>
+          <a:bodyPr wrap="square" rtlCol="0">
+            <a:spAutoFit/>
+          </a:bodyPr>
+          <a:lstStyle/>
+          <a:p>
+            <a:r>
+              <a:rPr lang="fr-FR" dirty="0">
+                <a:solidFill>
+                  <a:srgbClr val="FF0000"/>
+                </a:solidFill>
+              </a:rPr>
+              <a:t>11</a:t>
+            </a:r>
+            <a:r>
+              <a:rPr lang="fr-FR" dirty="0" smtClean="0">
+                <a:solidFill>
+                  <a:srgbClr val="FF0000"/>
+                </a:solidFill>
+              </a:rPr>
+              <a:t>. </a:t>
+            </a:r>
+            <a:r>
+              <a:rPr lang="fr-FR" dirty="0" smtClean="0"/>
+              <a:t>Filtrage </a:t>
+            </a:r>
+            <a:endParaRPr lang="fr-FR" dirty="0"/>
+          </a:p>
+        </p:txBody>
+      </p:sp>
+      <p:grpSp>
+        <p:nvGrpSpPr>
+          <p:cNvPr id="149" name="Grouper 148"/>
+          <p:cNvGrpSpPr/>
+          <p:nvPr/>
+        </p:nvGrpSpPr>
+        <p:grpSpPr>
+          <a:xfrm>
+            <a:off x="4394768" y="5516533"/>
+            <a:ext cx="1847708" cy="584776"/>
+            <a:chOff x="5829921" y="2433970"/>
+            <a:chExt cx="1995939" cy="711838"/>
+          </a:xfrm>
+        </p:grpSpPr>
+        <p:pic>
+          <p:nvPicPr>
+            <p:cNvPr id="150" name="Image 149"/>
+            <p:cNvPicPr>
+              <a:picLocks noChangeAspect="1"/>
+            </p:cNvPicPr>
+            <p:nvPr/>
+          </p:nvPicPr>
+          <p:blipFill>
+            <a:blip r:embed="rId13"/>
+            <a:stretch>
+              <a:fillRect/>
+            </a:stretch>
+          </p:blipFill>
+          <p:spPr>
+            <a:xfrm>
+              <a:off x="6269552" y="2527443"/>
+              <a:ext cx="350125" cy="287881"/>
+            </a:xfrm>
+            <a:prstGeom prst="rect">
+              <a:avLst/>
+            </a:prstGeom>
+          </p:spPr>
+        </p:pic>
         <p:sp>
           <p:nvSpPr>
-            <p:cNvPr id="32" name="ZoneTexte 31"/>
+            <p:cNvPr id="151" name="ZoneTexte 150"/>
             <p:cNvSpPr txBox="1"/>
             <p:nvPr/>
           </p:nvSpPr>
           <p:spPr>
             <a:xfrm>
-              <a:off x="7140705" y="2841818"/>
-              <a:ext cx="778871" cy="369332"/>
+              <a:off x="5829921" y="2433970"/>
+              <a:ext cx="1995939" cy="711838"/>
             </a:xfrm>
             <a:prstGeom prst="rect">
               <a:avLst/>
@@ -9789,240 +12071,229 @@
             <a:lstStyle/>
             <a:p>
               <a:r>
-                <a:rPr lang="fr-FR" b="1" dirty="0" smtClean="0">
+                <a:rPr lang="fr-FR" sz="1600" b="1" dirty="0" smtClean="0">
                   <a:solidFill>
                     <a:srgbClr val="000000"/>
                   </a:solidFill>
                 </a:rPr>
-                <a:t>= </a:t>
+                <a:t> </a:t>
               </a:r>
               <a:r>
-                <a:rPr lang="fr-FR" b="1" dirty="0" smtClean="0">
+                <a:rPr lang="fr-FR" sz="1600" b="1" dirty="0" smtClean="0">
                   <a:solidFill>
                     <a:srgbClr val="FF0000"/>
                   </a:solidFill>
                 </a:rPr>
-                <a:t>Pk1</a:t>
+                <a:t>Pk1    </a:t>
               </a:r>
-              <a:endParaRPr lang="fr-FR" dirty="0"/>
+              <a:r>
+                <a:rPr lang="fr-FR" sz="1600" b="1" dirty="0">
+                  <a:solidFill>
+                    <a:srgbClr val="FF0000"/>
+                  </a:solidFill>
+                </a:rPr>
+                <a:t> </a:t>
+              </a:r>
+              <a:r>
+                <a:rPr lang="fr-FR" sz="1600" b="1" dirty="0" smtClean="0">
+                  <a:solidFill>
+                    <a:srgbClr val="FF0000"/>
+                  </a:solidFill>
+                </a:rPr>
+                <a:t> </a:t>
+              </a:r>
+              <a:r>
+                <a:rPr lang="fr-FR" sz="1600" b="1" dirty="0" smtClean="0"/>
+                <a:t>Pk1,Pk2,Pk4</a:t>
+              </a:r>
+            </a:p>
+            <a:p>
+              <a:r>
+                <a:rPr lang="fr-FR" sz="1600" b="1" dirty="0"/>
+                <a:t>   Métadonnées </a:t>
+              </a:r>
+              <a:endParaRPr lang="fr-FR" sz="1600" b="1" dirty="0"/>
             </a:p>
           </p:txBody>
         </p:sp>
-        <p:pic>
-          <p:nvPicPr>
-            <p:cNvPr id="34" name="Image 33" descr="Sans titre.png"/>
-            <p:cNvPicPr>
-              <a:picLocks noChangeAspect="1"/>
-            </p:cNvPicPr>
+      </p:grpSp>
+      <p:pic>
+        <p:nvPicPr>
+          <p:cNvPr id="152" name="Image 151" descr="noun_150266_cc.png"/>
+          <p:cNvPicPr>
+            <a:picLocks noChangeAspect="1"/>
+          </p:cNvPicPr>
+          <p:nvPr/>
+        </p:nvPicPr>
+        <p:blipFill rotWithShape="1">
+          <a:blip r:embed="rId10">
+            <a:extLst>
+              <a:ext uri="{28A0092B-C50C-407E-A947-70E740481C1C}">
+                <a14:useLocalDpi xmlns:a14="http://schemas.microsoft.com/office/drawing/2010/main" val="0"/>
+              </a:ext>
+            </a:extLst>
+          </a:blip>
+          <a:srcRect l="18738" t="5179" r="16324" b="30796"/>
+          <a:stretch/>
+        </p:blipFill>
+        <p:spPr>
+          <a:xfrm>
+            <a:off x="5852041" y="5843048"/>
+            <a:ext cx="221591" cy="218474"/>
+          </a:xfrm>
+          <a:prstGeom prst="rect">
+            <a:avLst/>
+          </a:prstGeom>
+        </p:spPr>
+      </p:pic>
+      <p:sp>
+        <p:nvSpPr>
+          <p:cNvPr id="153" name="Rectangle 152"/>
+          <p:cNvSpPr/>
+          <p:nvPr/>
+        </p:nvSpPr>
+        <p:spPr>
+          <a:xfrm>
+            <a:off x="6155525" y="5146514"/>
+            <a:ext cx="1402059" cy="369332"/>
+          </a:xfrm>
+          <a:prstGeom prst="rect">
+            <a:avLst/>
+          </a:prstGeom>
+        </p:spPr>
+        <p:txBody>
+          <a:bodyPr wrap="none">
+            <a:spAutoFit/>
+          </a:bodyPr>
+          <a:lstStyle/>
+          <a:p>
+            <a:r>
+              <a:rPr lang="fr-FR" dirty="0">
+                <a:solidFill>
+                  <a:srgbClr val="FF0000"/>
+                </a:solidFill>
+              </a:rPr>
+              <a:t>12</a:t>
+            </a:r>
+            <a:r>
+              <a:rPr lang="fr-FR" dirty="0">
+                <a:solidFill>
+                  <a:srgbClr val="FF0000"/>
+                </a:solidFill>
+              </a:rPr>
+              <a:t>. </a:t>
+            </a:r>
+            <a:r>
+              <a:rPr lang="fr-FR" dirty="0"/>
+              <a:t>Affichage </a:t>
+            </a:r>
+            <a:endParaRPr lang="fr-FR" dirty="0"/>
+          </a:p>
+        </p:txBody>
+      </p:sp>
+      <p:grpSp>
+        <p:nvGrpSpPr>
+          <p:cNvPr id="154" name="Grouper 153"/>
+          <p:cNvGrpSpPr/>
+          <p:nvPr/>
+        </p:nvGrpSpPr>
+        <p:grpSpPr>
+          <a:xfrm>
+            <a:off x="7503321" y="5123249"/>
+            <a:ext cx="1329904" cy="803501"/>
+            <a:chOff x="6793052" y="1398875"/>
+            <a:chExt cx="1490604" cy="930740"/>
+          </a:xfrm>
+        </p:grpSpPr>
+        <p:sp>
+          <p:nvSpPr>
+            <p:cNvPr id="155" name="Rectangle 154"/>
+            <p:cNvSpPr/>
             <p:nvPr/>
-          </p:nvPicPr>
-          <p:blipFill>
-            <a:blip r:embed="rId6">
-              <a:extLst>
-                <a:ext uri="{28A0092B-C50C-407E-A947-70E740481C1C}">
-                  <a14:useLocalDpi xmlns:a14="http://schemas.microsoft.com/office/drawing/2010/main" val="0"/>
-                </a:ext>
-              </a:extLst>
-            </a:blip>
-            <a:stretch>
-              <a:fillRect/>
-            </a:stretch>
-          </p:blipFill>
+          </p:nvSpPr>
           <p:spPr>
             <a:xfrm>
-              <a:off x="6724898" y="2841818"/>
-              <a:ext cx="440420" cy="423904"/>
+              <a:off x="7193988" y="1398875"/>
+              <a:ext cx="627114" cy="230832"/>
             </a:xfrm>
             <a:prstGeom prst="rect">
               <a:avLst/>
             </a:prstGeom>
           </p:spPr>
-        </p:pic>
+          <p:txBody>
+            <a:bodyPr wrap="none">
+              <a:spAutoFit/>
+            </a:bodyPr>
+            <a:lstStyle/>
+            <a:p>
+              <a:r>
+                <a:rPr lang="fr-FR" sz="900" b="1" dirty="0" smtClean="0">
+                  <a:solidFill>
+                    <a:prstClr val="black"/>
+                  </a:solidFill>
+                </a:rPr>
+                <a:t>Résultats</a:t>
+              </a:r>
+              <a:endParaRPr lang="fr-FR" sz="900" b="1" dirty="0"/>
+            </a:p>
+          </p:txBody>
+        </p:sp>
         <p:sp>
           <p:nvSpPr>
-            <p:cNvPr id="35" name="ZoneTexte 34"/>
+            <p:cNvPr id="156" name="Rectangle à coins arrondis 155"/>
+            <p:cNvSpPr/>
+            <p:nvPr/>
+          </p:nvSpPr>
+          <p:spPr>
+            <a:xfrm>
+              <a:off x="6793052" y="1398875"/>
+              <a:ext cx="1490604" cy="930740"/>
+            </a:xfrm>
+            <a:prstGeom prst="roundRect">
+              <a:avLst>
+                <a:gd name="adj" fmla="val 9796"/>
+              </a:avLst>
+            </a:prstGeom>
+            <a:noFill/>
+            <a:ln>
+              <a:solidFill>
+                <a:schemeClr val="tx1"/>
+              </a:solidFill>
+            </a:ln>
+          </p:spPr>
+          <p:style>
+            <a:lnRef idx="1">
+              <a:schemeClr val="accent1"/>
+            </a:lnRef>
+            <a:fillRef idx="3">
+              <a:schemeClr val="accent1"/>
+            </a:fillRef>
+            <a:effectRef idx="2">
+              <a:schemeClr val="accent1"/>
+            </a:effectRef>
+            <a:fontRef idx="minor">
+              <a:schemeClr val="lt1"/>
+            </a:fontRef>
+          </p:style>
+          <p:txBody>
+            <a:bodyPr rtlCol="0" anchor="ctr"/>
+            <a:lstStyle/>
+            <a:p>
+              <a:pPr algn="ctr"/>
+              <a:endParaRPr lang="fr-FR" sz="900"/>
+            </a:p>
+          </p:txBody>
+        </p:sp>
+        <p:sp>
+          <p:nvSpPr>
+            <p:cNvPr id="157" name="ZoneTexte 156"/>
             <p:cNvSpPr txBox="1"/>
             <p:nvPr/>
           </p:nvSpPr>
           <p:spPr>
             <a:xfrm>
-              <a:off x="661271" y="2224975"/>
-              <a:ext cx="1800200" cy="830997"/>
-            </a:xfrm>
-            <a:prstGeom prst="rect">
-              <a:avLst/>
-            </a:prstGeom>
-            <a:noFill/>
-          </p:spPr>
-          <p:txBody>
-            <a:bodyPr wrap="square" rtlCol="0">
-              <a:spAutoFit/>
-            </a:bodyPr>
-            <a:lstStyle/>
-            <a:p>
-              <a:pPr algn="ctr"/>
-              <a:r>
-                <a:rPr lang="fr-FR" sz="1600" b="1" dirty="0" smtClean="0"/>
-                <a:t>Pk1,Pk2,</a:t>
-              </a:r>
-              <a:r>
-                <a:rPr lang="fr-FR" sz="1600" b="1" dirty="0" smtClean="0">
-                  <a:solidFill>
-                    <a:srgbClr val="32AADA"/>
-                  </a:solidFill>
-                </a:rPr>
-                <a:t>Pk3</a:t>
-              </a:r>
-              <a:r>
-                <a:rPr lang="fr-FR" sz="1600" b="1" dirty="0" smtClean="0"/>
-                <a:t>,Pk4</a:t>
-              </a:r>
-            </a:p>
-            <a:p>
-              <a:pPr algn="ctr"/>
-              <a:r>
-                <a:rPr lang="fr-FR" sz="1600" b="1" dirty="0" smtClean="0"/>
-                <a:t>+</a:t>
-              </a:r>
-            </a:p>
-            <a:p>
-              <a:pPr algn="ctr"/>
-              <a:r>
-                <a:rPr lang="fr-FR" sz="1600" b="1" dirty="0" smtClean="0"/>
-                <a:t>REQ_bruitée</a:t>
-              </a:r>
-              <a:endParaRPr lang="fr-FR" sz="1600" b="1" dirty="0"/>
-            </a:p>
-          </p:txBody>
-        </p:sp>
-        <p:grpSp>
-          <p:nvGrpSpPr>
-            <p:cNvPr id="36" name="Grouper 35"/>
-            <p:cNvGrpSpPr/>
-            <p:nvPr/>
-          </p:nvGrpSpPr>
-          <p:grpSpPr>
-            <a:xfrm>
-              <a:off x="4528" y="2125345"/>
-              <a:ext cx="1124671" cy="995453"/>
-              <a:chOff x="0" y="4155258"/>
-              <a:chExt cx="1124671" cy="995453"/>
-            </a:xfrm>
-          </p:grpSpPr>
-          <p:pic>
-            <p:nvPicPr>
-              <p:cNvPr id="37" name="Picture 2"/>
-              <p:cNvPicPr>
-                <a:picLocks noChangeAspect="1" noChangeArrowheads="1"/>
-              </p:cNvPicPr>
-              <p:nvPr/>
-            </p:nvPicPr>
-            <p:blipFill>
-              <a:blip r:embed="rId7">
-                <a:extLst>
-                  <a:ext uri="{28A0092B-C50C-407E-A947-70E740481C1C}">
-                    <a14:useLocalDpi xmlns:a14="http://schemas.microsoft.com/office/drawing/2010/main" val="0"/>
-                  </a:ext>
-                </a:extLst>
-              </a:blip>
-              <a:srcRect/>
-              <a:stretch>
-                <a:fillRect/>
-              </a:stretch>
-            </p:blipFill>
-            <p:spPr bwMode="auto">
-              <a:xfrm>
-                <a:off x="0" y="4155258"/>
-                <a:ext cx="633543" cy="620525"/>
-              </a:xfrm>
-              <a:prstGeom prst="rect">
-                <a:avLst/>
-              </a:prstGeom>
-              <a:noFill/>
-              <a:ln>
-                <a:noFill/>
-              </a:ln>
-              <a:effectLst/>
-              <a:extLst>
-                <a:ext uri="{909E8E84-426E-40dd-AFC4-6F175D3DCCD1}">
-                  <a14:hiddenFill xmlns:a14="http://schemas.microsoft.com/office/drawing/2010/main">
-                    <a:solidFill>
-                      <a:schemeClr val="accent1"/>
-                    </a:solidFill>
-                  </a14:hiddenFill>
-                </a:ext>
-                <a:ext uri="{91240B29-F687-4f45-9708-019B960494DF}">
-                  <a14:hiddenLine xmlns:a14="http://schemas.microsoft.com/office/drawing/2010/main" w="9525">
-                    <a:solidFill>
-                      <a:schemeClr val="tx1"/>
-                    </a:solidFill>
-                    <a:miter lim="800000"/>
-                    <a:headEnd/>
-                    <a:tailEnd/>
-                  </a14:hiddenLine>
-                </a:ext>
-                <a:ext uri="{AF507438-7753-43e0-B8FC-AC1667EBCBE1}">
-                  <a14:hiddenEffects xmlns:a14="http://schemas.microsoft.com/office/drawing/2010/main">
-                    <a:effectLst>
-                      <a:outerShdw dist="35921" dir="2700000" algn="ctr" rotWithShape="0">
-                        <a:schemeClr val="bg2"/>
-                      </a:outerShdw>
-                    </a:effectLst>
-                  </a14:hiddenEffects>
-                </a:ext>
-              </a:extLst>
-            </p:spPr>
-          </p:pic>
-          <p:pic>
-            <p:nvPicPr>
-              <p:cNvPr id="38" name="Picture 7" descr="C:\Users\Lisa\Downloads\noun_74617_cc.png"/>
-              <p:cNvPicPr>
-                <a:picLocks noChangeAspect="1" noChangeArrowheads="1"/>
-              </p:cNvPicPr>
-              <p:nvPr/>
-            </p:nvPicPr>
-            <p:blipFill rotWithShape="1">
-              <a:blip r:embed="rId4" cstate="print">
-                <a:extLst>
-                  <a:ext uri="{28A0092B-C50C-407E-A947-70E740481C1C}">
-                    <a14:useLocalDpi xmlns:a14="http://schemas.microsoft.com/office/drawing/2010/main" val="0"/>
-                  </a:ext>
-                </a:extLst>
-              </a:blip>
-              <a:srcRect b="23660"/>
-              <a:stretch/>
-            </p:blipFill>
-            <p:spPr bwMode="auto">
-              <a:xfrm>
-                <a:off x="142415" y="4400855"/>
-                <a:ext cx="982256" cy="749856"/>
-              </a:xfrm>
-              <a:prstGeom prst="rect">
-                <a:avLst/>
-              </a:prstGeom>
-              <a:noFill/>
-              <a:extLst>
-                <a:ext uri="{909E8E84-426E-40dd-AFC4-6F175D3DCCD1}">
-                  <a14:hiddenFill xmlns:a14="http://schemas.microsoft.com/office/drawing/2010/main">
-                    <a:solidFill>
-                      <a:srgbClr val="FFFFFF"/>
-                    </a:solidFill>
-                  </a14:hiddenFill>
-                </a:ext>
-              </a:extLst>
-            </p:spPr>
-          </p:pic>
-        </p:grpSp>
-        <p:sp>
-          <p:nvSpPr>
-            <p:cNvPr id="39" name="ZoneTexte 38"/>
-            <p:cNvSpPr txBox="1"/>
-            <p:nvPr/>
-          </p:nvSpPr>
-          <p:spPr>
-            <a:xfrm>
-              <a:off x="2279383" y="583126"/>
-              <a:ext cx="4296101" cy="369332"/>
+              <a:off x="6869002" y="1537587"/>
+              <a:ext cx="1414654" cy="430887"/>
             </a:xfrm>
             <a:prstGeom prst="rect">
               <a:avLst/>
@@ -10036,63 +12307,335 @@
             <a:lstStyle/>
             <a:p>
               <a:r>
-                <a:rPr lang="fr-FR" b="1" dirty="0" smtClean="0"/>
-                <a:t>Contrôle d’accès aux données interrogées</a:t>
+                <a:rPr lang="fr-FR" sz="1100" b="1" dirty="0" smtClean="0"/>
+                <a:t>@email</a:t>
               </a:r>
+            </a:p>
+            <a:p>
+              <a:r>
+                <a:rPr lang="fr-FR" sz="1100" dirty="0" err="1" smtClean="0">
+                  <a:solidFill>
+                    <a:srgbClr val="FF0000"/>
+                  </a:solidFill>
+                </a:rPr>
+                <a:t>bob@insa-cvl.fr</a:t>
+              </a:r>
+              <a:endParaRPr lang="fr-FR" sz="1100" dirty="0" smtClean="0">
+                <a:solidFill>
+                  <a:srgbClr val="FF0000"/>
+                </a:solidFill>
+              </a:endParaRPr>
             </a:p>
           </p:txBody>
         </p:sp>
       </p:grpSp>
-      <p:sp>
-        <p:nvSpPr>
-          <p:cNvPr id="25" name="Accolade ouvrante 24"/>
-          <p:cNvSpPr/>
-          <p:nvPr/>
-        </p:nvSpPr>
-        <p:spPr>
-          <a:xfrm>
-            <a:off x="6990829" y="3621674"/>
-            <a:ext cx="276992" cy="2346091"/>
-          </a:xfrm>
-          <a:prstGeom prst="leftBrace">
-            <a:avLst>
-              <a:gd name="adj1" fmla="val 82049"/>
-              <a:gd name="adj2" fmla="val 50000"/>
-            </a:avLst>
-          </a:prstGeom>
+      <p:pic>
+        <p:nvPicPr>
+          <p:cNvPr id="162" name="Picture 2"/>
+          <p:cNvPicPr>
+            <a:picLocks noChangeAspect="1" noChangeArrowheads="1"/>
+          </p:cNvPicPr>
+          <p:nvPr/>
+        </p:nvPicPr>
+        <p:blipFill>
+          <a:blip r:embed="rId12">
+            <a:extLst>
+              <a:ext uri="{28A0092B-C50C-407E-A947-70E740481C1C}">
+                <a14:useLocalDpi xmlns:a14="http://schemas.microsoft.com/office/drawing/2010/main" val="0"/>
+              </a:ext>
+            </a:extLst>
+          </a:blip>
+          <a:srcRect/>
+          <a:stretch>
+            <a:fillRect/>
+          </a:stretch>
+        </p:blipFill>
+        <p:spPr bwMode="auto">
+          <a:xfrm>
+            <a:off x="8448708" y="5492047"/>
+            <a:ext cx="554441" cy="543048"/>
+          </a:xfrm>
+          <a:prstGeom prst="rect">
+            <a:avLst/>
+          </a:prstGeom>
+          <a:noFill/>
           <a:ln>
+            <a:noFill/>
+          </a:ln>
+          <a:effectLst/>
+          <a:extLst>
+            <a:ext uri="{909E8E84-426E-40dd-AFC4-6F175D3DCCD1}">
+              <a14:hiddenFill xmlns:a14="http://schemas.microsoft.com/office/drawing/2010/main">
+                <a:solidFill>
+                  <a:schemeClr val="accent1"/>
+                </a:solidFill>
+              </a14:hiddenFill>
+            </a:ext>
+            <a:ext uri="{91240B29-F687-4f45-9708-019B960494DF}">
+              <a14:hiddenLine xmlns:a14="http://schemas.microsoft.com/office/drawing/2010/main" w="9525">
+                <a:solidFill>
+                  <a:schemeClr val="tx1"/>
+                </a:solidFill>
+                <a:miter lim="800000"/>
+                <a:headEnd/>
+                <a:tailEnd/>
+              </a14:hiddenLine>
+            </a:ext>
+            <a:ext uri="{AF507438-7753-43e0-B8FC-AC1667EBCBE1}">
+              <a14:hiddenEffects xmlns:a14="http://schemas.microsoft.com/office/drawing/2010/main">
+                <a:effectLst>
+                  <a:outerShdw dist="35921" dir="2700000" algn="ctr" rotWithShape="0">
+                    <a:schemeClr val="bg2"/>
+                  </a:outerShdw>
+                </a:effectLst>
+              </a14:hiddenEffects>
+            </a:ext>
+          </a:extLst>
+        </p:spPr>
+      </p:pic>
+      <p:cxnSp>
+        <p:nvCxnSpPr>
+          <p:cNvPr id="165" name="Connecteur droit avec flèche 164"/>
+          <p:cNvCxnSpPr/>
+          <p:nvPr/>
+        </p:nvCxnSpPr>
+        <p:spPr>
+          <a:xfrm>
+            <a:off x="3606568" y="1070940"/>
+            <a:ext cx="889746" cy="0"/>
+          </a:xfrm>
+          <a:prstGeom prst="straightConnector1">
+            <a:avLst/>
+          </a:prstGeom>
+          <a:ln w="28575">
             <a:solidFill>
-              <a:schemeClr val="tx1"/>
+              <a:srgbClr val="000000"/>
             </a:solidFill>
+            <a:tailEnd type="arrow"/>
           </a:ln>
         </p:spPr>
         <p:style>
-          <a:lnRef idx="2">
-            <a:schemeClr val="accent1"/>
+          <a:lnRef idx="1">
+            <a:schemeClr val="dk1"/>
           </a:lnRef>
           <a:fillRef idx="0">
-            <a:schemeClr val="accent1"/>
+            <a:schemeClr val="dk1"/>
           </a:fillRef>
-          <a:effectRef idx="1">
-            <a:schemeClr val="accent1"/>
+          <a:effectRef idx="0">
+            <a:schemeClr val="dk1"/>
           </a:effectRef>
           <a:fontRef idx="minor">
             <a:schemeClr val="tx1"/>
           </a:fontRef>
         </p:style>
-        <p:txBody>
-          <a:bodyPr rtlCol="0" anchor="ctr"/>
-          <a:lstStyle/>
-          <a:p>
-            <a:pPr algn="ctr"/>
-            <a:endParaRPr lang="fr-FR">
-              <a:solidFill>
-                <a:srgbClr val="000000"/>
-              </a:solidFill>
-            </a:endParaRPr>
-          </a:p>
-        </p:txBody>
-      </p:sp>
+      </p:cxnSp>
+      <p:cxnSp>
+        <p:nvCxnSpPr>
+          <p:cNvPr id="166" name="Connecteur droit avec flèche 165"/>
+          <p:cNvCxnSpPr/>
+          <p:nvPr/>
+        </p:nvCxnSpPr>
+        <p:spPr>
+          <a:xfrm>
+            <a:off x="3606568" y="1070940"/>
+            <a:ext cx="744260" cy="227485"/>
+          </a:xfrm>
+          <a:prstGeom prst="straightConnector1">
+            <a:avLst/>
+          </a:prstGeom>
+          <a:ln w="28575">
+            <a:solidFill>
+              <a:srgbClr val="000000"/>
+            </a:solidFill>
+            <a:tailEnd type="arrow"/>
+          </a:ln>
+        </p:spPr>
+        <p:style>
+          <a:lnRef idx="1">
+            <a:schemeClr val="dk1"/>
+          </a:lnRef>
+          <a:fillRef idx="0">
+            <a:schemeClr val="dk1"/>
+          </a:fillRef>
+          <a:effectRef idx="0">
+            <a:schemeClr val="dk1"/>
+          </a:effectRef>
+          <a:fontRef idx="minor">
+            <a:schemeClr val="tx1"/>
+          </a:fontRef>
+        </p:style>
+      </p:cxnSp>
+      <p:cxnSp>
+        <p:nvCxnSpPr>
+          <p:cNvPr id="167" name="Connecteur droit avec flèche 166"/>
+          <p:cNvCxnSpPr/>
+          <p:nvPr/>
+        </p:nvCxnSpPr>
+        <p:spPr>
+          <a:xfrm flipV="1">
+            <a:off x="3606568" y="815825"/>
+            <a:ext cx="744260" cy="255116"/>
+          </a:xfrm>
+          <a:prstGeom prst="straightConnector1">
+            <a:avLst/>
+          </a:prstGeom>
+          <a:ln w="28575">
+            <a:solidFill>
+              <a:srgbClr val="000000"/>
+            </a:solidFill>
+            <a:tailEnd type="arrow"/>
+          </a:ln>
+        </p:spPr>
+        <p:style>
+          <a:lnRef idx="1">
+            <a:schemeClr val="dk1"/>
+          </a:lnRef>
+          <a:fillRef idx="0">
+            <a:schemeClr val="dk1"/>
+          </a:fillRef>
+          <a:effectRef idx="0">
+            <a:schemeClr val="dk1"/>
+          </a:effectRef>
+          <a:fontRef idx="minor">
+            <a:schemeClr val="tx1"/>
+          </a:fontRef>
+        </p:style>
+      </p:cxnSp>
+      <p:grpSp>
+        <p:nvGrpSpPr>
+          <p:cNvPr id="169" name="Grouper 168"/>
+          <p:cNvGrpSpPr/>
+          <p:nvPr/>
+        </p:nvGrpSpPr>
+        <p:grpSpPr>
+          <a:xfrm>
+            <a:off x="569731" y="1825778"/>
+            <a:ext cx="1418840" cy="1153508"/>
+            <a:chOff x="7145411" y="5367136"/>
+            <a:chExt cx="1588756" cy="1226802"/>
+          </a:xfrm>
+        </p:grpSpPr>
+        <p:pic>
+          <p:nvPicPr>
+            <p:cNvPr id="170" name="Picture 8" descr="C:\Users\Lisa\Downloads\noun_75930_cc.png"/>
+            <p:cNvPicPr>
+              <a:picLocks noChangeAspect="1" noChangeArrowheads="1"/>
+            </p:cNvPicPr>
+            <p:nvPr/>
+          </p:nvPicPr>
+          <p:blipFill rotWithShape="1">
+            <a:blip r:embed="rId2" cstate="print">
+              <a:extLst>
+                <a:ext uri="{28A0092B-C50C-407E-A947-70E740481C1C}">
+                  <a14:useLocalDpi xmlns:a14="http://schemas.microsoft.com/office/drawing/2010/main" val="0"/>
+                </a:ext>
+              </a:extLst>
+            </a:blip>
+            <a:srcRect l="26816" t="21680" r="26816" b="36800"/>
+            <a:stretch/>
+          </p:blipFill>
+          <p:spPr bwMode="auto">
+            <a:xfrm>
+              <a:off x="7145411" y="5367136"/>
+              <a:ext cx="807251" cy="722851"/>
+            </a:xfrm>
+            <a:prstGeom prst="ellipse">
+              <a:avLst/>
+            </a:prstGeom>
+            <a:noFill/>
+            <a:extLst>
+              <a:ext uri="{909E8E84-426E-40dd-AFC4-6F175D3DCCD1}">
+                <a14:hiddenFill xmlns:a14="http://schemas.microsoft.com/office/drawing/2010/main">
+                  <a:solidFill>
+                    <a:srgbClr val="FFFFFF"/>
+                  </a:solidFill>
+                </a14:hiddenFill>
+              </a:ext>
+            </a:extLst>
+          </p:spPr>
+        </p:pic>
+        <p:pic>
+          <p:nvPicPr>
+            <p:cNvPr id="171" name="Picture 7" descr="C:\Users\Lisa\Downloads\noun_74617_cc.png"/>
+            <p:cNvPicPr>
+              <a:picLocks noChangeAspect="1" noChangeArrowheads="1"/>
+            </p:cNvPicPr>
+            <p:nvPr/>
+          </p:nvPicPr>
+          <p:blipFill rotWithShape="1">
+            <a:blip r:embed="rId3" cstate="print">
+              <a:extLst>
+                <a:ext uri="{28A0092B-C50C-407E-A947-70E740481C1C}">
+                  <a14:useLocalDpi xmlns:a14="http://schemas.microsoft.com/office/drawing/2010/main" val="0"/>
+                </a:ext>
+              </a:extLst>
+            </a:blip>
+            <a:srcRect b="23660"/>
+            <a:stretch/>
+          </p:blipFill>
+          <p:spPr bwMode="auto">
+            <a:xfrm>
+              <a:off x="7491437" y="5645236"/>
+              <a:ext cx="1242730" cy="948702"/>
+            </a:xfrm>
+            <a:prstGeom prst="rect">
+              <a:avLst/>
+            </a:prstGeom>
+            <a:noFill/>
+            <a:extLst>
+              <a:ext uri="{909E8E84-426E-40dd-AFC4-6F175D3DCCD1}">
+                <a14:hiddenFill xmlns:a14="http://schemas.microsoft.com/office/drawing/2010/main">
+                  <a:solidFill>
+                    <a:srgbClr val="FFFFFF"/>
+                  </a:solidFill>
+                </a14:hiddenFill>
+              </a:ext>
+            </a:extLst>
+          </p:spPr>
+        </p:pic>
+      </p:grpSp>
+      <p:cxnSp>
+        <p:nvCxnSpPr>
+          <p:cNvPr id="178" name="Connecteur en arc 177"/>
+          <p:cNvCxnSpPr>
+            <a:stCxn id="33" idx="3"/>
+            <a:endCxn id="33" idx="0"/>
+          </p:cNvCxnSpPr>
+          <p:nvPr/>
+        </p:nvCxnSpPr>
+        <p:spPr>
+          <a:xfrm flipH="1" flipV="1">
+            <a:off x="3140248" y="997357"/>
+            <a:ext cx="276085" cy="225289"/>
+          </a:xfrm>
+          <a:prstGeom prst="curvedConnector4">
+            <a:avLst>
+              <a:gd name="adj1" fmla="val -39777"/>
+              <a:gd name="adj2" fmla="val 310966"/>
+            </a:avLst>
+          </a:prstGeom>
+          <a:ln>
+            <a:solidFill>
+              <a:schemeClr val="tx1"/>
+            </a:solidFill>
+            <a:tailEnd type="arrow"/>
+          </a:ln>
+        </p:spPr>
+        <p:style>
+          <a:lnRef idx="2">
+            <a:schemeClr val="accent1"/>
+          </a:lnRef>
+          <a:fillRef idx="0">
+            <a:schemeClr val="accent1"/>
+          </a:fillRef>
+          <a:effectRef idx="1">
+            <a:schemeClr val="accent1"/>
+          </a:effectRef>
+          <a:fontRef idx="minor">
+            <a:schemeClr val="tx1"/>
+          </a:fontRef>
+        </p:style>
+      </p:cxnSp>
     </p:spTree>
     <p:extLst>
       <p:ext uri="{BB962C8B-B14F-4D97-AF65-F5344CB8AC3E}">
@@ -10103,6 +12646,13 @@
   <p:clrMapOvr>
     <a:masterClrMapping/>
   </p:clrMapOvr>
+  <p:timing>
+    <p:tnLst>
+      <p:par>
+        <p:cTn xmlns:p14="http://schemas.microsoft.com/office/powerpoint/2010/main" id="1" dur="indefinite" restart="never" nodeType="tmRoot"/>
+      </p:par>
+    </p:tnLst>
+  </p:timing>
 </p:sld>
 </file>
 
@@ -11430,6 +13980,13 @@
   <p:clrMapOvr>
     <a:masterClrMapping/>
   </p:clrMapOvr>
+  <p:timing>
+    <p:tnLst>
+      <p:par>
+        <p:cTn xmlns:p14="http://schemas.microsoft.com/office/powerpoint/2010/main" id="1" dur="indefinite" restart="never" nodeType="tmRoot"/>
+      </p:par>
+    </p:tnLst>
+  </p:timing>
 </p:sld>
 </file>
 
@@ -11452,7 +14009,7 @@
       </p:grpSpPr>
       <p:pic>
         <p:nvPicPr>
-          <p:cNvPr id="4" name="Picture 2" descr="C:\Users\Lisa\Downloads\noun_88101_cc.png"/>
+          <p:cNvPr id="5" name="Picture 2"/>
           <p:cNvPicPr>
             <a:picLocks noChangeAspect="1" noChangeArrowheads="1"/>
           </p:cNvPicPr>
@@ -11466,13 +14023,13 @@
               </a:ext>
             </a:extLst>
           </a:blip>
-          <a:srcRect b="15842"/>
+          <a:srcRect b="14524"/>
           <a:stretch/>
         </p:blipFill>
         <p:spPr bwMode="auto">
           <a:xfrm>
-            <a:off x="1466607" y="1820114"/>
-            <a:ext cx="738024" cy="621105"/>
+            <a:off x="7605138" y="4219379"/>
+            <a:ext cx="785444" cy="671366"/>
           </a:xfrm>
           <a:prstGeom prst="rect">
             <a:avLst/>
@@ -11491,7 +14048,7 @@
       </p:pic>
       <p:pic>
         <p:nvPicPr>
-          <p:cNvPr id="5" name="Picture 2"/>
+          <p:cNvPr id="6" name="Picture 10" descr="C:\Users\Lisa\Downloads\noun_90572_cc.png"/>
           <p:cNvPicPr>
             <a:picLocks noChangeAspect="1" noChangeArrowheads="1"/>
           </p:cNvPicPr>
@@ -11505,13 +14062,13 @@
               </a:ext>
             </a:extLst>
           </a:blip>
-          <a:srcRect b="14524"/>
+          <a:srcRect b="21167"/>
           <a:stretch/>
         </p:blipFill>
         <p:spPr bwMode="auto">
           <a:xfrm>
-            <a:off x="7605138" y="4219379"/>
-            <a:ext cx="785444" cy="671366"/>
+            <a:off x="7475132" y="2071433"/>
+            <a:ext cx="1045457" cy="824168"/>
           </a:xfrm>
           <a:prstGeom prst="rect">
             <a:avLst/>
@@ -11528,123 +14085,99 @@
           </a:extLst>
         </p:spPr>
       </p:pic>
-      <p:pic>
-        <p:nvPicPr>
-          <p:cNvPr id="6" name="Picture 10" descr="C:\Users\Lisa\Downloads\noun_90572_cc.png"/>
-          <p:cNvPicPr>
-            <a:picLocks noChangeAspect="1" noChangeArrowheads="1"/>
-          </p:cNvPicPr>
-          <p:nvPr/>
-        </p:nvPicPr>
-        <p:blipFill rotWithShape="1">
-          <a:blip r:embed="rId4" cstate="print">
+      <p:grpSp>
+        <p:nvGrpSpPr>
+          <p:cNvPr id="2" name="Grouper 1"/>
+          <p:cNvGrpSpPr/>
+          <p:nvPr/>
+        </p:nvGrpSpPr>
+        <p:grpSpPr>
+          <a:xfrm>
+            <a:off x="7145411" y="5367136"/>
+            <a:ext cx="1588756" cy="1226802"/>
+            <a:chOff x="7145411" y="5367136"/>
+            <a:chExt cx="1588756" cy="1226802"/>
+          </a:xfrm>
+        </p:grpSpPr>
+        <p:pic>
+          <p:nvPicPr>
+            <p:cNvPr id="7" name="Picture 8" descr="C:\Users\Lisa\Downloads\noun_75930_cc.png"/>
+            <p:cNvPicPr>
+              <a:picLocks noChangeAspect="1" noChangeArrowheads="1"/>
+            </p:cNvPicPr>
+            <p:nvPr/>
+          </p:nvPicPr>
+          <p:blipFill rotWithShape="1">
+            <a:blip r:embed="rId4" cstate="print">
+              <a:extLst>
+                <a:ext uri="{28A0092B-C50C-407E-A947-70E740481C1C}">
+                  <a14:useLocalDpi xmlns:a14="http://schemas.microsoft.com/office/drawing/2010/main" val="0"/>
+                </a:ext>
+              </a:extLst>
+            </a:blip>
+            <a:srcRect l="26816" t="21680" r="26816" b="36800"/>
+            <a:stretch/>
+          </p:blipFill>
+          <p:spPr bwMode="auto">
+            <a:xfrm>
+              <a:off x="7145411" y="5367136"/>
+              <a:ext cx="807251" cy="722851"/>
+            </a:xfrm>
+            <a:prstGeom prst="ellipse">
+              <a:avLst/>
+            </a:prstGeom>
+            <a:noFill/>
             <a:extLst>
-              <a:ext uri="{28A0092B-C50C-407E-A947-70E740481C1C}">
-                <a14:useLocalDpi xmlns:a14="http://schemas.microsoft.com/office/drawing/2010/main" val="0"/>
+              <a:ext uri="{909E8E84-426E-40dd-AFC4-6F175D3DCCD1}">
+                <a14:hiddenFill xmlns:a14="http://schemas.microsoft.com/office/drawing/2010/main">
+                  <a:solidFill>
+                    <a:srgbClr val="FFFFFF"/>
+                  </a:solidFill>
+                </a14:hiddenFill>
               </a:ext>
             </a:extLst>
-          </a:blip>
-          <a:srcRect b="21167"/>
-          <a:stretch/>
-        </p:blipFill>
-        <p:spPr bwMode="auto">
-          <a:xfrm>
-            <a:off x="7475132" y="2071433"/>
-            <a:ext cx="1045457" cy="824168"/>
-          </a:xfrm>
-          <a:prstGeom prst="rect">
-            <a:avLst/>
-          </a:prstGeom>
-          <a:noFill/>
-          <a:extLst>
-            <a:ext uri="{909E8E84-426E-40dd-AFC4-6F175D3DCCD1}">
-              <a14:hiddenFill xmlns:a14="http://schemas.microsoft.com/office/drawing/2010/main">
-                <a:solidFill>
-                  <a:srgbClr val="FFFFFF"/>
-                </a:solidFill>
-              </a14:hiddenFill>
-            </a:ext>
-          </a:extLst>
-        </p:spPr>
-      </p:pic>
-      <p:pic>
-        <p:nvPicPr>
-          <p:cNvPr id="7" name="Picture 8" descr="C:\Users\Lisa\Downloads\noun_75930_cc.png"/>
-          <p:cNvPicPr>
-            <a:picLocks noChangeAspect="1" noChangeArrowheads="1"/>
-          </p:cNvPicPr>
-          <p:nvPr/>
-        </p:nvPicPr>
-        <p:blipFill rotWithShape="1">
-          <a:blip r:embed="rId5" cstate="print">
+          </p:spPr>
+        </p:pic>
+        <p:pic>
+          <p:nvPicPr>
+            <p:cNvPr id="8" name="Picture 7" descr="C:\Users\Lisa\Downloads\noun_74617_cc.png"/>
+            <p:cNvPicPr>
+              <a:picLocks noChangeAspect="1" noChangeArrowheads="1"/>
+            </p:cNvPicPr>
+            <p:nvPr/>
+          </p:nvPicPr>
+          <p:blipFill rotWithShape="1">
+            <a:blip r:embed="rId5" cstate="print">
+              <a:extLst>
+                <a:ext uri="{28A0092B-C50C-407E-A947-70E740481C1C}">
+                  <a14:useLocalDpi xmlns:a14="http://schemas.microsoft.com/office/drawing/2010/main" val="0"/>
+                </a:ext>
+              </a:extLst>
+            </a:blip>
+            <a:srcRect b="23660"/>
+            <a:stretch/>
+          </p:blipFill>
+          <p:spPr bwMode="auto">
+            <a:xfrm>
+              <a:off x="7491437" y="5645236"/>
+              <a:ext cx="1242730" cy="948702"/>
+            </a:xfrm>
+            <a:prstGeom prst="rect">
+              <a:avLst/>
+            </a:prstGeom>
+            <a:noFill/>
             <a:extLst>
-              <a:ext uri="{28A0092B-C50C-407E-A947-70E740481C1C}">
-                <a14:useLocalDpi xmlns:a14="http://schemas.microsoft.com/office/drawing/2010/main" val="0"/>
+              <a:ext uri="{909E8E84-426E-40dd-AFC4-6F175D3DCCD1}">
+                <a14:hiddenFill xmlns:a14="http://schemas.microsoft.com/office/drawing/2010/main">
+                  <a:solidFill>
+                    <a:srgbClr val="FFFFFF"/>
+                  </a:solidFill>
+                </a14:hiddenFill>
               </a:ext>
             </a:extLst>
-          </a:blip>
-          <a:srcRect l="26816" t="21680" r="26816" b="36800"/>
-          <a:stretch/>
-        </p:blipFill>
-        <p:spPr bwMode="auto">
-          <a:xfrm>
-            <a:off x="7170812" y="5409471"/>
-            <a:ext cx="807251" cy="722851"/>
-          </a:xfrm>
-          <a:prstGeom prst="ellipse">
-            <a:avLst/>
-          </a:prstGeom>
-          <a:noFill/>
-          <a:extLst>
-            <a:ext uri="{909E8E84-426E-40dd-AFC4-6F175D3DCCD1}">
-              <a14:hiddenFill xmlns:a14="http://schemas.microsoft.com/office/drawing/2010/main">
-                <a:solidFill>
-                  <a:srgbClr val="FFFFFF"/>
-                </a:solidFill>
-              </a14:hiddenFill>
-            </a:ext>
-          </a:extLst>
-        </p:spPr>
-      </p:pic>
-      <p:pic>
-        <p:nvPicPr>
-          <p:cNvPr id="8" name="Picture 7" descr="C:\Users\Lisa\Downloads\noun_74617_cc.png"/>
-          <p:cNvPicPr>
-            <a:picLocks noChangeAspect="1" noChangeArrowheads="1"/>
-          </p:cNvPicPr>
-          <p:nvPr/>
-        </p:nvPicPr>
-        <p:blipFill rotWithShape="1">
-          <a:blip r:embed="rId6" cstate="print">
-            <a:extLst>
-              <a:ext uri="{28A0092B-C50C-407E-A947-70E740481C1C}">
-                <a14:useLocalDpi xmlns:a14="http://schemas.microsoft.com/office/drawing/2010/main" val="0"/>
-              </a:ext>
-            </a:extLst>
-          </a:blip>
-          <a:srcRect b="23660"/>
-          <a:stretch/>
-        </p:blipFill>
-        <p:spPr bwMode="auto">
-          <a:xfrm>
-            <a:off x="7491437" y="5645236"/>
-            <a:ext cx="1242730" cy="948702"/>
-          </a:xfrm>
-          <a:prstGeom prst="rect">
-            <a:avLst/>
-          </a:prstGeom>
-          <a:noFill/>
-          <a:extLst>
-            <a:ext uri="{909E8E84-426E-40dd-AFC4-6F175D3DCCD1}">
-              <a14:hiddenFill xmlns:a14="http://schemas.microsoft.com/office/drawing/2010/main">
-                <a:solidFill>
-                  <a:srgbClr val="FFFFFF"/>
-                </a:solidFill>
-              </a14:hiddenFill>
-            </a:ext>
-          </a:extLst>
-        </p:spPr>
-      </p:pic>
+          </p:spPr>
+        </p:pic>
+      </p:grpSp>
       <p:pic>
         <p:nvPicPr>
           <p:cNvPr id="9" name="Picture 2"/>
@@ -11654,7 +14187,7 @@
           <p:nvPr/>
         </p:nvPicPr>
         <p:blipFill>
-          <a:blip r:embed="rId7">
+          <a:blip r:embed="rId6">
             <a:extLst>
               <a:ext uri="{28A0092B-C50C-407E-A947-70E740481C1C}">
                 <a14:useLocalDpi xmlns:a14="http://schemas.microsoft.com/office/drawing/2010/main" val="0"/>
@@ -11718,7 +14251,7 @@
           <p:nvPr/>
         </p:nvPicPr>
         <p:blipFill rotWithShape="1">
-          <a:blip r:embed="rId6" cstate="print">
+          <a:blip r:embed="rId5" cstate="print">
             <a:extLst>
               <a:ext uri="{28A0092B-C50C-407E-A947-70E740481C1C}">
                 <a14:useLocalDpi xmlns:a14="http://schemas.microsoft.com/office/drawing/2010/main" val="0"/>
@@ -11748,123 +14281,6 @@
           </a:extLst>
         </p:spPr>
       </p:pic>
-      <p:pic>
-        <p:nvPicPr>
-          <p:cNvPr id="11" name="Picture 3" descr="C:\Users\Lisa\Downloads\noun_100758_cc.png"/>
-          <p:cNvPicPr>
-            <a:picLocks noChangeAspect="1" noChangeArrowheads="1"/>
-          </p:cNvPicPr>
-          <p:nvPr/>
-        </p:nvPicPr>
-        <p:blipFill rotWithShape="1">
-          <a:blip r:embed="rId8" cstate="print">
-            <a:extLst>
-              <a:ext uri="{28A0092B-C50C-407E-A947-70E740481C1C}">
-                <a14:useLocalDpi xmlns:a14="http://schemas.microsoft.com/office/drawing/2010/main" val="0"/>
-              </a:ext>
-            </a:extLst>
-          </a:blip>
-          <a:srcRect b="22538"/>
-          <a:stretch/>
-        </p:blipFill>
-        <p:spPr bwMode="auto">
-          <a:xfrm>
-            <a:off x="4660791" y="5051914"/>
-            <a:ext cx="1531914" cy="1186643"/>
-          </a:xfrm>
-          <a:prstGeom prst="rect">
-            <a:avLst/>
-          </a:prstGeom>
-          <a:noFill/>
-          <a:extLst>
-            <a:ext uri="{909E8E84-426E-40dd-AFC4-6F175D3DCCD1}">
-              <a14:hiddenFill xmlns:a14="http://schemas.microsoft.com/office/drawing/2010/main">
-                <a:solidFill>
-                  <a:srgbClr val="FFFFFF"/>
-                </a:solidFill>
-              </a14:hiddenFill>
-            </a:ext>
-          </a:extLst>
-        </p:spPr>
-      </p:pic>
-      <p:pic>
-        <p:nvPicPr>
-          <p:cNvPr id="12" name="Picture 8" descr="C:\Users\Lisa\Downloads\noun_75930_cc.png"/>
-          <p:cNvPicPr>
-            <a:picLocks noChangeAspect="1" noChangeArrowheads="1"/>
-          </p:cNvPicPr>
-          <p:nvPr/>
-        </p:nvPicPr>
-        <p:blipFill rotWithShape="1">
-          <a:blip r:embed="rId5" cstate="print">
-            <a:extLst>
-              <a:ext uri="{28A0092B-C50C-407E-A947-70E740481C1C}">
-                <a14:useLocalDpi xmlns:a14="http://schemas.microsoft.com/office/drawing/2010/main" val="0"/>
-              </a:ext>
-            </a:extLst>
-          </a:blip>
-          <a:srcRect l="26816" t="21680" r="26816" b="36800"/>
-          <a:stretch/>
-        </p:blipFill>
-        <p:spPr bwMode="auto">
-          <a:xfrm>
-            <a:off x="4660791" y="5231359"/>
-            <a:ext cx="462201" cy="413877"/>
-          </a:xfrm>
-          <a:prstGeom prst="ellipse">
-            <a:avLst/>
-          </a:prstGeom>
-          <a:noFill/>
-          <a:extLst>
-            <a:ext uri="{909E8E84-426E-40dd-AFC4-6F175D3DCCD1}">
-              <a14:hiddenFill xmlns:a14="http://schemas.microsoft.com/office/drawing/2010/main">
-                <a:solidFill>
-                  <a:srgbClr val="FFFFFF"/>
-                </a:solidFill>
-              </a14:hiddenFill>
-            </a:ext>
-          </a:extLst>
-        </p:spPr>
-      </p:pic>
-      <p:pic>
-        <p:nvPicPr>
-          <p:cNvPr id="13" name="Picture 2" descr="C:\Users\Lisa\Downloads\noun_88101_cc.png"/>
-          <p:cNvPicPr>
-            <a:picLocks noChangeAspect="1" noChangeArrowheads="1"/>
-          </p:cNvPicPr>
-          <p:nvPr/>
-        </p:nvPicPr>
-        <p:blipFill rotWithShape="1">
-          <a:blip r:embed="rId2" cstate="print">
-            <a:extLst>
-              <a:ext uri="{28A0092B-C50C-407E-A947-70E740481C1C}">
-                <a14:useLocalDpi xmlns:a14="http://schemas.microsoft.com/office/drawing/2010/main" val="0"/>
-              </a:ext>
-            </a:extLst>
-          </a:blip>
-          <a:srcRect b="15842"/>
-          <a:stretch/>
-        </p:blipFill>
-        <p:spPr bwMode="auto">
-          <a:xfrm>
-            <a:off x="2232209" y="856595"/>
-            <a:ext cx="738024" cy="621105"/>
-          </a:xfrm>
-          <a:prstGeom prst="rect">
-            <a:avLst/>
-          </a:prstGeom>
-          <a:noFill/>
-          <a:extLst>
-            <a:ext uri="{909E8E84-426E-40dd-AFC4-6F175D3DCCD1}">
-              <a14:hiddenFill xmlns:a14="http://schemas.microsoft.com/office/drawing/2010/main">
-                <a:solidFill>
-                  <a:srgbClr val="FFFFFF"/>
-                </a:solidFill>
-              </a14:hiddenFill>
-            </a:ext>
-          </a:extLst>
-        </p:spPr>
-      </p:pic>
       <p:grpSp>
         <p:nvGrpSpPr>
           <p:cNvPr id="14" name="Grouper 13"/>
@@ -11888,7 +14304,7 @@
             <p:nvPr/>
           </p:nvPicPr>
           <p:blipFill>
-            <a:blip r:embed="rId7">
+            <a:blip r:embed="rId6">
               <a:extLst>
                 <a:ext uri="{28A0092B-C50C-407E-A947-70E740481C1C}">
                   <a14:useLocalDpi xmlns:a14="http://schemas.microsoft.com/office/drawing/2010/main" val="0"/>
@@ -11952,7 +14368,7 @@
             <p:nvPr/>
           </p:nvPicPr>
           <p:blipFill rotWithShape="1">
-            <a:blip r:embed="rId6" cstate="print">
+            <a:blip r:embed="rId5" cstate="print">
               <a:extLst>
                 <a:ext uri="{28A0092B-C50C-407E-A947-70E740481C1C}">
                   <a14:useLocalDpi xmlns:a14="http://schemas.microsoft.com/office/drawing/2010/main" val="0"/>
@@ -12641,7 +15057,7 @@
         </p:nvCxnSpPr>
         <p:spPr>
           <a:xfrm flipH="1">
-            <a:off x="3508200" y="2048807"/>
+            <a:off x="4343185" y="2192740"/>
             <a:ext cx="3528392" cy="0"/>
           </a:xfrm>
           <a:prstGeom prst="straightConnector1">
@@ -12674,7 +15090,7 @@
         </p:nvSpPr>
         <p:spPr>
           <a:xfrm>
-            <a:off x="3528250" y="1384455"/>
+            <a:off x="3909136" y="1360823"/>
             <a:ext cx="3642562" cy="646331"/>
           </a:xfrm>
           <a:prstGeom prst="rect">
@@ -12743,27 +15159,22 @@
       </p:sp>
       <p:sp>
         <p:nvSpPr>
-          <p:cNvPr id="37" name="ZoneTexte 36"/>
+          <p:cNvPr id="39" name="ZoneTexte 38"/>
           <p:cNvSpPr txBox="1"/>
           <p:nvPr/>
         </p:nvSpPr>
         <p:spPr>
           <a:xfrm>
-            <a:off x="2264309" y="4988504"/>
-            <a:ext cx="765921" cy="1200629"/>
+            <a:off x="1509797" y="4541819"/>
+            <a:ext cx="1075913" cy="600195"/>
           </a:xfrm>
           <a:prstGeom prst="rect">
             <a:avLst/>
           </a:prstGeom>
-          <a:solidFill>
-            <a:schemeClr val="accent2">
-              <a:lumMod val="20000"/>
-              <a:lumOff val="80000"/>
-            </a:schemeClr>
-          </a:solidFill>
+          <a:noFill/>
           <a:ln>
             <a:solidFill>
-              <a:srgbClr val="FF0000"/>
+              <a:schemeClr val="tx1"/>
             </a:solidFill>
           </a:ln>
         </p:spPr>
@@ -12775,90 +15186,60 @@
           <a:p>
             <a:pPr algn="ctr"/>
             <a:r>
-              <a:rPr lang="fr-FR" sz="800" b="1" dirty="0" smtClean="0"/>
-              <a:t>Utilisateurs (1) </a:t>
-            </a:r>
+              <a:rPr lang="fr-FR" sz="800" b="1" smtClean="0"/>
+              <a:t>Donnees_Chiffrees</a:t>
+            </a:r>
+          </a:p>
+          <a:p>
+            <a:pPr algn="ctr"/>
+            <a:r>
+              <a:rPr lang="fr-FR" sz="800" smtClean="0"/>
+              <a:t>(seuls dispo local)</a:t>
+            </a:r>
+          </a:p>
+          <a:p>
+            <a:pPr algn="ctr"/>
+            <a:endParaRPr lang="fr-FR" sz="400"/>
+          </a:p>
+          <a:p>
+            <a:r>
+              <a:rPr lang="fr-FR" sz="800" i="1" smtClean="0"/>
+              <a:t>Type</a:t>
+            </a:r>
+          </a:p>
+          <a:p>
+            <a:r>
+              <a:rPr lang="fr-FR" sz="800" smtClean="0"/>
+              <a:t>Valeur_Chiffree</a:t>
+            </a:r>
+          </a:p>
+          <a:p>
+            <a:endParaRPr lang="fr-FR" sz="800" dirty="0" smtClean="0"/>
           </a:p>
           <a:p>
             <a:pPr algn="ctr"/>
             <a:endParaRPr lang="fr-FR" sz="800" b="1" dirty="0"/>
-          </a:p>
-          <a:p>
-            <a:r>
-              <a:rPr lang="fr-FR" sz="800" b="1" dirty="0" smtClean="0"/>
-              <a:t>Login</a:t>
-            </a:r>
-          </a:p>
-          <a:p>
-            <a:r>
-              <a:rPr lang="fr-FR" sz="800" dirty="0" smtClean="0"/>
-              <a:t>H(</a:t>
-            </a:r>
-            <a:r>
-              <a:rPr lang="fr-FR" sz="800" dirty="0" err="1" smtClean="0"/>
-              <a:t>Password</a:t>
-            </a:r>
-            <a:r>
-              <a:rPr lang="fr-FR" sz="800" dirty="0" smtClean="0"/>
-              <a:t>)</a:t>
-            </a:r>
-          </a:p>
-          <a:p>
-            <a:r>
-              <a:rPr lang="fr-FR" sz="800" noProof="1"/>
-              <a:t>IP</a:t>
-            </a:r>
-          </a:p>
-          <a:p>
-            <a:r>
-              <a:rPr lang="fr-FR" sz="800" noProof="1"/>
-              <a:t>Port</a:t>
-            </a:r>
-          </a:p>
-          <a:p>
-            <a:r>
-              <a:rPr lang="fr-FR" sz="800" i="1" noProof="1"/>
-              <a:t>Frontale</a:t>
-            </a:r>
-            <a:endParaRPr lang="fr-FR" sz="800" dirty="0"/>
-          </a:p>
-          <a:p>
-            <a:r>
-              <a:rPr lang="fr-FR" sz="800" i="1" noProof="1"/>
-              <a:t>ID_Statut</a:t>
-            </a:r>
-          </a:p>
-          <a:p>
-            <a:r>
-              <a:rPr lang="fr-FR" sz="800" i="1" noProof="1"/>
-              <a:t>ID_Affectation</a:t>
-            </a:r>
           </a:p>
         </p:txBody>
       </p:sp>
       <p:sp>
         <p:nvSpPr>
-          <p:cNvPr id="38" name="ZoneTexte 37"/>
+          <p:cNvPr id="40" name="ZoneTexte 39"/>
           <p:cNvSpPr txBox="1"/>
           <p:nvPr/>
         </p:nvSpPr>
         <p:spPr>
           <a:xfrm>
-            <a:off x="3142521" y="4988504"/>
-            <a:ext cx="686576" cy="563642"/>
+            <a:off x="4385910" y="4524038"/>
+            <a:ext cx="1092021" cy="635757"/>
           </a:xfrm>
           <a:prstGeom prst="rect">
             <a:avLst/>
           </a:prstGeom>
-          <a:solidFill>
-            <a:schemeClr val="accent2">
-              <a:lumMod val="20000"/>
-              <a:lumOff val="80000"/>
-            </a:schemeClr>
-          </a:solidFill>
+          <a:noFill/>
           <a:ln>
             <a:solidFill>
-              <a:srgbClr val="FF0000"/>
+              <a:schemeClr val="tx1"/>
             </a:solidFill>
           </a:ln>
         </p:spPr>
@@ -12870,10 +15251,294 @@
           <a:p>
             <a:pPr algn="ctr"/>
             <a:r>
+              <a:rPr lang="fr-FR" sz="800" b="1" dirty="0" err="1" smtClean="0"/>
+              <a:t>Cles_Types</a:t>
+            </a:r>
+            <a:endParaRPr lang="fr-FR" sz="800" b="1" dirty="0" smtClean="0"/>
+          </a:p>
+          <a:p>
+            <a:pPr algn="ctr"/>
+            <a:endParaRPr lang="fr-FR" sz="500" b="1" dirty="0" smtClean="0"/>
+          </a:p>
+          <a:p>
+            <a:r>
+              <a:rPr lang="fr-FR" sz="800" i="1" dirty="0" smtClean="0"/>
+              <a:t>Type</a:t>
+            </a:r>
+          </a:p>
+          <a:p>
+            <a:r>
+              <a:rPr lang="fr-FR" sz="800" dirty="0" err="1" smtClean="0"/>
+              <a:t>Cred_Auto_Ref</a:t>
+            </a:r>
+            <a:endParaRPr lang="fr-FR" sz="800" dirty="0" smtClean="0"/>
+          </a:p>
+          <a:p>
+            <a:r>
+              <a:rPr lang="fr-FR" sz="800" dirty="0" err="1" smtClean="0"/>
+              <a:t>E_Cred_Ksec</a:t>
+            </a:r>
+            <a:endParaRPr lang="fr-FR" sz="800" dirty="0" smtClean="0"/>
+          </a:p>
+          <a:p>
+            <a:endParaRPr lang="fr-FR" sz="800" dirty="0" smtClean="0"/>
+          </a:p>
+          <a:p>
+            <a:pPr algn="ctr"/>
+            <a:endParaRPr lang="fr-FR" sz="800" b="1" dirty="0"/>
+          </a:p>
+        </p:txBody>
+      </p:sp>
+      <p:sp>
+        <p:nvSpPr>
+          <p:cNvPr id="41" name="ZoneTexte 40"/>
+          <p:cNvSpPr txBox="1"/>
+          <p:nvPr/>
+        </p:nvSpPr>
+        <p:spPr>
+          <a:xfrm>
+            <a:off x="3111681" y="4541819"/>
+            <a:ext cx="748258" cy="600195"/>
+          </a:xfrm>
+          <a:prstGeom prst="rect">
+            <a:avLst/>
+          </a:prstGeom>
+          <a:noFill/>
+          <a:ln>
+            <a:solidFill>
+              <a:schemeClr val="tx1"/>
+            </a:solidFill>
+          </a:ln>
+        </p:spPr>
+        <p:txBody>
+          <a:bodyPr wrap="square" lIns="36000" tIns="36000" rIns="36000" bIns="36000" rtlCol="0">
+            <a:noAutofit/>
+          </a:bodyPr>
+          <a:lstStyle/>
+          <a:p>
+            <a:pPr algn="ctr"/>
+            <a:r>
+              <a:rPr lang="fr-FR" sz="800" b="1" dirty="0" smtClean="0"/>
+              <a:t>Types</a:t>
+            </a:r>
+          </a:p>
+          <a:p>
+            <a:pPr algn="ctr"/>
+            <a:endParaRPr lang="fr-FR" sz="800" i="1" dirty="0" smtClean="0"/>
+          </a:p>
+          <a:p>
+            <a:r>
+              <a:rPr lang="fr-FR" sz="800" b="1" dirty="0" smtClean="0"/>
+              <a:t>Type</a:t>
+            </a:r>
+          </a:p>
+          <a:p>
+            <a:r>
+              <a:rPr lang="fr-FR" sz="800" dirty="0" err="1" smtClean="0"/>
+              <a:t>Meta_Chiffrees</a:t>
+            </a:r>
+            <a:endParaRPr lang="fr-FR" sz="800" dirty="0" smtClean="0"/>
+          </a:p>
+          <a:p>
+            <a:pPr algn="ctr"/>
+            <a:endParaRPr lang="fr-FR" sz="800" b="1" dirty="0"/>
+          </a:p>
+        </p:txBody>
+      </p:sp>
+      <p:cxnSp>
+        <p:nvCxnSpPr>
+          <p:cNvPr id="42" name="Connecteur droit 41"/>
+          <p:cNvCxnSpPr>
+            <a:stCxn id="39" idx="3"/>
+            <a:endCxn id="41" idx="1"/>
+          </p:cNvCxnSpPr>
+          <p:nvPr/>
+        </p:nvCxnSpPr>
+        <p:spPr>
+          <a:xfrm>
+            <a:off x="2585710" y="4841917"/>
+            <a:ext cx="525971" cy="0"/>
+          </a:xfrm>
+          <a:prstGeom prst="line">
+            <a:avLst/>
+          </a:prstGeom>
+          <a:ln w="3175" cmpd="sng">
+            <a:solidFill>
+              <a:srgbClr val="000000"/>
+            </a:solidFill>
+            <a:headEnd type="none"/>
+            <a:tailEnd type="triangle"/>
+          </a:ln>
+        </p:spPr>
+        <p:style>
+          <a:lnRef idx="2">
+            <a:schemeClr val="accent1"/>
+          </a:lnRef>
+          <a:fillRef idx="0">
+            <a:schemeClr val="accent1"/>
+          </a:fillRef>
+          <a:effectRef idx="1">
+            <a:schemeClr val="accent1"/>
+          </a:effectRef>
+          <a:fontRef idx="minor">
+            <a:schemeClr val="tx1"/>
+          </a:fontRef>
+        </p:style>
+      </p:cxnSp>
+      <p:cxnSp>
+        <p:nvCxnSpPr>
+          <p:cNvPr id="43" name="Connecteur droit 42"/>
+          <p:cNvCxnSpPr>
+            <a:stCxn id="40" idx="1"/>
+            <a:endCxn id="41" idx="3"/>
+          </p:cNvCxnSpPr>
+          <p:nvPr/>
+        </p:nvCxnSpPr>
+        <p:spPr>
+          <a:xfrm flipH="1">
+            <a:off x="3859939" y="4841917"/>
+            <a:ext cx="525971" cy="0"/>
+          </a:xfrm>
+          <a:prstGeom prst="line">
+            <a:avLst/>
+          </a:prstGeom>
+          <a:ln w="3175" cmpd="sng">
+            <a:solidFill>
+              <a:srgbClr val="000000"/>
+            </a:solidFill>
+            <a:headEnd type="none"/>
+            <a:tailEnd type="triangle"/>
+          </a:ln>
+        </p:spPr>
+        <p:style>
+          <a:lnRef idx="2">
+            <a:schemeClr val="accent1"/>
+          </a:lnRef>
+          <a:fillRef idx="0">
+            <a:schemeClr val="accent1"/>
+          </a:fillRef>
+          <a:effectRef idx="1">
+            <a:schemeClr val="accent1"/>
+          </a:effectRef>
+          <a:fontRef idx="minor">
+            <a:schemeClr val="tx1"/>
+          </a:fontRef>
+        </p:style>
+      </p:cxnSp>
+      <p:sp>
+        <p:nvSpPr>
+          <p:cNvPr id="57" name="ZoneTexte 56"/>
+          <p:cNvSpPr txBox="1"/>
+          <p:nvPr/>
+        </p:nvSpPr>
+        <p:spPr>
+          <a:xfrm>
+            <a:off x="1447484" y="524353"/>
+            <a:ext cx="1092021" cy="1060487"/>
+          </a:xfrm>
+          <a:prstGeom prst="rect">
+            <a:avLst/>
+          </a:prstGeom>
+          <a:noFill/>
+          <a:ln>
+            <a:solidFill>
+              <a:schemeClr val="tx1"/>
+            </a:solidFill>
+          </a:ln>
+        </p:spPr>
+        <p:txBody>
+          <a:bodyPr wrap="square" lIns="36000" tIns="36000" rIns="36000" bIns="36000" rtlCol="0">
+            <a:noAutofit/>
+          </a:bodyPr>
+          <a:lstStyle/>
+          <a:p>
+            <a:pPr algn="ctr"/>
+            <a:r>
               <a:rPr lang="fr-FR" sz="800" b="1" smtClean="0"/>
-              <a:t>Frontales (1)</a:t>
-            </a:r>
-            <a:endParaRPr lang="fr-FR" sz="800" b="1" dirty="0" smtClean="0"/>
+              <a:t>Donnees_Chiffrees</a:t>
+            </a:r>
+          </a:p>
+          <a:p>
+            <a:pPr algn="ctr"/>
+            <a:endParaRPr lang="fr-FR" sz="800" b="1"/>
+          </a:p>
+          <a:p>
+            <a:r>
+              <a:rPr lang="fr-FR" sz="800" b="1" smtClean="0"/>
+              <a:t>RefBD</a:t>
+            </a:r>
+          </a:p>
+          <a:p>
+            <a:r>
+              <a:rPr lang="fr-FR" sz="800" i="1" smtClean="0"/>
+              <a:t>Type</a:t>
+            </a:r>
+          </a:p>
+          <a:p>
+            <a:r>
+              <a:rPr lang="fr-FR" sz="800" smtClean="0"/>
+              <a:t>Valeur_Chiffree</a:t>
+            </a:r>
+          </a:p>
+          <a:p>
+            <a:r>
+              <a:rPr lang="fr-FR" sz="800" smtClean="0"/>
+              <a:t>Meta_Chiffrees</a:t>
+            </a:r>
+          </a:p>
+          <a:p>
+            <a:r>
+              <a:rPr lang="fr-FR" sz="800" smtClean="0"/>
+              <a:t>Statut_Gen</a:t>
+            </a:r>
+          </a:p>
+          <a:p>
+            <a:r>
+              <a:rPr lang="fr-FR" sz="800" smtClean="0"/>
+              <a:t>Affect_Gen</a:t>
+            </a:r>
+          </a:p>
+          <a:p>
+            <a:endParaRPr lang="fr-FR" sz="800" dirty="0" smtClean="0"/>
+          </a:p>
+          <a:p>
+            <a:pPr algn="ctr"/>
+            <a:endParaRPr lang="fr-FR" sz="800" b="1" dirty="0"/>
+          </a:p>
+        </p:txBody>
+      </p:sp>
+      <p:sp>
+        <p:nvSpPr>
+          <p:cNvPr id="58" name="ZoneTexte 57"/>
+          <p:cNvSpPr txBox="1"/>
+          <p:nvPr/>
+        </p:nvSpPr>
+        <p:spPr>
+          <a:xfrm>
+            <a:off x="1447484" y="2597402"/>
+            <a:ext cx="1092021" cy="835272"/>
+          </a:xfrm>
+          <a:prstGeom prst="rect">
+            <a:avLst/>
+          </a:prstGeom>
+          <a:noFill/>
+          <a:ln>
+            <a:solidFill>
+              <a:schemeClr val="tx1"/>
+            </a:solidFill>
+          </a:ln>
+        </p:spPr>
+        <p:txBody>
+          <a:bodyPr wrap="square" lIns="36000" tIns="36000" rIns="36000" bIns="36000" rtlCol="0">
+            <a:noAutofit/>
+          </a:bodyPr>
+          <a:lstStyle/>
+          <a:p>
+            <a:pPr algn="ctr"/>
+            <a:r>
+              <a:rPr lang="fr-FR" sz="800" b="1" smtClean="0"/>
+              <a:t>Cles_Types</a:t>
+            </a:r>
           </a:p>
           <a:p>
             <a:pPr algn="ctr"/>
@@ -12881,6 +15546,206 @@
           </a:p>
           <a:p>
             <a:r>
+              <a:rPr lang="fr-FR" sz="800" b="1" smtClean="0"/>
+              <a:t>ID_Cred</a:t>
+            </a:r>
+          </a:p>
+          <a:p>
+            <a:r>
+              <a:rPr lang="fr-FR" sz="800" smtClean="0"/>
+              <a:t>Cred_Auto_Ref</a:t>
+            </a:r>
+          </a:p>
+          <a:p>
+            <a:r>
+              <a:rPr lang="fr-FR" sz="800" smtClean="0"/>
+              <a:t>E_Cred_Ksec</a:t>
+            </a:r>
+          </a:p>
+          <a:p>
+            <a:endParaRPr lang="fr-FR" sz="800" dirty="0" smtClean="0"/>
+          </a:p>
+          <a:p>
+            <a:pPr algn="ctr"/>
+            <a:endParaRPr lang="fr-FR" sz="800" b="1" dirty="0"/>
+          </a:p>
+        </p:txBody>
+      </p:sp>
+      <p:sp>
+        <p:nvSpPr>
+          <p:cNvPr id="59" name="ZoneTexte 58"/>
+          <p:cNvSpPr txBox="1"/>
+          <p:nvPr/>
+        </p:nvSpPr>
+        <p:spPr>
+          <a:xfrm>
+            <a:off x="1718641" y="1805277"/>
+            <a:ext cx="554881" cy="542844"/>
+          </a:xfrm>
+          <a:prstGeom prst="rect">
+            <a:avLst/>
+          </a:prstGeom>
+          <a:noFill/>
+          <a:ln>
+            <a:solidFill>
+              <a:schemeClr val="tx1"/>
+            </a:solidFill>
+          </a:ln>
+        </p:spPr>
+        <p:txBody>
+          <a:bodyPr wrap="square" lIns="36000" tIns="36000" rIns="36000" bIns="36000" rtlCol="0">
+            <a:noAutofit/>
+          </a:bodyPr>
+          <a:lstStyle/>
+          <a:p>
+            <a:pPr algn="ctr"/>
+            <a:r>
+              <a:rPr lang="fr-FR" sz="800" b="1" smtClean="0"/>
+              <a:t>Liens</a:t>
+            </a:r>
+          </a:p>
+          <a:p>
+            <a:pPr algn="ctr"/>
+            <a:endParaRPr lang="fr-FR" sz="800" b="1"/>
+          </a:p>
+          <a:p>
+            <a:r>
+              <a:rPr lang="fr-FR" sz="800" i="1" smtClean="0"/>
+              <a:t>RefBD</a:t>
+            </a:r>
+          </a:p>
+          <a:p>
+            <a:r>
+              <a:rPr lang="fr-FR" sz="800" i="1" smtClean="0"/>
+              <a:t>ID_Cred</a:t>
+            </a:r>
+            <a:endParaRPr lang="fr-FR" sz="800" i="1" dirty="0" smtClean="0"/>
+          </a:p>
+          <a:p>
+            <a:pPr algn="ctr"/>
+            <a:endParaRPr lang="fr-FR" sz="800" b="1" dirty="0"/>
+          </a:p>
+        </p:txBody>
+      </p:sp>
+      <p:cxnSp>
+        <p:nvCxnSpPr>
+          <p:cNvPr id="60" name="Connecteur droit 59"/>
+          <p:cNvCxnSpPr>
+            <a:stCxn id="59" idx="0"/>
+            <a:endCxn id="57" idx="2"/>
+          </p:cNvCxnSpPr>
+          <p:nvPr/>
+        </p:nvCxnSpPr>
+        <p:spPr>
+          <a:xfrm flipH="1" flipV="1">
+            <a:off x="1993495" y="1584840"/>
+            <a:ext cx="2587" cy="220437"/>
+          </a:xfrm>
+          <a:prstGeom prst="line">
+            <a:avLst/>
+          </a:prstGeom>
+          <a:ln w="3175" cmpd="sng">
+            <a:solidFill>
+              <a:srgbClr val="000000"/>
+            </a:solidFill>
+            <a:headEnd type="none"/>
+            <a:tailEnd type="triangle"/>
+          </a:ln>
+        </p:spPr>
+        <p:style>
+          <a:lnRef idx="2">
+            <a:schemeClr val="accent1"/>
+          </a:lnRef>
+          <a:fillRef idx="0">
+            <a:schemeClr val="accent1"/>
+          </a:fillRef>
+          <a:effectRef idx="1">
+            <a:schemeClr val="accent1"/>
+          </a:effectRef>
+          <a:fontRef idx="minor">
+            <a:schemeClr val="tx1"/>
+          </a:fontRef>
+        </p:style>
+      </p:cxnSp>
+      <p:cxnSp>
+        <p:nvCxnSpPr>
+          <p:cNvPr id="61" name="Connecteur droit 60"/>
+          <p:cNvCxnSpPr>
+            <a:stCxn id="59" idx="2"/>
+            <a:endCxn id="58" idx="0"/>
+          </p:cNvCxnSpPr>
+          <p:nvPr/>
+        </p:nvCxnSpPr>
+        <p:spPr>
+          <a:xfrm flipH="1">
+            <a:off x="1993495" y="2348121"/>
+            <a:ext cx="2587" cy="249281"/>
+          </a:xfrm>
+          <a:prstGeom prst="line">
+            <a:avLst/>
+          </a:prstGeom>
+          <a:ln w="3175" cmpd="sng">
+            <a:solidFill>
+              <a:srgbClr val="000000"/>
+            </a:solidFill>
+            <a:headEnd type="none"/>
+            <a:tailEnd type="triangle"/>
+          </a:ln>
+        </p:spPr>
+        <p:style>
+          <a:lnRef idx="2">
+            <a:schemeClr val="accent1"/>
+          </a:lnRef>
+          <a:fillRef idx="0">
+            <a:schemeClr val="accent1"/>
+          </a:fillRef>
+          <a:effectRef idx="1">
+            <a:schemeClr val="accent1"/>
+          </a:effectRef>
+          <a:fontRef idx="minor">
+            <a:schemeClr val="tx1"/>
+          </a:fontRef>
+        </p:style>
+      </p:cxnSp>
+      <p:sp>
+        <p:nvSpPr>
+          <p:cNvPr id="62" name="ZoneTexte 61"/>
+          <p:cNvSpPr txBox="1"/>
+          <p:nvPr/>
+        </p:nvSpPr>
+        <p:spPr>
+          <a:xfrm>
+            <a:off x="386107" y="524353"/>
+            <a:ext cx="849350" cy="831993"/>
+          </a:xfrm>
+          <a:prstGeom prst="rect">
+            <a:avLst/>
+          </a:prstGeom>
+          <a:noFill/>
+          <a:ln>
+            <a:solidFill>
+              <a:schemeClr val="tx1"/>
+            </a:solidFill>
+          </a:ln>
+        </p:spPr>
+        <p:txBody>
+          <a:bodyPr wrap="square" lIns="36000" tIns="36000" rIns="36000" bIns="36000" rtlCol="0">
+            <a:noAutofit/>
+          </a:bodyPr>
+          <a:lstStyle/>
+          <a:p>
+            <a:pPr algn="ctr"/>
+            <a:r>
+              <a:rPr lang="fr-FR" sz="800" b="1" smtClean="0"/>
+              <a:t>Utilisateurs</a:t>
+            </a:r>
+          </a:p>
+          <a:p>
+            <a:pPr algn="ctr"/>
+            <a:endParaRPr lang="fr-FR" sz="800" b="1"/>
+          </a:p>
+          <a:p>
+            <a:r>
               <a:rPr lang="fr-FR" sz="800" smtClean="0"/>
               <a:t>IP</a:t>
             </a:r>
@@ -12892,11 +15757,396 @@
             </a:r>
           </a:p>
           <a:p>
+            <a:r>
+              <a:rPr lang="fr-FR" sz="800" smtClean="0"/>
+              <a:t>Statut_Gen</a:t>
+            </a:r>
+          </a:p>
+          <a:p>
+            <a:r>
+              <a:rPr lang="fr-FR" sz="800" smtClean="0"/>
+              <a:t>Affect_Gen</a:t>
+            </a:r>
+          </a:p>
+          <a:p>
+            <a:endParaRPr lang="fr-FR" sz="800" smtClean="0"/>
+          </a:p>
+          <a:p>
             <a:pPr algn="ctr"/>
             <a:endParaRPr lang="fr-FR" sz="800" b="1" dirty="0"/>
           </a:p>
         </p:txBody>
       </p:sp>
+      <p:sp>
+        <p:nvSpPr>
+          <p:cNvPr id="63" name="ZoneTexte 62"/>
+          <p:cNvSpPr txBox="1"/>
+          <p:nvPr/>
+        </p:nvSpPr>
+        <p:spPr>
+          <a:xfrm>
+            <a:off x="2678900" y="1805277"/>
+            <a:ext cx="849350" cy="546076"/>
+          </a:xfrm>
+          <a:prstGeom prst="rect">
+            <a:avLst/>
+          </a:prstGeom>
+          <a:noFill/>
+          <a:ln>
+            <a:solidFill>
+              <a:schemeClr val="tx1"/>
+            </a:solidFill>
+          </a:ln>
+        </p:spPr>
+        <p:txBody>
+          <a:bodyPr wrap="square" lIns="36000" tIns="36000" rIns="36000" bIns="36000" rtlCol="0">
+            <a:noAutofit/>
+          </a:bodyPr>
+          <a:lstStyle/>
+          <a:p>
+            <a:pPr algn="ctr"/>
+            <a:r>
+              <a:rPr lang="fr-FR" sz="800" b="1" smtClean="0"/>
+              <a:t>Server</a:t>
+            </a:r>
+            <a:endParaRPr lang="fr-FR" sz="800" b="1" dirty="0" smtClean="0"/>
+          </a:p>
+          <a:p>
+            <a:pPr algn="ctr"/>
+            <a:endParaRPr lang="fr-FR" sz="800" b="1" smtClean="0"/>
+          </a:p>
+          <a:p>
+            <a:r>
+              <a:rPr lang="fr-FR" sz="800" smtClean="0"/>
+              <a:t>IP</a:t>
+            </a:r>
+          </a:p>
+          <a:p>
+            <a:r>
+              <a:rPr lang="fr-FR" sz="800" smtClean="0"/>
+              <a:t>Port</a:t>
+            </a:r>
+          </a:p>
+          <a:p>
+            <a:pPr algn="ctr"/>
+            <a:endParaRPr lang="fr-FR" sz="800" b="1" dirty="0"/>
+          </a:p>
+        </p:txBody>
+      </p:sp>
+      <p:sp>
+        <p:nvSpPr>
+          <p:cNvPr id="64" name="ZoneTexte 63"/>
+          <p:cNvSpPr txBox="1"/>
+          <p:nvPr/>
+        </p:nvSpPr>
+        <p:spPr>
+          <a:xfrm>
+            <a:off x="381395" y="1495813"/>
+            <a:ext cx="842063" cy="983210"/>
+          </a:xfrm>
+          <a:prstGeom prst="rect">
+            <a:avLst/>
+          </a:prstGeom>
+          <a:noFill/>
+          <a:ln>
+            <a:solidFill>
+              <a:schemeClr val="tx1"/>
+            </a:solidFill>
+          </a:ln>
+        </p:spPr>
+        <p:txBody>
+          <a:bodyPr wrap="square" lIns="36000" tIns="36000" rIns="36000" bIns="36000" rtlCol="0">
+            <a:noAutofit/>
+          </a:bodyPr>
+          <a:lstStyle/>
+          <a:p>
+            <a:pPr algn="ctr"/>
+            <a:r>
+              <a:rPr lang="fr-FR" sz="800" b="1" smtClean="0"/>
+              <a:t>Frontale (1)</a:t>
+            </a:r>
+            <a:endParaRPr lang="fr-FR" sz="800" b="1" dirty="0" smtClean="0"/>
+          </a:p>
+          <a:p>
+            <a:pPr algn="ctr"/>
+            <a:endParaRPr lang="fr-FR" sz="800" b="1" dirty="0" smtClean="0"/>
+          </a:p>
+          <a:p>
+            <a:r>
+              <a:rPr lang="fr-FR" sz="800" b="1" smtClean="0"/>
+              <a:t>Frontale</a:t>
+            </a:r>
+          </a:p>
+          <a:p>
+            <a:r>
+              <a:rPr lang="fr-FR" sz="800" dirty="0" smtClean="0"/>
+              <a:t>IP</a:t>
+            </a:r>
+          </a:p>
+          <a:p>
+            <a:r>
+              <a:rPr lang="fr-FR" sz="800" smtClean="0"/>
+              <a:t>Famille</a:t>
+            </a:r>
+          </a:p>
+          <a:p>
+            <a:r>
+              <a:rPr lang="fr-FR" sz="800" smtClean="0"/>
+              <a:t>InternalPort</a:t>
+            </a:r>
+          </a:p>
+          <a:p>
+            <a:r>
+              <a:rPr lang="fr-FR" sz="800" smtClean="0"/>
+              <a:t>ExternalPort</a:t>
+            </a:r>
+          </a:p>
+          <a:p>
+            <a:endParaRPr lang="fr-FR" sz="800" dirty="0" smtClean="0"/>
+          </a:p>
+          <a:p>
+            <a:pPr algn="ctr"/>
+            <a:endParaRPr lang="fr-FR" sz="800" b="1" dirty="0"/>
+          </a:p>
+        </p:txBody>
+      </p:sp>
+      <p:sp>
+        <p:nvSpPr>
+          <p:cNvPr id="65" name="ZoneTexte 64"/>
+          <p:cNvSpPr txBox="1"/>
+          <p:nvPr/>
+        </p:nvSpPr>
+        <p:spPr>
+          <a:xfrm>
+            <a:off x="2686187" y="524353"/>
+            <a:ext cx="842063" cy="983210"/>
+          </a:xfrm>
+          <a:prstGeom prst="rect">
+            <a:avLst/>
+          </a:prstGeom>
+          <a:noFill/>
+          <a:ln>
+            <a:solidFill>
+              <a:schemeClr val="tx1"/>
+            </a:solidFill>
+          </a:ln>
+        </p:spPr>
+        <p:txBody>
+          <a:bodyPr wrap="square" lIns="36000" tIns="36000" rIns="36000" bIns="36000" rtlCol="0">
+            <a:noAutofit/>
+          </a:bodyPr>
+          <a:lstStyle/>
+          <a:p>
+            <a:pPr algn="ctr"/>
+            <a:r>
+              <a:rPr lang="fr-FR" sz="800" b="1" smtClean="0"/>
+              <a:t>Frontales</a:t>
+            </a:r>
+            <a:endParaRPr lang="fr-FR" sz="800" b="1" dirty="0" smtClean="0"/>
+          </a:p>
+          <a:p>
+            <a:pPr algn="ctr"/>
+            <a:endParaRPr lang="fr-FR" sz="800" b="1" dirty="0" smtClean="0"/>
+          </a:p>
+          <a:p>
+            <a:r>
+              <a:rPr lang="fr-FR" sz="800" b="1" smtClean="0"/>
+              <a:t>Frontale</a:t>
+            </a:r>
+          </a:p>
+          <a:p>
+            <a:r>
+              <a:rPr lang="fr-FR" sz="800" dirty="0" smtClean="0"/>
+              <a:t>IP</a:t>
+            </a:r>
+          </a:p>
+          <a:p>
+            <a:r>
+              <a:rPr lang="fr-FR" sz="800" smtClean="0"/>
+              <a:t>Famille</a:t>
+            </a:r>
+          </a:p>
+          <a:p>
+            <a:r>
+              <a:rPr lang="fr-FR" sz="800" smtClean="0"/>
+              <a:t>InternalPort</a:t>
+            </a:r>
+          </a:p>
+          <a:p>
+            <a:r>
+              <a:rPr lang="fr-FR" sz="800" smtClean="0"/>
+              <a:t>ExternalPort</a:t>
+            </a:r>
+          </a:p>
+          <a:p>
+            <a:endParaRPr lang="fr-FR" sz="800" dirty="0" smtClean="0"/>
+          </a:p>
+          <a:p>
+            <a:pPr algn="ctr"/>
+            <a:endParaRPr lang="fr-FR" sz="800" b="1" dirty="0"/>
+          </a:p>
+        </p:txBody>
+      </p:sp>
+      <p:sp>
+        <p:nvSpPr>
+          <p:cNvPr id="47" name="ZoneTexte 46"/>
+          <p:cNvSpPr txBox="1"/>
+          <p:nvPr/>
+        </p:nvSpPr>
+        <p:spPr>
+          <a:xfrm>
+            <a:off x="5818576" y="4507963"/>
+            <a:ext cx="748258" cy="719148"/>
+          </a:xfrm>
+          <a:prstGeom prst="rect">
+            <a:avLst/>
+          </a:prstGeom>
+          <a:noFill/>
+          <a:ln>
+            <a:solidFill>
+              <a:schemeClr val="tx1"/>
+            </a:solidFill>
+          </a:ln>
+        </p:spPr>
+        <p:txBody>
+          <a:bodyPr wrap="square" lIns="36000" tIns="36000" rIns="36000" bIns="36000" rtlCol="0">
+            <a:noAutofit/>
+          </a:bodyPr>
+          <a:lstStyle/>
+          <a:p>
+            <a:pPr algn="ctr"/>
+            <a:r>
+              <a:rPr lang="fr-FR" sz="800" b="1" dirty="0" smtClean="0"/>
+              <a:t>Utilisateurs(1)</a:t>
+            </a:r>
+          </a:p>
+          <a:p>
+            <a:pPr algn="ctr"/>
+            <a:endParaRPr lang="fr-FR" sz="500" i="1" dirty="0" smtClean="0"/>
+          </a:p>
+          <a:p>
+            <a:r>
+              <a:rPr lang="fr-FR" sz="800" noProof="1"/>
+              <a:t>IP</a:t>
+            </a:r>
+          </a:p>
+          <a:p>
+            <a:r>
+              <a:rPr lang="fr-FR" sz="800" noProof="1"/>
+              <a:t>Port</a:t>
+            </a:r>
+          </a:p>
+          <a:p>
+            <a:r>
+              <a:rPr lang="fr-FR" sz="800" dirty="0" err="1"/>
+              <a:t>Statut_Gen</a:t>
+            </a:r>
+          </a:p>
+          <a:p>
+            <a:r>
+              <a:rPr lang="fr-FR" sz="800"/>
+              <a:t>Affect_Gen</a:t>
+            </a:r>
+            <a:endParaRPr lang="fr-FR" sz="800" noProof="1"/>
+          </a:p>
+          <a:p>
+            <a:endParaRPr lang="fr-FR" sz="800" b="1" dirty="0"/>
+          </a:p>
+        </p:txBody>
+      </p:sp>
+      <p:grpSp>
+        <p:nvGrpSpPr>
+          <p:cNvPr id="49" name="Grouper 48"/>
+          <p:cNvGrpSpPr/>
+          <p:nvPr/>
+        </p:nvGrpSpPr>
+        <p:grpSpPr>
+          <a:xfrm>
+            <a:off x="5389116" y="2895601"/>
+            <a:ext cx="1607177" cy="1209763"/>
+            <a:chOff x="6813030" y="4471367"/>
+            <a:chExt cx="1552931" cy="1186643"/>
+          </a:xfrm>
+        </p:grpSpPr>
+        <p:pic>
+          <p:nvPicPr>
+            <p:cNvPr id="50" name="Picture 3" descr="C:\Users\Lisa\Downloads\noun_100758_cc.png"/>
+            <p:cNvPicPr>
+              <a:picLocks noChangeAspect="1" noChangeArrowheads="1"/>
+            </p:cNvPicPr>
+            <p:nvPr/>
+          </p:nvPicPr>
+          <p:blipFill rotWithShape="1">
+            <a:blip r:embed="rId7" cstate="print">
+              <a:extLst>
+                <a:ext uri="{28A0092B-C50C-407E-A947-70E740481C1C}">
+                  <a14:useLocalDpi xmlns:a14="http://schemas.microsoft.com/office/drawing/2010/main" val="0"/>
+                </a:ext>
+              </a:extLst>
+            </a:blip>
+            <a:srcRect b="22538"/>
+            <a:stretch/>
+          </p:blipFill>
+          <p:spPr bwMode="auto">
+            <a:xfrm>
+              <a:off x="6834047" y="4471367"/>
+              <a:ext cx="1531914" cy="1186643"/>
+            </a:xfrm>
+            <a:prstGeom prst="rect">
+              <a:avLst/>
+            </a:prstGeom>
+            <a:noFill/>
+            <a:extLst>
+              <a:ext uri="{909E8E84-426E-40dd-AFC4-6F175D3DCCD1}">
+                <a14:hiddenFill xmlns:a14="http://schemas.microsoft.com/office/drawing/2010/main">
+                  <a:solidFill>
+                    <a:srgbClr val="FFFFFF"/>
+                  </a:solidFill>
+                </a14:hiddenFill>
+              </a:ext>
+            </a:extLst>
+          </p:spPr>
+        </p:pic>
+        <p:pic>
+          <p:nvPicPr>
+            <p:cNvPr id="51" name="Picture 8" descr="C:\Users\Lisa\Downloads\noun_75930_cc.png"/>
+            <p:cNvPicPr>
+              <a:picLocks noChangeAspect="1" noChangeArrowheads="1"/>
+            </p:cNvPicPr>
+            <p:nvPr/>
+          </p:nvPicPr>
+          <p:blipFill rotWithShape="1">
+            <a:blip r:embed="rId4" cstate="print">
+              <a:extLst>
+                <a:ext uri="{28A0092B-C50C-407E-A947-70E740481C1C}">
+                  <a14:useLocalDpi xmlns:a14="http://schemas.microsoft.com/office/drawing/2010/main" val="0"/>
+                </a:ext>
+              </a:extLst>
+            </a:blip>
+            <a:srcRect l="26816" t="21680" r="26816" b="36800"/>
+            <a:stretch/>
+          </p:blipFill>
+          <p:spPr bwMode="auto">
+            <a:xfrm>
+              <a:off x="6813030" y="5064689"/>
+              <a:ext cx="462201" cy="413877"/>
+            </a:xfrm>
+            <a:prstGeom prst="ellipse">
+              <a:avLst/>
+            </a:prstGeom>
+            <a:noFill/>
+            <a:extLst>
+              <a:ext uri="{909E8E84-426E-40dd-AFC4-6F175D3DCCD1}">
+                <a14:hiddenFill xmlns:a14="http://schemas.microsoft.com/office/drawing/2010/main">
+                  <a:solidFill>
+                    <a:srgbClr val="FFFFFF"/>
+                  </a:solidFill>
+                </a14:hiddenFill>
+              </a:ext>
+            </a:extLst>
+          </p:spPr>
+        </p:pic>
+      </p:grpSp>
     </p:spTree>
     <p:extLst>
       <p:ext uri="{BB962C8B-B14F-4D97-AF65-F5344CB8AC3E}">
@@ -13491,6 +16741,157 @@
           </a:prstGeom>
         </p:spPr>
       </p:pic>
+      <p:pic>
+        <p:nvPicPr>
+          <p:cNvPr id="2" name="Image 1" descr="noun_300433_cc.png"/>
+          <p:cNvPicPr>
+            <a:picLocks noChangeAspect="1"/>
+          </p:cNvPicPr>
+          <p:nvPr/>
+        </p:nvPicPr>
+        <p:blipFill rotWithShape="1">
+          <a:blip r:embed="rId18">
+            <a:extLst>
+              <a:ext uri="{28A0092B-C50C-407E-A947-70E740481C1C}">
+                <a14:useLocalDpi xmlns:a14="http://schemas.microsoft.com/office/drawing/2010/main" val="0"/>
+              </a:ext>
+            </a:extLst>
+          </a:blip>
+          <a:srcRect l="10741" t="5107" r="12099" b="19085"/>
+          <a:stretch/>
+        </p:blipFill>
+        <p:spPr>
+          <a:xfrm>
+            <a:off x="6444208" y="4514285"/>
+            <a:ext cx="452555" cy="444625"/>
+          </a:xfrm>
+          <a:prstGeom prst="rect">
+            <a:avLst/>
+          </a:prstGeom>
+        </p:spPr>
+      </p:pic>
+      <p:pic>
+        <p:nvPicPr>
+          <p:cNvPr id="22" name="Image 21" descr="noun_100757_cc.png"/>
+          <p:cNvPicPr>
+            <a:picLocks noChangeAspect="1"/>
+          </p:cNvPicPr>
+          <p:nvPr/>
+        </p:nvPicPr>
+        <p:blipFill rotWithShape="1">
+          <a:blip r:embed="rId13">
+            <a:extLst>
+              <a:ext uri="{28A0092B-C50C-407E-A947-70E740481C1C}">
+                <a14:useLocalDpi xmlns:a14="http://schemas.microsoft.com/office/drawing/2010/main" val="0"/>
+              </a:ext>
+            </a:extLst>
+          </a:blip>
+          <a:srcRect l="62272" t="44927" r="11330" b="30009"/>
+          <a:stretch/>
+        </p:blipFill>
+        <p:spPr>
+          <a:xfrm>
+            <a:off x="4453466" y="5771219"/>
+            <a:ext cx="616951" cy="598937"/>
+          </a:xfrm>
+          <a:prstGeom prst="rect">
+            <a:avLst/>
+          </a:prstGeom>
+        </p:spPr>
+      </p:pic>
+      <p:grpSp>
+        <p:nvGrpSpPr>
+          <p:cNvPr id="23" name="Grouper 22"/>
+          <p:cNvGrpSpPr/>
+          <p:nvPr/>
+        </p:nvGrpSpPr>
+        <p:grpSpPr>
+          <a:xfrm>
+            <a:off x="7214214" y="5544894"/>
+            <a:ext cx="1607177" cy="1209763"/>
+            <a:chOff x="6813030" y="4471367"/>
+            <a:chExt cx="1552931" cy="1186643"/>
+          </a:xfrm>
+        </p:grpSpPr>
+        <p:pic>
+          <p:nvPicPr>
+            <p:cNvPr id="24" name="Picture 3" descr="C:\Users\Lisa\Downloads\noun_100758_cc.png"/>
+            <p:cNvPicPr>
+              <a:picLocks noChangeAspect="1" noChangeArrowheads="1"/>
+            </p:cNvPicPr>
+            <p:nvPr/>
+          </p:nvPicPr>
+          <p:blipFill rotWithShape="1">
+            <a:blip r:embed="rId11" cstate="print">
+              <a:extLst>
+                <a:ext uri="{28A0092B-C50C-407E-A947-70E740481C1C}">
+                  <a14:useLocalDpi xmlns:a14="http://schemas.microsoft.com/office/drawing/2010/main" val="0"/>
+                </a:ext>
+              </a:extLst>
+            </a:blip>
+            <a:srcRect b="22538"/>
+            <a:stretch/>
+          </p:blipFill>
+          <p:spPr bwMode="auto">
+            <a:xfrm>
+              <a:off x="6834047" y="4471367"/>
+              <a:ext cx="1531914" cy="1186643"/>
+            </a:xfrm>
+            <a:prstGeom prst="rect">
+              <a:avLst/>
+            </a:prstGeom>
+            <a:noFill/>
+            <a:extLst>
+              <a:ext uri="{909E8E84-426E-40dd-AFC4-6F175D3DCCD1}">
+                <a14:hiddenFill xmlns:a14="http://schemas.microsoft.com/office/drawing/2010/main">
+                  <a:solidFill>
+                    <a:srgbClr val="FFFFFF"/>
+                  </a:solidFill>
+                </a14:hiddenFill>
+              </a:ext>
+            </a:extLst>
+          </p:spPr>
+        </p:pic>
+        <p:pic>
+          <p:nvPicPr>
+            <p:cNvPr id="25" name="Picture 8" descr="C:\Users\Lisa\Downloads\noun_75930_cc.png"/>
+            <p:cNvPicPr>
+              <a:picLocks noChangeAspect="1" noChangeArrowheads="1"/>
+            </p:cNvPicPr>
+            <p:nvPr/>
+          </p:nvPicPr>
+          <p:blipFill rotWithShape="1">
+            <a:blip r:embed="rId8" cstate="print">
+              <a:extLst>
+                <a:ext uri="{28A0092B-C50C-407E-A947-70E740481C1C}">
+                  <a14:useLocalDpi xmlns:a14="http://schemas.microsoft.com/office/drawing/2010/main" val="0"/>
+                </a:ext>
+              </a:extLst>
+            </a:blip>
+            <a:srcRect l="26816" t="21680" r="26816" b="36800"/>
+            <a:stretch/>
+          </p:blipFill>
+          <p:spPr bwMode="auto">
+            <a:xfrm>
+              <a:off x="6813030" y="5064689"/>
+              <a:ext cx="462201" cy="413877"/>
+            </a:xfrm>
+            <a:prstGeom prst="ellipse">
+              <a:avLst/>
+            </a:prstGeom>
+            <a:noFill/>
+            <a:extLst>
+              <a:ext uri="{909E8E84-426E-40dd-AFC4-6F175D3DCCD1}">
+                <a14:hiddenFill xmlns:a14="http://schemas.microsoft.com/office/drawing/2010/main">
+                  <a:solidFill>
+                    <a:srgbClr val="FFFFFF"/>
+                  </a:solidFill>
+                </a14:hiddenFill>
+              </a:ext>
+            </a:extLst>
+          </p:spPr>
+        </p:pic>
+      </p:grpSp>
     </p:spTree>
     <p:extLst>
       <p:ext uri="{BB962C8B-B14F-4D97-AF65-F5344CB8AC3E}">
@@ -13754,43 +17155,159 @@
           </p:spPr>
         </p:pic>
       </p:grpSp>
+      <p:pic>
+        <p:nvPicPr>
+          <p:cNvPr id="6" name="Image 5" descr="noun_43763_cc.png"/>
+          <p:cNvPicPr>
+            <a:picLocks noChangeAspect="1"/>
+          </p:cNvPicPr>
+          <p:nvPr/>
+        </p:nvPicPr>
+        <p:blipFill rotWithShape="1">
+          <a:blip r:embed="rId8">
+            <a:extLst>
+              <a:ext uri="{28A0092B-C50C-407E-A947-70E740481C1C}">
+                <a14:useLocalDpi xmlns:a14="http://schemas.microsoft.com/office/drawing/2010/main" val="0"/>
+              </a:ext>
+            </a:extLst>
+          </a:blip>
+          <a:srcRect l="18519" t="4088" r="16427" b="16296"/>
+          <a:stretch/>
+        </p:blipFill>
+        <p:spPr>
+          <a:xfrm>
+            <a:off x="2621191" y="1102216"/>
+            <a:ext cx="489789" cy="599421"/>
+          </a:xfrm>
+          <a:prstGeom prst="rect">
+            <a:avLst/>
+          </a:prstGeom>
+        </p:spPr>
+      </p:pic>
+      <p:pic>
+        <p:nvPicPr>
+          <p:cNvPr id="26" name="Image 25" descr="noun_43764_cc.png"/>
+          <p:cNvPicPr>
+            <a:picLocks noChangeAspect="1"/>
+          </p:cNvPicPr>
+          <p:nvPr/>
+        </p:nvPicPr>
+        <p:blipFill rotWithShape="1">
+          <a:blip r:embed="rId3">
+            <a:extLst>
+              <a:ext uri="{28A0092B-C50C-407E-A947-70E740481C1C}">
+                <a14:useLocalDpi xmlns:a14="http://schemas.microsoft.com/office/drawing/2010/main" val="0"/>
+              </a:ext>
+            </a:extLst>
+          </a:blip>
+          <a:srcRect l="18136" t="3848" r="18850" b="17259"/>
+          <a:stretch/>
+        </p:blipFill>
+        <p:spPr>
+          <a:xfrm>
+            <a:off x="1059334" y="445767"/>
+            <a:ext cx="518560" cy="649239"/>
+          </a:xfrm>
+          <a:prstGeom prst="rect">
+            <a:avLst/>
+          </a:prstGeom>
+        </p:spPr>
+      </p:pic>
+      <p:pic>
+        <p:nvPicPr>
+          <p:cNvPr id="27" name="Image 26" descr="noun_43762_cc.png"/>
+          <p:cNvPicPr>
+            <a:picLocks noChangeAspect="1"/>
+          </p:cNvPicPr>
+          <p:nvPr/>
+        </p:nvPicPr>
+        <p:blipFill rotWithShape="1">
+          <a:blip r:embed="rId4">
+            <a:extLst>
+              <a:ext uri="{28A0092B-C50C-407E-A947-70E740481C1C}">
+                <a14:useLocalDpi xmlns:a14="http://schemas.microsoft.com/office/drawing/2010/main" val="0"/>
+              </a:ext>
+            </a:extLst>
+          </a:blip>
+          <a:srcRect l="19722" t="4089" r="20151" b="16536"/>
+          <a:stretch/>
+        </p:blipFill>
+        <p:spPr>
+          <a:xfrm>
+            <a:off x="1710170" y="888079"/>
+            <a:ext cx="442637" cy="584324"/>
+          </a:xfrm>
+          <a:prstGeom prst="rect">
+            <a:avLst/>
+          </a:prstGeom>
+        </p:spPr>
+      </p:pic>
+      <p:pic>
+        <p:nvPicPr>
+          <p:cNvPr id="28" name="Image 27" descr="noun_43761_cc.png"/>
+          <p:cNvPicPr>
+            <a:picLocks noChangeAspect="1"/>
+          </p:cNvPicPr>
+          <p:nvPr/>
+        </p:nvPicPr>
+        <p:blipFill rotWithShape="1">
+          <a:blip r:embed="rId5">
+            <a:extLst>
+              <a:ext uri="{28A0092B-C50C-407E-A947-70E740481C1C}">
+                <a14:useLocalDpi xmlns:a14="http://schemas.microsoft.com/office/drawing/2010/main" val="0"/>
+              </a:ext>
+            </a:extLst>
+          </a:blip>
+          <a:srcRect l="18975" t="4089" r="19695" b="17257"/>
+          <a:stretch/>
+        </p:blipFill>
+        <p:spPr>
+          <a:xfrm>
+            <a:off x="471473" y="1202849"/>
+            <a:ext cx="436691" cy="560034"/>
+          </a:xfrm>
+          <a:prstGeom prst="rect">
+            <a:avLst/>
+          </a:prstGeom>
+        </p:spPr>
+      </p:pic>
       <p:grpSp>
         <p:nvGrpSpPr>
-          <p:cNvPr id="39" name="Grouper 38"/>
+          <p:cNvPr id="29" name="Grouper 28"/>
           <p:cNvGrpSpPr/>
           <p:nvPr/>
         </p:nvGrpSpPr>
         <p:grpSpPr>
           <a:xfrm>
-            <a:off x="-35974" y="-55531"/>
-            <a:ext cx="4609543" cy="2230668"/>
-            <a:chOff x="-158094" y="-61707"/>
-            <a:chExt cx="4609543" cy="2230668"/>
+            <a:off x="3604897" y="888079"/>
+            <a:ext cx="968672" cy="960089"/>
+            <a:chOff x="3959026" y="3661998"/>
+            <a:chExt cx="3125434" cy="3196001"/>
           </a:xfrm>
         </p:grpSpPr>
         <p:pic>
           <p:nvPicPr>
-            <p:cNvPr id="6" name="Image 5" descr="noun_43763_cc.png"/>
+            <p:cNvPr id="31" name="Image 30" descr="noun_100757_cc.png"/>
             <p:cNvPicPr>
               <a:picLocks noChangeAspect="1"/>
             </p:cNvPicPr>
             <p:nvPr/>
           </p:nvPicPr>
           <p:blipFill rotWithShape="1">
-            <a:blip r:embed="rId8">
+            <a:blip r:embed="rId6">
               <a:extLst>
                 <a:ext uri="{28A0092B-C50C-407E-A947-70E740481C1C}">
                   <a14:useLocalDpi xmlns:a14="http://schemas.microsoft.com/office/drawing/2010/main" val="0"/>
                 </a:ext>
               </a:extLst>
             </a:blip>
-            <a:srcRect l="18519" t="4088" r="16427" b="16296"/>
+            <a:srcRect l="14972" t="11429" r="9859" b="27857"/>
             <a:stretch/>
           </p:blipFill>
           <p:spPr>
             <a:xfrm>
-              <a:off x="2499071" y="1096040"/>
-              <a:ext cx="489789" cy="599421"/>
+              <a:off x="5302871" y="5377522"/>
+              <a:ext cx="1781589" cy="1471397"/>
             </a:xfrm>
             <a:prstGeom prst="rect">
               <a:avLst/>
@@ -13799,187 +17316,27 @@
         </p:pic>
         <p:pic>
           <p:nvPicPr>
-            <p:cNvPr id="26" name="Image 25" descr="noun_43764_cc.png"/>
+            <p:cNvPr id="32" name="Image 31" descr="noun_249512_cc.png"/>
             <p:cNvPicPr>
               <a:picLocks noChangeAspect="1"/>
             </p:cNvPicPr>
             <p:nvPr/>
           </p:nvPicPr>
           <p:blipFill rotWithShape="1">
-            <a:blip r:embed="rId3">
+            <a:blip r:embed="rId2">
               <a:extLst>
                 <a:ext uri="{28A0092B-C50C-407E-A947-70E740481C1C}">
                   <a14:useLocalDpi xmlns:a14="http://schemas.microsoft.com/office/drawing/2010/main" val="0"/>
                 </a:ext>
               </a:extLst>
             </a:blip>
-            <a:srcRect l="18136" t="3848" r="18850" b="17259"/>
+            <a:srcRect l="25110" t="3090" r="27989" b="16056"/>
             <a:stretch/>
           </p:blipFill>
           <p:spPr>
             <a:xfrm>
-              <a:off x="937214" y="439591"/>
-              <a:ext cx="518560" cy="649239"/>
-            </a:xfrm>
-            <a:prstGeom prst="rect">
-              <a:avLst/>
-            </a:prstGeom>
-          </p:spPr>
-        </p:pic>
-        <p:pic>
-          <p:nvPicPr>
-            <p:cNvPr id="27" name="Image 26" descr="noun_43762_cc.png"/>
-            <p:cNvPicPr>
-              <a:picLocks noChangeAspect="1"/>
-            </p:cNvPicPr>
-            <p:nvPr/>
-          </p:nvPicPr>
-          <p:blipFill rotWithShape="1">
-            <a:blip r:embed="rId4">
-              <a:extLst>
-                <a:ext uri="{28A0092B-C50C-407E-A947-70E740481C1C}">
-                  <a14:useLocalDpi xmlns:a14="http://schemas.microsoft.com/office/drawing/2010/main" val="0"/>
-                </a:ext>
-              </a:extLst>
-            </a:blip>
-            <a:srcRect l="19722" t="4089" r="20151" b="16536"/>
-            <a:stretch/>
-          </p:blipFill>
-          <p:spPr>
-            <a:xfrm>
-              <a:off x="1588050" y="881903"/>
-              <a:ext cx="442637" cy="584324"/>
-            </a:xfrm>
-            <a:prstGeom prst="rect">
-              <a:avLst/>
-            </a:prstGeom>
-          </p:spPr>
-        </p:pic>
-        <p:pic>
-          <p:nvPicPr>
-            <p:cNvPr id="28" name="Image 27" descr="noun_43761_cc.png"/>
-            <p:cNvPicPr>
-              <a:picLocks noChangeAspect="1"/>
-            </p:cNvPicPr>
-            <p:nvPr/>
-          </p:nvPicPr>
-          <p:blipFill rotWithShape="1">
-            <a:blip r:embed="rId5">
-              <a:extLst>
-                <a:ext uri="{28A0092B-C50C-407E-A947-70E740481C1C}">
-                  <a14:useLocalDpi xmlns:a14="http://schemas.microsoft.com/office/drawing/2010/main" val="0"/>
-                </a:ext>
-              </a:extLst>
-            </a:blip>
-            <a:srcRect l="18975" t="4089" r="19695" b="17257"/>
-            <a:stretch/>
-          </p:blipFill>
-          <p:spPr>
-            <a:xfrm>
-              <a:off x="349353" y="1196673"/>
-              <a:ext cx="436691" cy="560034"/>
-            </a:xfrm>
-            <a:prstGeom prst="rect">
-              <a:avLst/>
-            </a:prstGeom>
-          </p:spPr>
-        </p:pic>
-        <p:grpSp>
-          <p:nvGrpSpPr>
-            <p:cNvPr id="29" name="Grouper 28"/>
-            <p:cNvGrpSpPr/>
-            <p:nvPr/>
-          </p:nvGrpSpPr>
-          <p:grpSpPr>
-            <a:xfrm>
-              <a:off x="3482777" y="881903"/>
-              <a:ext cx="968672" cy="960089"/>
-              <a:chOff x="3959026" y="3661998"/>
-              <a:chExt cx="3125434" cy="3196001"/>
-            </a:xfrm>
-          </p:grpSpPr>
-          <p:pic>
-            <p:nvPicPr>
-              <p:cNvPr id="31" name="Image 30" descr="noun_100757_cc.png"/>
-              <p:cNvPicPr>
-                <a:picLocks noChangeAspect="1"/>
-              </p:cNvPicPr>
-              <p:nvPr/>
-            </p:nvPicPr>
-            <p:blipFill rotWithShape="1">
-              <a:blip r:embed="rId6">
-                <a:extLst>
-                  <a:ext uri="{28A0092B-C50C-407E-A947-70E740481C1C}">
-                    <a14:useLocalDpi xmlns:a14="http://schemas.microsoft.com/office/drawing/2010/main" val="0"/>
-                  </a:ext>
-                </a:extLst>
-              </a:blip>
-              <a:srcRect l="14972" t="11429" r="9859" b="27857"/>
-              <a:stretch/>
-            </p:blipFill>
-            <p:spPr>
-              <a:xfrm>
-                <a:off x="5302871" y="5377522"/>
-                <a:ext cx="1781589" cy="1471397"/>
-              </a:xfrm>
-              <a:prstGeom prst="rect">
-                <a:avLst/>
-              </a:prstGeom>
-            </p:spPr>
-          </p:pic>
-          <p:pic>
-            <p:nvPicPr>
-              <p:cNvPr id="32" name="Image 31" descr="noun_249512_cc.png"/>
-              <p:cNvPicPr>
-                <a:picLocks noChangeAspect="1"/>
-              </p:cNvPicPr>
-              <p:nvPr/>
-            </p:nvPicPr>
-            <p:blipFill rotWithShape="1">
-              <a:blip r:embed="rId2">
-                <a:extLst>
-                  <a:ext uri="{28A0092B-C50C-407E-A947-70E740481C1C}">
-                    <a14:useLocalDpi xmlns:a14="http://schemas.microsoft.com/office/drawing/2010/main" val="0"/>
-                  </a:ext>
-                </a:extLst>
-              </a:blip>
-              <a:srcRect l="25110" t="3090" r="27989" b="16056"/>
-              <a:stretch/>
-            </p:blipFill>
-            <p:spPr>
-              <a:xfrm>
-                <a:off x="3959026" y="3661998"/>
-                <a:ext cx="1853840" cy="3196001"/>
-              </a:xfrm>
-              <a:prstGeom prst="rect">
-                <a:avLst/>
-              </a:prstGeom>
-            </p:spPr>
-          </p:pic>
-        </p:grpSp>
-        <p:pic>
-          <p:nvPicPr>
-            <p:cNvPr id="30" name="Image 29" descr="noun_42893_cc.png"/>
-            <p:cNvPicPr>
-              <a:picLocks noChangeAspect="1"/>
-            </p:cNvPicPr>
-            <p:nvPr/>
-          </p:nvPicPr>
-          <p:blipFill rotWithShape="1">
-            <a:blip r:embed="rId7">
-              <a:extLst>
-                <a:ext uri="{28A0092B-C50C-407E-A947-70E740481C1C}">
-                  <a14:useLocalDpi xmlns:a14="http://schemas.microsoft.com/office/drawing/2010/main" val="0"/>
-                </a:ext>
-              </a:extLst>
-            </a:blip>
-            <a:srcRect l="9620" t="21300" r="9688" b="35742"/>
-            <a:stretch/>
-          </p:blipFill>
-          <p:spPr>
-            <a:xfrm>
-              <a:off x="-158094" y="-61707"/>
-              <a:ext cx="4190052" cy="2230668"/>
+              <a:off x="3959026" y="3661998"/>
+              <a:ext cx="1853840" cy="3196001"/>
             </a:xfrm>
             <a:prstGeom prst="rect">
               <a:avLst/>
@@ -13987,6 +17344,35 @@
           </p:spPr>
         </p:pic>
       </p:grpSp>
+      <p:pic>
+        <p:nvPicPr>
+          <p:cNvPr id="30" name="Image 29" descr="noun_42893_cc.png"/>
+          <p:cNvPicPr>
+            <a:picLocks noChangeAspect="1"/>
+          </p:cNvPicPr>
+          <p:nvPr/>
+        </p:nvPicPr>
+        <p:blipFill rotWithShape="1">
+          <a:blip r:embed="rId7">
+            <a:extLst>
+              <a:ext uri="{28A0092B-C50C-407E-A947-70E740481C1C}">
+                <a14:useLocalDpi xmlns:a14="http://schemas.microsoft.com/office/drawing/2010/main" val="0"/>
+              </a:ext>
+            </a:extLst>
+          </a:blip>
+          <a:srcRect l="9620" t="21300" r="9688" b="35742"/>
+          <a:stretch/>
+        </p:blipFill>
+        <p:spPr>
+          <a:xfrm>
+            <a:off x="-35974" y="-55531"/>
+            <a:ext cx="4190052" cy="2230668"/>
+          </a:xfrm>
+          <a:prstGeom prst="rect">
+            <a:avLst/>
+          </a:prstGeom>
+        </p:spPr>
+      </p:pic>
       <p:pic>
         <p:nvPicPr>
           <p:cNvPr id="36" name="Image 35" descr="noun_43764_cc.png"/>
@@ -19464,20 +22850,8 @@
                 <a:latin typeface="Times New Roman"/>
                 <a:cs typeface="Times New Roman"/>
               </a:rPr>
-              <a:t>Par exemple, en considérant l’arbre des statuts ci-contre, un Intervenant extérieur aura les clés privées de Intervenant extérieur, Enseignant, Personnel  et Global</a:t>
-            </a:r>
-            <a:r>
-              <a:rPr lang="fr-FR" sz="1400">
-                <a:effectLst/>
-                <a:latin typeface="Times New Roman"/>
-                <a:cs typeface="Times New Roman"/>
-              </a:rPr>
-              <a:t> </a:t>
-            </a:r>
-            <a:endParaRPr lang="fr-FR" sz="1400">
-              <a:latin typeface="Times New Roman"/>
-              <a:cs typeface="Times New Roman"/>
-            </a:endParaRPr>
+              <a:t>Par exemple, en considérant l’arbre des statuts ci-contre, une politique autorisant l’accès à statut = élève, autorise les prépa intégrées, les élèves ingénieurs, les masters et les doctorants.</a:t>
+            </a:r>
           </a:p>
         </p:txBody>
       </p:sp>
@@ -20067,7 +23441,7 @@
                   <a:schemeClr val="tx1"/>
                 </a:solidFill>
               </a:rPr>
-              <a:t>BD configuration global</a:t>
+              <a:t>configuration globale</a:t>
             </a:r>
             <a:endParaRPr lang="fr-FR" dirty="0">
               <a:solidFill>
